--- a/wigs/WIGS-W01.pptx
+++ b/wigs/WIGS-W01.pptx
@@ -6,10 +6,10 @@
     <p:sldMasterId id="2147483744" r:id="rId2"/>
   </p:sldMasterIdLst>
   <p:notesMasterIdLst>
-    <p:notesMasterId r:id="rId27"/>
+    <p:notesMasterId r:id="rId23"/>
   </p:notesMasterIdLst>
   <p:handoutMasterIdLst>
-    <p:handoutMasterId r:id="rId28"/>
+    <p:handoutMasterId r:id="rId24"/>
   </p:handoutMasterIdLst>
   <p:sldIdLst>
     <p:sldId id="331" r:id="rId3"/>
@@ -17,25 +17,21 @@
     <p:sldId id="333" r:id="rId5"/>
     <p:sldId id="334" r:id="rId6"/>
     <p:sldId id="335" r:id="rId7"/>
-    <p:sldId id="317" r:id="rId8"/>
-    <p:sldId id="341" r:id="rId9"/>
-    <p:sldId id="340" r:id="rId10"/>
-    <p:sldId id="339" r:id="rId11"/>
-    <p:sldId id="338" r:id="rId12"/>
-    <p:sldId id="337" r:id="rId13"/>
-    <p:sldId id="336" r:id="rId14"/>
-    <p:sldId id="347" r:id="rId15"/>
-    <p:sldId id="346" r:id="rId16"/>
-    <p:sldId id="345" r:id="rId17"/>
-    <p:sldId id="344" r:id="rId18"/>
-    <p:sldId id="343" r:id="rId19"/>
-    <p:sldId id="342" r:id="rId20"/>
-    <p:sldId id="353" r:id="rId21"/>
-    <p:sldId id="352" r:id="rId22"/>
-    <p:sldId id="351" r:id="rId23"/>
-    <p:sldId id="350" r:id="rId24"/>
-    <p:sldId id="349" r:id="rId25"/>
-    <p:sldId id="354" r:id="rId26"/>
+    <p:sldId id="341" r:id="rId8"/>
+    <p:sldId id="340" r:id="rId9"/>
+    <p:sldId id="339" r:id="rId10"/>
+    <p:sldId id="338" r:id="rId11"/>
+    <p:sldId id="337" r:id="rId12"/>
+    <p:sldId id="347" r:id="rId13"/>
+    <p:sldId id="346" r:id="rId14"/>
+    <p:sldId id="345" r:id="rId15"/>
+    <p:sldId id="344" r:id="rId16"/>
+    <p:sldId id="343" r:id="rId17"/>
+    <p:sldId id="353" r:id="rId18"/>
+    <p:sldId id="352" r:id="rId19"/>
+    <p:sldId id="351" r:id="rId20"/>
+    <p:sldId id="350" r:id="rId21"/>
+    <p:sldId id="349" r:id="rId22"/>
   </p:sldIdLst>
   <p:sldSz cx="12192000" cy="6858000"/>
   <p:notesSz cx="6858000" cy="9144000"/>
@@ -224,6 +220,7 @@
     <p1510:client id="{10960B7C-FE1B-C8CF-7D6F-50AC0303BBCF}" v="66" dt="2020-04-28T22:48:57.537"/>
     <p1510:client id="{19B2A826-CA12-E4AE-19B9-786BDB0516E4}" v="70" dt="2020-04-25T19:58:19.390"/>
     <p1510:client id="{1FA63E69-62AA-A702-B1BE-E9EC7258840C}" v="27" dt="2020-05-02T19:27:44.934"/>
+    <p1510:client id="{2020B6CB-FF1C-5A50-81A1-390FBEC31F66}" v="42" dt="2020-07-13T22:05:24.559"/>
     <p1510:client id="{2C6B049A-5AC5-0CE8-CA38-750AD08E93A6}" v="1" dt="2020-05-02T19:36:58.283"/>
     <p1510:client id="{3DE0CD7E-62D9-FB91-6F3F-1A21C31D4A55}" v="357" dt="2020-04-27T19:41:02.447"/>
     <p1510:client id="{53215845-DDD0-9FDD-3965-1E191776CFAE}" v="4" dt="2020-04-25T19:17:44.511"/>
@@ -1276,6 +1273,43 @@
     </pc:docChg>
   </pc:docChgLst>
   <pc:docChgLst>
+    <pc:chgData name="Boe, Jonah" userId="S::jonahwb@byui.edu::0d5e1f00-1ebc-42bd-9eb7-862baab2db1c" providerId="AD" clId="Web-{2020B6CB-FF1C-5A50-81A1-390FBEC31F66}"/>
+    <pc:docChg chg="addSld delSld">
+      <pc:chgData name="Boe, Jonah" userId="S::jonahwb@byui.edu::0d5e1f00-1ebc-42bd-9eb7-862baab2db1c" providerId="AD" clId="Web-{2020B6CB-FF1C-5A50-81A1-390FBEC31F66}" dt="2020-07-13T22:05:24.559" v="7"/>
+      <pc:docMkLst>
+        <pc:docMk/>
+      </pc:docMkLst>
+      <pc:sldChg chg="add del">
+        <pc:chgData name="Boe, Jonah" userId="S::jonahwb@byui.edu::0d5e1f00-1ebc-42bd-9eb7-862baab2db1c" providerId="AD" clId="Web-{2020B6CB-FF1C-5A50-81A1-390FBEC31F66}" dt="2020-07-13T22:05:14.637" v="4"/>
+        <pc:sldMkLst>
+          <pc:docMk/>
+          <pc:sldMk cId="1554097160" sldId="317"/>
+        </pc:sldMkLst>
+      </pc:sldChg>
+      <pc:sldChg chg="add del">
+        <pc:chgData name="Boe, Jonah" userId="S::jonahwb@byui.edu::0d5e1f00-1ebc-42bd-9eb7-862baab2db1c" providerId="AD" clId="Web-{2020B6CB-FF1C-5A50-81A1-390FBEC31F66}" dt="2020-07-13T22:05:18.747" v="5"/>
+        <pc:sldMkLst>
+          <pc:docMk/>
+          <pc:sldMk cId="138496811" sldId="336"/>
+        </pc:sldMkLst>
+      </pc:sldChg>
+      <pc:sldChg chg="del">
+        <pc:chgData name="Boe, Jonah" userId="S::jonahwb@byui.edu::0d5e1f00-1ebc-42bd-9eb7-862baab2db1c" providerId="AD" clId="Web-{2020B6CB-FF1C-5A50-81A1-390FBEC31F66}" dt="2020-07-13T22:05:21.420" v="6"/>
+        <pc:sldMkLst>
+          <pc:docMk/>
+          <pc:sldMk cId="2319251064" sldId="342"/>
+        </pc:sldMkLst>
+      </pc:sldChg>
+      <pc:sldChg chg="del">
+        <pc:chgData name="Boe, Jonah" userId="S::jonahwb@byui.edu::0d5e1f00-1ebc-42bd-9eb7-862baab2db1c" providerId="AD" clId="Web-{2020B6CB-FF1C-5A50-81A1-390FBEC31F66}" dt="2020-07-13T22:05:24.559" v="7"/>
+        <pc:sldMkLst>
+          <pc:docMk/>
+          <pc:sldMk cId="1577530696" sldId="354"/>
+        </pc:sldMkLst>
+      </pc:sldChg>
+    </pc:docChg>
+  </pc:docChgLst>
+  <pc:docChgLst>
     <pc:chgData name="Boe, Jonah" userId="S::jonahwb@byui.edu::0d5e1f00-1ebc-42bd-9eb7-862baab2db1c" providerId="AD" clId="Web-{A3DDFBBC-D0D5-1C91-5A75-436ADB746299}"/>
     <pc:docChg chg="modSld">
       <pc:chgData name="Boe, Jonah" userId="S::jonahwb@byui.edu::0d5e1f00-1ebc-42bd-9eb7-862baab2db1c" providerId="AD" clId="Web-{A3DDFBBC-D0D5-1C91-5A75-436ADB746299}" dt="2020-05-05T05:19:05.532" v="1"/>
@@ -1776,10 +1810,10 @@
           </a:ln>
           <a:extLst>
             <a:ext uri="{FAA26D3D-D897-4be2-8F04-BA451C77F1D7}">
-              <ma14:placeholderFlag xmlns="" xmlns:ma14="http://schemas.microsoft.com/office/mac/drawingml/2011/main" val="1"/>
+              <ma14:placeholderFlag xmlns:ma14="http://schemas.microsoft.com/office/mac/drawingml/2011/main" xmlns="" val="1"/>
             </a:ext>
             <a:ext uri="{909E8E84-426E-40dd-AFC4-6F175D3DCCD1}">
-              <a14:hiddenFill xmlns="" xmlns:a14="http://schemas.microsoft.com/office/drawing/2010/main">
+              <a14:hiddenFill xmlns:a14="http://schemas.microsoft.com/office/drawing/2010/main" xmlns="">
                 <a:solidFill>
                   <a:srgbClr val="FFFFFF"/>
                 </a:solidFill>
@@ -2093,430 +2127,6 @@
     </a:lvl9pPr>
   </p:notesStyle>
 </p:notesMaster>
-</file>
-
-<file path=ppt/notesSlides/notesSlide1.xml><?xml version="1.0" encoding="utf-8"?>
-<p:notes xmlns:a="http://schemas.openxmlformats.org/drawingml/2006/main" xmlns:r="http://schemas.openxmlformats.org/officeDocument/2006/relationships" xmlns:p="http://schemas.openxmlformats.org/presentationml/2006/main">
-  <p:cSld>
-    <p:spTree>
-      <p:nvGrpSpPr>
-        <p:cNvPr id="1" name=""/>
-        <p:cNvGrpSpPr/>
-        <p:nvPr/>
-      </p:nvGrpSpPr>
-      <p:grpSpPr>
-        <a:xfrm>
-          <a:off x="0" y="0"/>
-          <a:ext cx="0" cy="0"/>
-          <a:chOff x="0" y="0"/>
-          <a:chExt cx="0" cy="0"/>
-        </a:xfrm>
-      </p:grpSpPr>
-      <p:sp>
-        <p:nvSpPr>
-          <p:cNvPr id="2" name="Slide Image Placeholder 1"/>
-          <p:cNvSpPr>
-            <a:spLocks noGrp="1" noRot="1" noChangeAspect="1"/>
-          </p:cNvSpPr>
-          <p:nvPr>
-            <p:ph type="sldImg"/>
-          </p:nvPr>
-        </p:nvSpPr>
-        <p:spPr/>
-      </p:sp>
-      <p:sp>
-        <p:nvSpPr>
-          <p:cNvPr id="3" name="Notes Placeholder 2"/>
-          <p:cNvSpPr>
-            <a:spLocks noGrp="1"/>
-          </p:cNvSpPr>
-          <p:nvPr>
-            <p:ph type="body" idx="1"/>
-          </p:nvPr>
-        </p:nvSpPr>
-        <p:spPr/>
-        <p:txBody>
-          <a:bodyPr/>
-          <a:lstStyle/>
-          <a:p>
-            <a:r>
-              <a:rPr lang="en-US"/>
-              <a:t>Taken</a:t>
-            </a:r>
-            <a:r>
-              <a:rPr lang="en-US" baseline="0"/>
-              <a:t> from Elder </a:t>
-            </a:r>
-            <a:r>
-              <a:rPr lang="en-US" baseline="0" err="1"/>
-              <a:t>Bednar’s</a:t>
-            </a:r>
-            <a:r>
-              <a:rPr lang="en-US" baseline="0"/>
-              <a:t> address:  http://www2.byui.edu/Presentations/Transcripts/Devotionals/2006_10_31_Bednar.htm</a:t>
-            </a:r>
-            <a:endParaRPr lang="en-US"/>
-          </a:p>
-        </p:txBody>
-      </p:sp>
-      <p:sp>
-        <p:nvSpPr>
-          <p:cNvPr id="4" name="Slide Number Placeholder 3"/>
-          <p:cNvSpPr>
-            <a:spLocks noGrp="1"/>
-          </p:cNvSpPr>
-          <p:nvPr>
-            <p:ph type="sldNum" sz="quarter" idx="10"/>
-          </p:nvPr>
-        </p:nvSpPr>
-        <p:spPr/>
-        <p:txBody>
-          <a:bodyPr/>
-          <a:lstStyle/>
-          <a:p>
-            <a:pPr>
-              <a:defRPr/>
-            </a:pPr>
-            <a:fld id="{51342D44-898C-604E-9C02-B4C04BCE3A57}" type="slidenum">
-              <a:rPr lang="en-US" smtClean="0"/>
-              <a:pPr>
-                <a:defRPr/>
-              </a:pPr>
-              <a:t>5</a:t>
-            </a:fld>
-            <a:endParaRPr lang="en-US"/>
-          </a:p>
-        </p:txBody>
-      </p:sp>
-    </p:spTree>
-    <p:extLst>
-      <p:ext uri="{BB962C8B-B14F-4D97-AF65-F5344CB8AC3E}">
-        <p14:creationId xmlns:p14="http://schemas.microsoft.com/office/powerpoint/2010/main" val="2014853306"/>
-      </p:ext>
-    </p:extLst>
-  </p:cSld>
-  <p:clrMapOvr>
-    <a:masterClrMapping/>
-  </p:clrMapOvr>
-</p:notes>
-</file>
-
-<file path=ppt/notesSlides/notesSlide2.xml><?xml version="1.0" encoding="utf-8"?>
-<p:notes xmlns:a="http://schemas.openxmlformats.org/drawingml/2006/main" xmlns:r="http://schemas.openxmlformats.org/officeDocument/2006/relationships" xmlns:p="http://schemas.openxmlformats.org/presentationml/2006/main">
-  <p:cSld>
-    <p:spTree>
-      <p:nvGrpSpPr>
-        <p:cNvPr id="1" name=""/>
-        <p:cNvGrpSpPr/>
-        <p:nvPr/>
-      </p:nvGrpSpPr>
-      <p:grpSpPr>
-        <a:xfrm>
-          <a:off x="0" y="0"/>
-          <a:ext cx="0" cy="0"/>
-          <a:chOff x="0" y="0"/>
-          <a:chExt cx="0" cy="0"/>
-        </a:xfrm>
-      </p:grpSpPr>
-      <p:sp>
-        <p:nvSpPr>
-          <p:cNvPr id="2" name="Slide Image Placeholder 1"/>
-          <p:cNvSpPr>
-            <a:spLocks noGrp="1" noRot="1" noChangeAspect="1"/>
-          </p:cNvSpPr>
-          <p:nvPr>
-            <p:ph type="sldImg"/>
-          </p:nvPr>
-        </p:nvSpPr>
-        <p:spPr/>
-      </p:sp>
-      <p:sp>
-        <p:nvSpPr>
-          <p:cNvPr id="3" name="Notes Placeholder 2"/>
-          <p:cNvSpPr>
-            <a:spLocks noGrp="1"/>
-          </p:cNvSpPr>
-          <p:nvPr>
-            <p:ph type="body" idx="1"/>
-          </p:nvPr>
-        </p:nvSpPr>
-        <p:spPr/>
-        <p:txBody>
-          <a:bodyPr/>
-          <a:lstStyle/>
-          <a:p>
-            <a:r>
-              <a:rPr lang="en-US"/>
-              <a:t>Taken</a:t>
-            </a:r>
-            <a:r>
-              <a:rPr lang="en-US" baseline="0"/>
-              <a:t> from Elder </a:t>
-            </a:r>
-            <a:r>
-              <a:rPr lang="en-US" baseline="0" err="1"/>
-              <a:t>Bednar’s</a:t>
-            </a:r>
-            <a:r>
-              <a:rPr lang="en-US" baseline="0"/>
-              <a:t> address:  http://www2.byui.edu/Presentations/Transcripts/Devotionals/2006_10_31_Bednar.htm</a:t>
-            </a:r>
-            <a:endParaRPr lang="en-US"/>
-          </a:p>
-        </p:txBody>
-      </p:sp>
-      <p:sp>
-        <p:nvSpPr>
-          <p:cNvPr id="4" name="Slide Number Placeholder 3"/>
-          <p:cNvSpPr>
-            <a:spLocks noGrp="1"/>
-          </p:cNvSpPr>
-          <p:nvPr>
-            <p:ph type="sldNum" sz="quarter" idx="10"/>
-          </p:nvPr>
-        </p:nvSpPr>
-        <p:spPr/>
-        <p:txBody>
-          <a:bodyPr/>
-          <a:lstStyle/>
-          <a:p>
-            <a:pPr>
-              <a:defRPr/>
-            </a:pPr>
-            <a:fld id="{51342D44-898C-604E-9C02-B4C04BCE3A57}" type="slidenum">
-              <a:rPr lang="en-US" smtClean="0"/>
-              <a:pPr>
-                <a:defRPr/>
-              </a:pPr>
-              <a:t>11</a:t>
-            </a:fld>
-            <a:endParaRPr lang="en-US"/>
-          </a:p>
-        </p:txBody>
-      </p:sp>
-    </p:spTree>
-    <p:extLst>
-      <p:ext uri="{BB962C8B-B14F-4D97-AF65-F5344CB8AC3E}">
-        <p14:creationId xmlns:p14="http://schemas.microsoft.com/office/powerpoint/2010/main" val="1111269943"/>
-      </p:ext>
-    </p:extLst>
-  </p:cSld>
-  <p:clrMapOvr>
-    <a:masterClrMapping/>
-  </p:clrMapOvr>
-</p:notes>
-</file>
-
-<file path=ppt/notesSlides/notesSlide3.xml><?xml version="1.0" encoding="utf-8"?>
-<p:notes xmlns:a="http://schemas.openxmlformats.org/drawingml/2006/main" xmlns:r="http://schemas.openxmlformats.org/officeDocument/2006/relationships" xmlns:p="http://schemas.openxmlformats.org/presentationml/2006/main">
-  <p:cSld>
-    <p:spTree>
-      <p:nvGrpSpPr>
-        <p:cNvPr id="1" name=""/>
-        <p:cNvGrpSpPr/>
-        <p:nvPr/>
-      </p:nvGrpSpPr>
-      <p:grpSpPr>
-        <a:xfrm>
-          <a:off x="0" y="0"/>
-          <a:ext cx="0" cy="0"/>
-          <a:chOff x="0" y="0"/>
-          <a:chExt cx="0" cy="0"/>
-        </a:xfrm>
-      </p:grpSpPr>
-      <p:sp>
-        <p:nvSpPr>
-          <p:cNvPr id="2" name="Slide Image Placeholder 1"/>
-          <p:cNvSpPr>
-            <a:spLocks noGrp="1" noRot="1" noChangeAspect="1"/>
-          </p:cNvSpPr>
-          <p:nvPr>
-            <p:ph type="sldImg"/>
-          </p:nvPr>
-        </p:nvSpPr>
-        <p:spPr/>
-      </p:sp>
-      <p:sp>
-        <p:nvSpPr>
-          <p:cNvPr id="3" name="Notes Placeholder 2"/>
-          <p:cNvSpPr>
-            <a:spLocks noGrp="1"/>
-          </p:cNvSpPr>
-          <p:nvPr>
-            <p:ph type="body" idx="1"/>
-          </p:nvPr>
-        </p:nvSpPr>
-        <p:spPr/>
-        <p:txBody>
-          <a:bodyPr/>
-          <a:lstStyle/>
-          <a:p>
-            <a:r>
-              <a:rPr lang="en-US"/>
-              <a:t>Taken</a:t>
-            </a:r>
-            <a:r>
-              <a:rPr lang="en-US" baseline="0"/>
-              <a:t> from Elder </a:t>
-            </a:r>
-            <a:r>
-              <a:rPr lang="en-US" baseline="0" err="1"/>
-              <a:t>Bednar’s</a:t>
-            </a:r>
-            <a:r>
-              <a:rPr lang="en-US" baseline="0"/>
-              <a:t> address:  http://www2.byui.edu/Presentations/Transcripts/Devotionals/2006_10_31_Bednar.htm</a:t>
-            </a:r>
-            <a:endParaRPr lang="en-US"/>
-          </a:p>
-        </p:txBody>
-      </p:sp>
-      <p:sp>
-        <p:nvSpPr>
-          <p:cNvPr id="4" name="Slide Number Placeholder 3"/>
-          <p:cNvSpPr>
-            <a:spLocks noGrp="1"/>
-          </p:cNvSpPr>
-          <p:nvPr>
-            <p:ph type="sldNum" sz="quarter" idx="10"/>
-          </p:nvPr>
-        </p:nvSpPr>
-        <p:spPr/>
-        <p:txBody>
-          <a:bodyPr/>
-          <a:lstStyle/>
-          <a:p>
-            <a:pPr>
-              <a:defRPr/>
-            </a:pPr>
-            <a:fld id="{51342D44-898C-604E-9C02-B4C04BCE3A57}" type="slidenum">
-              <a:rPr lang="en-US" smtClean="0"/>
-              <a:pPr>
-                <a:defRPr/>
-              </a:pPr>
-              <a:t>17</a:t>
-            </a:fld>
-            <a:endParaRPr lang="en-US"/>
-          </a:p>
-        </p:txBody>
-      </p:sp>
-    </p:spTree>
-    <p:extLst>
-      <p:ext uri="{BB962C8B-B14F-4D97-AF65-F5344CB8AC3E}">
-        <p14:creationId xmlns:p14="http://schemas.microsoft.com/office/powerpoint/2010/main" val="1261477000"/>
-      </p:ext>
-    </p:extLst>
-  </p:cSld>
-  <p:clrMapOvr>
-    <a:masterClrMapping/>
-  </p:clrMapOvr>
-</p:notes>
-</file>
-
-<file path=ppt/notesSlides/notesSlide4.xml><?xml version="1.0" encoding="utf-8"?>
-<p:notes xmlns:a="http://schemas.openxmlformats.org/drawingml/2006/main" xmlns:r="http://schemas.openxmlformats.org/officeDocument/2006/relationships" xmlns:p="http://schemas.openxmlformats.org/presentationml/2006/main">
-  <p:cSld>
-    <p:spTree>
-      <p:nvGrpSpPr>
-        <p:cNvPr id="1" name=""/>
-        <p:cNvGrpSpPr/>
-        <p:nvPr/>
-      </p:nvGrpSpPr>
-      <p:grpSpPr>
-        <a:xfrm>
-          <a:off x="0" y="0"/>
-          <a:ext cx="0" cy="0"/>
-          <a:chOff x="0" y="0"/>
-          <a:chExt cx="0" cy="0"/>
-        </a:xfrm>
-      </p:grpSpPr>
-      <p:sp>
-        <p:nvSpPr>
-          <p:cNvPr id="2" name="Slide Image Placeholder 1"/>
-          <p:cNvSpPr>
-            <a:spLocks noGrp="1" noRot="1" noChangeAspect="1"/>
-          </p:cNvSpPr>
-          <p:nvPr>
-            <p:ph type="sldImg"/>
-          </p:nvPr>
-        </p:nvSpPr>
-        <p:spPr/>
-      </p:sp>
-      <p:sp>
-        <p:nvSpPr>
-          <p:cNvPr id="3" name="Notes Placeholder 2"/>
-          <p:cNvSpPr>
-            <a:spLocks noGrp="1"/>
-          </p:cNvSpPr>
-          <p:nvPr>
-            <p:ph type="body" idx="1"/>
-          </p:nvPr>
-        </p:nvSpPr>
-        <p:spPr/>
-        <p:txBody>
-          <a:bodyPr/>
-          <a:lstStyle/>
-          <a:p>
-            <a:r>
-              <a:rPr lang="en-US"/>
-              <a:t>Taken</a:t>
-            </a:r>
-            <a:r>
-              <a:rPr lang="en-US" baseline="0"/>
-              <a:t> from Elder </a:t>
-            </a:r>
-            <a:r>
-              <a:rPr lang="en-US" baseline="0" err="1"/>
-              <a:t>Bednar’s</a:t>
-            </a:r>
-            <a:r>
-              <a:rPr lang="en-US" baseline="0"/>
-              <a:t> address:  http://www2.byui.edu/Presentations/Transcripts/Devotionals/2006_10_31_Bednar.htm</a:t>
-            </a:r>
-            <a:endParaRPr lang="en-US"/>
-          </a:p>
-        </p:txBody>
-      </p:sp>
-      <p:sp>
-        <p:nvSpPr>
-          <p:cNvPr id="4" name="Slide Number Placeholder 3"/>
-          <p:cNvSpPr>
-            <a:spLocks noGrp="1"/>
-          </p:cNvSpPr>
-          <p:nvPr>
-            <p:ph type="sldNum" sz="quarter" idx="10"/>
-          </p:nvPr>
-        </p:nvSpPr>
-        <p:spPr/>
-        <p:txBody>
-          <a:bodyPr/>
-          <a:lstStyle/>
-          <a:p>
-            <a:pPr>
-              <a:defRPr/>
-            </a:pPr>
-            <a:fld id="{51342D44-898C-604E-9C02-B4C04BCE3A57}" type="slidenum">
-              <a:rPr lang="en-US" smtClean="0"/>
-              <a:pPr>
-                <a:defRPr/>
-              </a:pPr>
-              <a:t>23</a:t>
-            </a:fld>
-            <a:endParaRPr lang="en-US"/>
-          </a:p>
-        </p:txBody>
-      </p:sp>
-    </p:spTree>
-    <p:extLst>
-      <p:ext uri="{BB962C8B-B14F-4D97-AF65-F5344CB8AC3E}">
-        <p14:creationId xmlns:p14="http://schemas.microsoft.com/office/powerpoint/2010/main" val="2732681059"/>
-      </p:ext>
-    </p:extLst>
-  </p:cSld>
-  <p:clrMapOvr>
-    <a:masterClrMapping/>
-  </p:clrMapOvr>
-</p:notes>
 </file>
 
 <file path=ppt/slideLayouts/slideLayout1.xml><?xml version="1.0" encoding="utf-8"?>
@@ -2961,14 +2571,14 @@
           </a:ln>
           <a:extLst>
             <a:ext uri="{909E8E84-426E-40dd-AFC4-6F175D3DCCD1}">
-              <a14:hiddenFill xmlns="" xmlns:a14="http://schemas.microsoft.com/office/drawing/2010/main">
+              <a14:hiddenFill xmlns:a14="http://schemas.microsoft.com/office/drawing/2010/main" xmlns="">
                 <a:solidFill>
                   <a:srgbClr val="FFFFFF"/>
                 </a:solidFill>
               </a14:hiddenFill>
             </a:ext>
             <a:ext uri="{91240B29-F687-4f45-9708-019B960494DF}">
-              <a14:hiddenLine xmlns="" xmlns:a14="http://schemas.microsoft.com/office/drawing/2010/main" w="9525">
+              <a14:hiddenLine xmlns:a14="http://schemas.microsoft.com/office/drawing/2010/main" xmlns="" w="9525">
                 <a:solidFill>
                   <a:srgbClr val="000000"/>
                 </a:solidFill>
@@ -6065,1471 +5675,7 @@
           <a:lstStyle/>
           <a:p>
             <a:r>
-              <a:rPr lang="en-US"/>
-              <a:t>Goals for this coming week</a:t>
-            </a:r>
-            <a:br>
-              <a:rPr lang="en-US"/>
-            </a:br>
-            <a:r>
-              <a:rPr lang="en-US" sz="1200"/>
-              <a:t>(Ones that move the project forward the most)</a:t>
-            </a:r>
-          </a:p>
-        </p:txBody>
-      </p:sp>
-      <p:graphicFrame>
-        <p:nvGraphicFramePr>
-          <p:cNvPr id="3" name="Table 2"/>
-          <p:cNvGraphicFramePr>
-            <a:graphicFrameLocks noGrp="1"/>
-          </p:cNvGraphicFramePr>
-          <p:nvPr>
-            <p:extLst>
-              <p:ext uri="{D42A27DB-BD31-4B8C-83A1-F6EECF244321}">
-                <p14:modId xmlns:p14="http://schemas.microsoft.com/office/powerpoint/2010/main" val="1365594918"/>
-              </p:ext>
-            </p:extLst>
-          </p:nvPr>
-        </p:nvGraphicFramePr>
-        <p:xfrm>
-          <a:off x="687977" y="1371600"/>
-          <a:ext cx="10896598" cy="2133599"/>
-        </p:xfrm>
-        <a:graphic>
-          <a:graphicData uri="http://schemas.openxmlformats.org/drawingml/2006/table">
-            <a:tbl>
-              <a:tblPr firstRow="1" lastCol="1" bandRow="1">
-                <a:tableStyleId>{2D5ABB26-0587-4C30-8999-92F81FD0307C}</a:tableStyleId>
-              </a:tblPr>
-              <a:tblGrid>
-                <a:gridCol w="9397067">
-                  <a:extLst>
-                    <a:ext uri="{9D8B030D-6E8A-4147-A177-3AD203B41FA5}">
-                      <a16:colId xmlns:a16="http://schemas.microsoft.com/office/drawing/2014/main" val="20000"/>
-                    </a:ext>
-                  </a:extLst>
-                </a:gridCol>
-                <a:gridCol w="799749">
-                  <a:extLst>
-                    <a:ext uri="{9D8B030D-6E8A-4147-A177-3AD203B41FA5}">
-                      <a16:colId xmlns:a16="http://schemas.microsoft.com/office/drawing/2014/main" val="20001"/>
-                    </a:ext>
-                  </a:extLst>
-                </a:gridCol>
-                <a:gridCol w="699782">
-                  <a:extLst>
-                    <a:ext uri="{9D8B030D-6E8A-4147-A177-3AD203B41FA5}">
-                      <a16:colId xmlns:a16="http://schemas.microsoft.com/office/drawing/2014/main" val="20002"/>
-                    </a:ext>
-                  </a:extLst>
-                </a:gridCol>
-              </a:tblGrid>
-              <a:tr h="609599">
-                <a:tc>
-                  <a:txBody>
-                    <a:bodyPr/>
-                    <a:lstStyle/>
-                    <a:p>
-                      <a:pPr algn="l" fontAlgn="ctr"/>
-                      <a:r>
-                        <a:rPr lang="en-US" sz="1100" u="none" strike="noStrike" dirty="0">
-                          <a:solidFill>
-                            <a:schemeClr val="bg1"/>
-                          </a:solidFill>
-                          <a:effectLst/>
-                        </a:rPr>
-                        <a:t>Goal/Task</a:t>
-                      </a:r>
-                      <a:endParaRPr lang="en-US" sz="1100" b="0" i="0" u="none" strike="noStrike" dirty="0">
-                        <a:solidFill>
-                          <a:schemeClr val="bg1"/>
-                        </a:solidFill>
-                        <a:effectLst/>
-                        <a:latin typeface="Calibri" panose="020F0502020204030204" pitchFamily="34" charset="0"/>
-                      </a:endParaRPr>
-                    </a:p>
-                  </a:txBody>
-                  <a:tcPr marL="9525" marR="9525" marT="9525" marB="0" anchor="ctr">
-                    <a:lnL w="12700" cap="flat" cmpd="sng" algn="ctr">
-                      <a:solidFill>
-                        <a:schemeClr val="bg1">
-                          <a:lumMod val="65000"/>
-                        </a:schemeClr>
-                      </a:solidFill>
-                      <a:prstDash val="solid"/>
-                      <a:round/>
-                      <a:headEnd type="none" w="med" len="med"/>
-                      <a:tailEnd type="none" w="med" len="med"/>
-                    </a:lnL>
-                    <a:lnR w="12700" cap="flat" cmpd="sng" algn="ctr">
-                      <a:solidFill>
-                        <a:schemeClr val="bg1">
-                          <a:lumMod val="65000"/>
-                        </a:schemeClr>
-                      </a:solidFill>
-                      <a:prstDash val="solid"/>
-                      <a:round/>
-                      <a:headEnd type="none" w="med" len="med"/>
-                      <a:tailEnd type="none" w="med" len="med"/>
-                    </a:lnR>
-                    <a:lnT w="12700" cap="flat" cmpd="sng" algn="ctr">
-                      <a:solidFill>
-                        <a:schemeClr val="bg1">
-                          <a:lumMod val="65000"/>
-                        </a:schemeClr>
-                      </a:solidFill>
-                      <a:prstDash val="solid"/>
-                      <a:round/>
-                      <a:headEnd type="none" w="med" len="med"/>
-                      <a:tailEnd type="none" w="med" len="med"/>
-                    </a:lnT>
-                    <a:lnB w="12700" cap="flat" cmpd="sng" algn="ctr">
-                      <a:solidFill>
-                        <a:schemeClr val="bg1">
-                          <a:lumMod val="65000"/>
-                        </a:schemeClr>
-                      </a:solidFill>
-                      <a:prstDash val="solid"/>
-                      <a:round/>
-                      <a:headEnd type="none" w="med" len="med"/>
-                      <a:tailEnd type="none" w="med" len="med"/>
-                    </a:lnB>
-                  </a:tcPr>
-                </a:tc>
-                <a:tc>
-                  <a:txBody>
-                    <a:bodyPr/>
-                    <a:lstStyle/>
-                    <a:p>
-                      <a:pPr marL="0" marR="0" indent="0" algn="ctr" defTabSz="457200" rtl="0" eaLnBrk="1" fontAlgn="ctr" latinLnBrk="0" hangingPunct="1">
-                        <a:lnSpc>
-                          <a:spcPct val="100000"/>
-                        </a:lnSpc>
-                        <a:spcBef>
-                          <a:spcPts val="0"/>
-                        </a:spcBef>
-                        <a:spcAft>
-                          <a:spcPts val="0"/>
-                        </a:spcAft>
-                        <a:buClrTx/>
-                        <a:buSzTx/>
-                        <a:buFontTx/>
-                        <a:buNone/>
-                        <a:tabLst/>
-                        <a:defRPr/>
-                      </a:pPr>
-                      <a:r>
-                        <a:rPr lang="en-US" sz="1100" u="none" strike="noStrike" dirty="0">
-                          <a:solidFill>
-                            <a:schemeClr val="bg1"/>
-                          </a:solidFill>
-                          <a:effectLst/>
-                        </a:rPr>
-                        <a:t>Stop Date (Est.)</a:t>
-                      </a:r>
-                      <a:endParaRPr lang="en-US" sz="1100" b="0" i="0" u="none" strike="noStrike" dirty="0">
-                        <a:solidFill>
-                          <a:schemeClr val="bg1"/>
-                        </a:solidFill>
-                        <a:effectLst/>
-                        <a:latin typeface="Calibri" panose="020F0502020204030204" pitchFamily="34" charset="0"/>
-                      </a:endParaRPr>
-                    </a:p>
-                  </a:txBody>
-                  <a:tcPr marL="9525" marR="9525" marT="9525" marB="0" anchor="ctr">
-                    <a:lnL w="12700" cap="flat" cmpd="sng" algn="ctr">
-                      <a:solidFill>
-                        <a:schemeClr val="bg1">
-                          <a:lumMod val="65000"/>
-                        </a:schemeClr>
-                      </a:solidFill>
-                      <a:prstDash val="solid"/>
-                      <a:round/>
-                      <a:headEnd type="none" w="med" len="med"/>
-                      <a:tailEnd type="none" w="med" len="med"/>
-                    </a:lnL>
-                    <a:lnR w="12700" cap="flat" cmpd="sng" algn="ctr">
-                      <a:solidFill>
-                        <a:schemeClr val="bg1">
-                          <a:lumMod val="65000"/>
-                        </a:schemeClr>
-                      </a:solidFill>
-                      <a:prstDash val="solid"/>
-                      <a:round/>
-                      <a:headEnd type="none" w="med" len="med"/>
-                      <a:tailEnd type="none" w="med" len="med"/>
-                    </a:lnR>
-                    <a:lnT w="12700" cap="flat" cmpd="sng" algn="ctr">
-                      <a:solidFill>
-                        <a:schemeClr val="bg1">
-                          <a:lumMod val="65000"/>
-                        </a:schemeClr>
-                      </a:solidFill>
-                      <a:prstDash val="solid"/>
-                      <a:round/>
-                      <a:headEnd type="none" w="med" len="med"/>
-                      <a:tailEnd type="none" w="med" len="med"/>
-                    </a:lnT>
-                    <a:lnB w="12700" cap="flat" cmpd="sng" algn="ctr">
-                      <a:solidFill>
-                        <a:schemeClr val="bg1">
-                          <a:lumMod val="65000"/>
-                        </a:schemeClr>
-                      </a:solidFill>
-                      <a:prstDash val="solid"/>
-                      <a:round/>
-                      <a:headEnd type="none" w="med" len="med"/>
-                      <a:tailEnd type="none" w="med" len="med"/>
-                    </a:lnB>
-                  </a:tcPr>
-                </a:tc>
-                <a:tc>
-                  <a:txBody>
-                    <a:bodyPr/>
-                    <a:lstStyle/>
-                    <a:p>
-                      <a:pPr algn="ctr" fontAlgn="ctr"/>
-                      <a:endParaRPr lang="en-US" sz="1100" u="none" strike="noStrike">
-                        <a:solidFill>
-                          <a:schemeClr val="bg1"/>
-                        </a:solidFill>
-                        <a:effectLst/>
-                      </a:endParaRPr>
-                    </a:p>
-                    <a:p>
-                      <a:pPr marL="0" marR="0" indent="0" algn="ctr" defTabSz="457200" rtl="0" eaLnBrk="1" fontAlgn="ctr" latinLnBrk="0" hangingPunct="1">
-                        <a:lnSpc>
-                          <a:spcPct val="100000"/>
-                        </a:lnSpc>
-                        <a:spcBef>
-                          <a:spcPts val="0"/>
-                        </a:spcBef>
-                        <a:spcAft>
-                          <a:spcPts val="0"/>
-                        </a:spcAft>
-                        <a:buClrTx/>
-                        <a:buSzTx/>
-                        <a:buFontTx/>
-                        <a:buNone/>
-                        <a:tabLst/>
-                        <a:defRPr/>
-                      </a:pPr>
-                      <a:r>
-                        <a:rPr lang="en-US" sz="1100" u="none" strike="noStrike" dirty="0">
-                          <a:solidFill>
-                            <a:schemeClr val="bg1"/>
-                          </a:solidFill>
-                          <a:effectLst/>
-                        </a:rPr>
-                        <a:t>Hours (Est.)</a:t>
-                      </a:r>
-                      <a:endParaRPr lang="en-US" sz="1100" b="0" i="0" u="none" strike="noStrike" dirty="0">
-                        <a:solidFill>
-                          <a:schemeClr val="bg1"/>
-                        </a:solidFill>
-                        <a:effectLst/>
-                        <a:latin typeface="Calibri" panose="020F0502020204030204" pitchFamily="34" charset="0"/>
-                      </a:endParaRPr>
-                    </a:p>
-                  </a:txBody>
-                  <a:tcPr marL="9525" marR="9525" marT="9525" marB="0" anchor="ctr">
-                    <a:lnL w="12700" cap="flat" cmpd="sng" algn="ctr">
-                      <a:solidFill>
-                        <a:schemeClr val="bg1">
-                          <a:lumMod val="65000"/>
-                        </a:schemeClr>
-                      </a:solidFill>
-                      <a:prstDash val="solid"/>
-                      <a:round/>
-                      <a:headEnd type="none" w="med" len="med"/>
-                      <a:tailEnd type="none" w="med" len="med"/>
-                    </a:lnL>
-                    <a:lnR w="12700" cap="flat" cmpd="sng" algn="ctr">
-                      <a:solidFill>
-                        <a:schemeClr val="bg1">
-                          <a:lumMod val="65000"/>
-                        </a:schemeClr>
-                      </a:solidFill>
-                      <a:prstDash val="solid"/>
-                      <a:round/>
-                      <a:headEnd type="none" w="med" len="med"/>
-                      <a:tailEnd type="none" w="med" len="med"/>
-                    </a:lnR>
-                    <a:lnT w="12700" cap="flat" cmpd="sng" algn="ctr">
-                      <a:solidFill>
-                        <a:schemeClr val="bg1">
-                          <a:lumMod val="65000"/>
-                        </a:schemeClr>
-                      </a:solidFill>
-                      <a:prstDash val="solid"/>
-                      <a:round/>
-                      <a:headEnd type="none" w="med" len="med"/>
-                      <a:tailEnd type="none" w="med" len="med"/>
-                    </a:lnT>
-                    <a:lnB w="12700" cap="flat" cmpd="sng" algn="ctr">
-                      <a:solidFill>
-                        <a:schemeClr val="bg1">
-                          <a:lumMod val="65000"/>
-                        </a:schemeClr>
-                      </a:solidFill>
-                      <a:prstDash val="solid"/>
-                      <a:round/>
-                      <a:headEnd type="none" w="med" len="med"/>
-                      <a:tailEnd type="none" w="med" len="med"/>
-                    </a:lnB>
-                  </a:tcPr>
-                </a:tc>
-                <a:extLst>
-                  <a:ext uri="{0D108BD9-81ED-4DB2-BD59-A6C34878D82A}">
-                    <a16:rowId xmlns:a16="http://schemas.microsoft.com/office/drawing/2014/main" val="10000"/>
-                  </a:ext>
-                </a:extLst>
-              </a:tr>
-              <a:tr h="381000">
-                <a:tc>
-                  <a:txBody>
-                    <a:bodyPr/>
-                    <a:lstStyle/>
-                    <a:p>
-                      <a:pPr algn="l" fontAlgn="b"/>
-                      <a:r>
-                        <a:rPr lang="en-US" sz="1100" u="none" strike="noStrike" dirty="0">
-                          <a:solidFill>
-                            <a:schemeClr val="bg1"/>
-                          </a:solidFill>
-                          <a:effectLst/>
-                        </a:rPr>
-                        <a:t> Order tools and parts in order to solder the board</a:t>
-                      </a:r>
-                      <a:endParaRPr lang="en-US" sz="1100" b="0" i="0" u="none" strike="noStrike" dirty="0">
-                        <a:solidFill>
-                          <a:schemeClr val="bg1"/>
-                        </a:solidFill>
-                        <a:effectLst/>
-                        <a:latin typeface="Calibri" panose="020F0502020204030204" pitchFamily="34" charset="0"/>
-                      </a:endParaRPr>
-                    </a:p>
-                  </a:txBody>
-                  <a:tcPr marL="9525" marR="9525" marT="9525" marB="0" anchor="ctr">
-                    <a:lnL w="12700" cap="flat" cmpd="sng" algn="ctr">
-                      <a:solidFill>
-                        <a:schemeClr val="bg1">
-                          <a:lumMod val="65000"/>
-                        </a:schemeClr>
-                      </a:solidFill>
-                      <a:prstDash val="solid"/>
-                      <a:round/>
-                      <a:headEnd type="none" w="med" len="med"/>
-                      <a:tailEnd type="none" w="med" len="med"/>
-                    </a:lnL>
-                    <a:lnR w="12700" cap="flat" cmpd="sng" algn="ctr">
-                      <a:solidFill>
-                        <a:schemeClr val="bg1">
-                          <a:lumMod val="65000"/>
-                        </a:schemeClr>
-                      </a:solidFill>
-                      <a:prstDash val="solid"/>
-                      <a:round/>
-                      <a:headEnd type="none" w="med" len="med"/>
-                      <a:tailEnd type="none" w="med" len="med"/>
-                    </a:lnR>
-                    <a:lnT w="12700" cap="flat" cmpd="sng" algn="ctr">
-                      <a:solidFill>
-                        <a:schemeClr val="bg1">
-                          <a:lumMod val="65000"/>
-                        </a:schemeClr>
-                      </a:solidFill>
-                      <a:prstDash val="solid"/>
-                      <a:round/>
-                      <a:headEnd type="none" w="med" len="med"/>
-                      <a:tailEnd type="none" w="med" len="med"/>
-                    </a:lnT>
-                    <a:lnB w="12700" cap="flat" cmpd="sng" algn="ctr">
-                      <a:solidFill>
-                        <a:schemeClr val="bg1">
-                          <a:lumMod val="65000"/>
-                        </a:schemeClr>
-                      </a:solidFill>
-                      <a:prstDash val="solid"/>
-                      <a:round/>
-                      <a:headEnd type="none" w="med" len="med"/>
-                      <a:tailEnd type="none" w="med" len="med"/>
-                    </a:lnB>
-                  </a:tcPr>
-                </a:tc>
-                <a:tc>
-                  <a:txBody>
-                    <a:bodyPr/>
-                    <a:lstStyle/>
-                    <a:p>
-                      <a:pPr algn="l" fontAlgn="b"/>
-                      <a:r>
-                        <a:rPr lang="en-US" sz="1100" b="0" i="0" u="none" strike="noStrike" dirty="0">
-                          <a:solidFill>
-                            <a:schemeClr val="bg1"/>
-                          </a:solidFill>
-                          <a:effectLst/>
-                          <a:latin typeface="Calibri"/>
-                        </a:rPr>
-                        <a:t>May 04, 2020</a:t>
-                      </a:r>
-                      <a:endParaRPr lang="en-US" sz="1100" b="0" i="0" u="none" strike="noStrike" dirty="0">
-                        <a:solidFill>
-                          <a:schemeClr val="bg1"/>
-                        </a:solidFill>
-                        <a:effectLst/>
-                        <a:latin typeface="Calibri" panose="020F0502020204030204" pitchFamily="34" charset="0"/>
-                      </a:endParaRPr>
-                    </a:p>
-                  </a:txBody>
-                  <a:tcPr marL="9525" marR="9525" marT="9525" marB="0" anchor="b">
-                    <a:lnL w="12700" cap="flat" cmpd="sng" algn="ctr">
-                      <a:solidFill>
-                        <a:schemeClr val="bg1">
-                          <a:lumMod val="65000"/>
-                        </a:schemeClr>
-                      </a:solidFill>
-                      <a:prstDash val="solid"/>
-                      <a:round/>
-                      <a:headEnd type="none" w="med" len="med"/>
-                      <a:tailEnd type="none" w="med" len="med"/>
-                    </a:lnL>
-                    <a:lnR w="12700" cap="flat" cmpd="sng" algn="ctr">
-                      <a:solidFill>
-                        <a:schemeClr val="bg1">
-                          <a:lumMod val="65000"/>
-                        </a:schemeClr>
-                      </a:solidFill>
-                      <a:prstDash val="solid"/>
-                      <a:round/>
-                      <a:headEnd type="none" w="med" len="med"/>
-                      <a:tailEnd type="none" w="med" len="med"/>
-                    </a:lnR>
-                    <a:lnT w="12700" cap="flat" cmpd="sng" algn="ctr">
-                      <a:solidFill>
-                        <a:schemeClr val="bg1">
-                          <a:lumMod val="65000"/>
-                        </a:schemeClr>
-                      </a:solidFill>
-                      <a:prstDash val="solid"/>
-                      <a:round/>
-                      <a:headEnd type="none" w="med" len="med"/>
-                      <a:tailEnd type="none" w="med" len="med"/>
-                    </a:lnT>
-                    <a:lnB w="12700" cap="flat" cmpd="sng" algn="ctr">
-                      <a:solidFill>
-                        <a:schemeClr val="bg1">
-                          <a:lumMod val="65000"/>
-                        </a:schemeClr>
-                      </a:solidFill>
-                      <a:prstDash val="solid"/>
-                      <a:round/>
-                      <a:headEnd type="none" w="med" len="med"/>
-                      <a:tailEnd type="none" w="med" len="med"/>
-                    </a:lnB>
-                  </a:tcPr>
-                </a:tc>
-                <a:tc>
-                  <a:txBody>
-                    <a:bodyPr/>
-                    <a:lstStyle/>
-                    <a:p>
-                      <a:pPr algn="ctr" fontAlgn="ctr"/>
-                      <a:r>
-                        <a:rPr lang="en-US" sz="1100" u="none" strike="noStrike" dirty="0">
-                          <a:solidFill>
-                            <a:schemeClr val="bg1"/>
-                          </a:solidFill>
-                          <a:effectLst/>
-                        </a:rPr>
-                        <a:t> 2</a:t>
-                      </a:r>
-                      <a:endParaRPr lang="en-US" sz="1100" b="0" i="0" u="none" strike="noStrike" dirty="0">
-                        <a:solidFill>
-                          <a:schemeClr val="bg1"/>
-                        </a:solidFill>
-                        <a:effectLst/>
-                        <a:latin typeface="Calibri" panose="020F0502020204030204" pitchFamily="34" charset="0"/>
-                      </a:endParaRPr>
-                    </a:p>
-                  </a:txBody>
-                  <a:tcPr marL="9525" marR="9525" marT="9525" marB="0" anchor="ctr">
-                    <a:lnL w="12700" cap="flat" cmpd="sng" algn="ctr">
-                      <a:solidFill>
-                        <a:schemeClr val="bg1">
-                          <a:lumMod val="65000"/>
-                        </a:schemeClr>
-                      </a:solidFill>
-                      <a:prstDash val="solid"/>
-                      <a:round/>
-                      <a:headEnd type="none" w="med" len="med"/>
-                      <a:tailEnd type="none" w="med" len="med"/>
-                    </a:lnL>
-                    <a:lnR w="12700" cap="flat" cmpd="sng" algn="ctr">
-                      <a:solidFill>
-                        <a:schemeClr val="bg1">
-                          <a:lumMod val="65000"/>
-                        </a:schemeClr>
-                      </a:solidFill>
-                      <a:prstDash val="solid"/>
-                      <a:round/>
-                      <a:headEnd type="none" w="med" len="med"/>
-                      <a:tailEnd type="none" w="med" len="med"/>
-                    </a:lnR>
-                    <a:lnT w="12700" cap="flat" cmpd="sng" algn="ctr">
-                      <a:solidFill>
-                        <a:schemeClr val="bg1">
-                          <a:lumMod val="65000"/>
-                        </a:schemeClr>
-                      </a:solidFill>
-                      <a:prstDash val="solid"/>
-                      <a:round/>
-                      <a:headEnd type="none" w="med" len="med"/>
-                      <a:tailEnd type="none" w="med" len="med"/>
-                    </a:lnT>
-                    <a:lnB w="12700" cap="flat" cmpd="sng" algn="ctr">
-                      <a:solidFill>
-                        <a:schemeClr val="bg1">
-                          <a:lumMod val="65000"/>
-                        </a:schemeClr>
-                      </a:solidFill>
-                      <a:prstDash val="solid"/>
-                      <a:round/>
-                      <a:headEnd type="none" w="med" len="med"/>
-                      <a:tailEnd type="none" w="med" len="med"/>
-                    </a:lnB>
-                  </a:tcPr>
-                </a:tc>
-                <a:extLst>
-                  <a:ext uri="{0D108BD9-81ED-4DB2-BD59-A6C34878D82A}">
-                    <a16:rowId xmlns:a16="http://schemas.microsoft.com/office/drawing/2014/main" val="10001"/>
-                  </a:ext>
-                </a:extLst>
-              </a:tr>
-              <a:tr h="381000">
-                <a:tc>
-                  <a:txBody>
-                    <a:bodyPr/>
-                    <a:lstStyle/>
-                    <a:p>
-                      <a:pPr algn="l" fontAlgn="b"/>
-                      <a:r>
-                        <a:rPr lang="en-US" sz="1100" b="0" i="0" u="none" strike="noStrike" dirty="0">
-                          <a:solidFill>
-                            <a:schemeClr val="bg1"/>
-                          </a:solidFill>
-                          <a:effectLst/>
-                          <a:latin typeface="Calibri"/>
-                        </a:rPr>
-                        <a:t>Obtain a reflow oven, heat gun, and micro camera for soldering</a:t>
-                      </a:r>
-                      <a:endParaRPr lang="en-US" sz="1100" b="0" i="0" u="none" strike="noStrike" dirty="0" err="1">
-                        <a:solidFill>
-                          <a:schemeClr val="bg1"/>
-                        </a:solidFill>
-                        <a:effectLst/>
-                        <a:latin typeface="Calibri" panose="020F0502020204030204" pitchFamily="34" charset="0"/>
-                      </a:endParaRPr>
-                    </a:p>
-                  </a:txBody>
-                  <a:tcPr marL="9525" marR="9525" marT="9525" marB="0" anchor="ctr">
-                    <a:lnL w="12700" cap="flat" cmpd="sng" algn="ctr">
-                      <a:solidFill>
-                        <a:schemeClr val="bg1">
-                          <a:lumMod val="65000"/>
-                        </a:schemeClr>
-                      </a:solidFill>
-                      <a:prstDash val="solid"/>
-                      <a:round/>
-                      <a:headEnd type="none" w="med" len="med"/>
-                      <a:tailEnd type="none" w="med" len="med"/>
-                    </a:lnL>
-                    <a:lnR w="12700" cap="flat" cmpd="sng" algn="ctr">
-                      <a:solidFill>
-                        <a:schemeClr val="bg1">
-                          <a:lumMod val="65000"/>
-                        </a:schemeClr>
-                      </a:solidFill>
-                      <a:prstDash val="solid"/>
-                      <a:round/>
-                      <a:headEnd type="none" w="med" len="med"/>
-                      <a:tailEnd type="none" w="med" len="med"/>
-                    </a:lnR>
-                    <a:lnT w="12700" cap="flat" cmpd="sng" algn="ctr">
-                      <a:solidFill>
-                        <a:schemeClr val="bg1">
-                          <a:lumMod val="65000"/>
-                        </a:schemeClr>
-                      </a:solidFill>
-                      <a:prstDash val="solid"/>
-                      <a:round/>
-                      <a:headEnd type="none" w="med" len="med"/>
-                      <a:tailEnd type="none" w="med" len="med"/>
-                    </a:lnT>
-                    <a:lnB w="12700" cap="flat" cmpd="sng" algn="ctr">
-                      <a:solidFill>
-                        <a:schemeClr val="bg1">
-                          <a:lumMod val="65000"/>
-                        </a:schemeClr>
-                      </a:solidFill>
-                      <a:prstDash val="solid"/>
-                      <a:round/>
-                      <a:headEnd type="none" w="med" len="med"/>
-                      <a:tailEnd type="none" w="med" len="med"/>
-                    </a:lnB>
-                  </a:tcPr>
-                </a:tc>
-                <a:tc>
-                  <a:txBody>
-                    <a:bodyPr/>
-                    <a:lstStyle/>
-                    <a:p>
-                      <a:pPr algn="ctr" fontAlgn="b"/>
-                      <a:r>
-                        <a:rPr lang="en-US" sz="1100" b="0" i="0" u="none" strike="noStrike" dirty="0">
-                          <a:solidFill>
-                            <a:schemeClr val="bg1"/>
-                          </a:solidFill>
-                          <a:effectLst/>
-                          <a:latin typeface="Calibri"/>
-                        </a:rPr>
-                        <a:t>May 01, 2020</a:t>
-                      </a:r>
-                    </a:p>
-                  </a:txBody>
-                  <a:tcPr marL="9525" marR="9525" marT="9525" marB="0" anchor="b">
-                    <a:lnL w="12700" cap="flat" cmpd="sng" algn="ctr">
-                      <a:solidFill>
-                        <a:schemeClr val="bg1">
-                          <a:lumMod val="65000"/>
-                        </a:schemeClr>
-                      </a:solidFill>
-                      <a:prstDash val="solid"/>
-                      <a:round/>
-                      <a:headEnd type="none" w="med" len="med"/>
-                      <a:tailEnd type="none" w="med" len="med"/>
-                    </a:lnL>
-                    <a:lnR w="12700" cap="flat" cmpd="sng" algn="ctr">
-                      <a:solidFill>
-                        <a:schemeClr val="bg1">
-                          <a:lumMod val="65000"/>
-                        </a:schemeClr>
-                      </a:solidFill>
-                      <a:prstDash val="solid"/>
-                      <a:round/>
-                      <a:headEnd type="none" w="med" len="med"/>
-                      <a:tailEnd type="none" w="med" len="med"/>
-                    </a:lnR>
-                    <a:lnT w="12700" cap="flat" cmpd="sng" algn="ctr">
-                      <a:solidFill>
-                        <a:schemeClr val="bg1">
-                          <a:lumMod val="65000"/>
-                        </a:schemeClr>
-                      </a:solidFill>
-                      <a:prstDash val="solid"/>
-                      <a:round/>
-                      <a:headEnd type="none" w="med" len="med"/>
-                      <a:tailEnd type="none" w="med" len="med"/>
-                    </a:lnT>
-                    <a:lnB w="12700" cap="flat" cmpd="sng" algn="ctr">
-                      <a:solidFill>
-                        <a:schemeClr val="bg1">
-                          <a:lumMod val="65000"/>
-                        </a:schemeClr>
-                      </a:solidFill>
-                      <a:prstDash val="solid"/>
-                      <a:round/>
-                      <a:headEnd type="none" w="med" len="med"/>
-                      <a:tailEnd type="none" w="med" len="med"/>
-                    </a:lnB>
-                  </a:tcPr>
-                </a:tc>
-                <a:tc>
-                  <a:txBody>
-                    <a:bodyPr/>
-                    <a:lstStyle/>
-                    <a:p>
-                      <a:pPr algn="ctr" fontAlgn="ctr"/>
-                      <a:r>
-                        <a:rPr lang="en-US" sz="1100" b="0" i="0" u="none" strike="noStrike" dirty="0">
-                          <a:solidFill>
-                            <a:schemeClr val="bg1"/>
-                          </a:solidFill>
-                          <a:effectLst/>
-                          <a:latin typeface="Calibri"/>
-                        </a:rPr>
-                        <a:t>1</a:t>
-                      </a:r>
-                      <a:endParaRPr lang="en-US" sz="1100" b="0" i="0" u="none" strike="noStrike" dirty="0">
-                        <a:solidFill>
-                          <a:schemeClr val="bg1"/>
-                        </a:solidFill>
-                        <a:effectLst/>
-                        <a:latin typeface="Calibri" panose="020F0502020204030204" pitchFamily="34" charset="0"/>
-                      </a:endParaRPr>
-                    </a:p>
-                  </a:txBody>
-                  <a:tcPr marL="9525" marR="9525" marT="9525" marB="0" anchor="ctr">
-                    <a:lnL w="12700" cap="flat" cmpd="sng" algn="ctr">
-                      <a:solidFill>
-                        <a:schemeClr val="bg1">
-                          <a:lumMod val="65000"/>
-                        </a:schemeClr>
-                      </a:solidFill>
-                      <a:prstDash val="solid"/>
-                      <a:round/>
-                      <a:headEnd type="none" w="med" len="med"/>
-                      <a:tailEnd type="none" w="med" len="med"/>
-                    </a:lnL>
-                    <a:lnR w="12700" cap="flat" cmpd="sng" algn="ctr">
-                      <a:solidFill>
-                        <a:schemeClr val="bg1">
-                          <a:lumMod val="65000"/>
-                        </a:schemeClr>
-                      </a:solidFill>
-                      <a:prstDash val="solid"/>
-                      <a:round/>
-                      <a:headEnd type="none" w="med" len="med"/>
-                      <a:tailEnd type="none" w="med" len="med"/>
-                    </a:lnR>
-                    <a:lnT w="12700" cap="flat" cmpd="sng" algn="ctr">
-                      <a:solidFill>
-                        <a:schemeClr val="bg1">
-                          <a:lumMod val="65000"/>
-                        </a:schemeClr>
-                      </a:solidFill>
-                      <a:prstDash val="solid"/>
-                      <a:round/>
-                      <a:headEnd type="none" w="med" len="med"/>
-                      <a:tailEnd type="none" w="med" len="med"/>
-                    </a:lnT>
-                    <a:lnB w="12700" cap="flat" cmpd="sng" algn="ctr">
-                      <a:solidFill>
-                        <a:schemeClr val="bg1">
-                          <a:lumMod val="65000"/>
-                        </a:schemeClr>
-                      </a:solidFill>
-                      <a:prstDash val="solid"/>
-                      <a:round/>
-                      <a:headEnd type="none" w="med" len="med"/>
-                      <a:tailEnd type="none" w="med" len="med"/>
-                    </a:lnB>
-                  </a:tcPr>
-                </a:tc>
-                <a:extLst>
-                  <a:ext uri="{0D108BD9-81ED-4DB2-BD59-A6C34878D82A}">
-                    <a16:rowId xmlns:a16="http://schemas.microsoft.com/office/drawing/2014/main" val="10002"/>
-                  </a:ext>
-                </a:extLst>
-              </a:tr>
-              <a:tr h="381000">
-                <a:tc>
-                  <a:txBody>
-                    <a:bodyPr/>
-                    <a:lstStyle/>
-                    <a:p>
-                      <a:pPr algn="l" fontAlgn="b"/>
-                      <a:r>
-                        <a:rPr lang="en-US" sz="1100" b="0" i="0" u="none" strike="noStrike" dirty="0">
-                          <a:solidFill>
-                            <a:schemeClr val="bg1"/>
-                          </a:solidFill>
-                          <a:effectLst/>
-                          <a:latin typeface="Calibri"/>
-                        </a:rPr>
-                        <a:t>Check status of getting lab computer 01 onto my network</a:t>
-                      </a:r>
-                    </a:p>
-                  </a:txBody>
-                  <a:tcPr marL="9525" marR="9525" marT="9525" marB="0" anchor="ctr">
-                    <a:lnL w="12700" cap="flat" cmpd="sng" algn="ctr">
-                      <a:solidFill>
-                        <a:schemeClr val="bg1">
-                          <a:lumMod val="65000"/>
-                        </a:schemeClr>
-                      </a:solidFill>
-                      <a:prstDash val="solid"/>
-                      <a:round/>
-                      <a:headEnd type="none" w="med" len="med"/>
-                      <a:tailEnd type="none" w="med" len="med"/>
-                    </a:lnL>
-                    <a:lnR w="12700" cap="flat" cmpd="sng" algn="ctr">
-                      <a:solidFill>
-                        <a:schemeClr val="bg1">
-                          <a:lumMod val="65000"/>
-                        </a:schemeClr>
-                      </a:solidFill>
-                      <a:prstDash val="solid"/>
-                      <a:round/>
-                      <a:headEnd type="none" w="med" len="med"/>
-                      <a:tailEnd type="none" w="med" len="med"/>
-                    </a:lnR>
-                    <a:lnT w="12700" cap="flat" cmpd="sng" algn="ctr">
-                      <a:solidFill>
-                        <a:schemeClr val="bg1">
-                          <a:lumMod val="65000"/>
-                        </a:schemeClr>
-                      </a:solidFill>
-                      <a:prstDash val="solid"/>
-                      <a:round/>
-                      <a:headEnd type="none" w="med" len="med"/>
-                      <a:tailEnd type="none" w="med" len="med"/>
-                    </a:lnT>
-                    <a:lnB w="12700" cap="flat" cmpd="sng" algn="ctr">
-                      <a:solidFill>
-                        <a:schemeClr val="bg1">
-                          <a:lumMod val="65000"/>
-                        </a:schemeClr>
-                      </a:solidFill>
-                      <a:prstDash val="solid"/>
-                      <a:round/>
-                      <a:headEnd type="none" w="med" len="med"/>
-                      <a:tailEnd type="none" w="med" len="med"/>
-                    </a:lnB>
-                  </a:tcPr>
-                </a:tc>
-                <a:tc>
-                  <a:txBody>
-                    <a:bodyPr/>
-                    <a:lstStyle/>
-                    <a:p>
-                      <a:pPr algn="l" fontAlgn="b"/>
-                      <a:r>
-                        <a:rPr lang="en-US" sz="1100" b="0" i="0" u="none" strike="noStrike" dirty="0">
-                          <a:solidFill>
-                            <a:schemeClr val="bg1"/>
-                          </a:solidFill>
-                          <a:effectLst/>
-                          <a:latin typeface="Calibri"/>
-                        </a:rPr>
-                        <a:t>May 01, 2020</a:t>
-                      </a:r>
-                      <a:endParaRPr lang="en-US" sz="1100" b="0" i="0" u="none" strike="noStrike" dirty="0">
-                        <a:solidFill>
-                          <a:schemeClr val="bg1"/>
-                        </a:solidFill>
-                        <a:effectLst/>
-                        <a:latin typeface="Calibri" panose="020F0502020204030204" pitchFamily="34" charset="0"/>
-                      </a:endParaRPr>
-                    </a:p>
-                  </a:txBody>
-                  <a:tcPr marL="9525" marR="9525" marT="9525" marB="0" anchor="b">
-                    <a:lnL w="12700" cap="flat" cmpd="sng" algn="ctr">
-                      <a:solidFill>
-                        <a:schemeClr val="bg1">
-                          <a:lumMod val="65000"/>
-                        </a:schemeClr>
-                      </a:solidFill>
-                      <a:prstDash val="solid"/>
-                      <a:round/>
-                      <a:headEnd type="none" w="med" len="med"/>
-                      <a:tailEnd type="none" w="med" len="med"/>
-                    </a:lnL>
-                    <a:lnR w="12700" cap="flat" cmpd="sng" algn="ctr">
-                      <a:solidFill>
-                        <a:schemeClr val="bg1">
-                          <a:lumMod val="65000"/>
-                        </a:schemeClr>
-                      </a:solidFill>
-                      <a:prstDash val="solid"/>
-                      <a:round/>
-                      <a:headEnd type="none" w="med" len="med"/>
-                      <a:tailEnd type="none" w="med" len="med"/>
-                    </a:lnR>
-                    <a:lnT w="12700" cap="flat" cmpd="sng" algn="ctr">
-                      <a:solidFill>
-                        <a:schemeClr val="bg1">
-                          <a:lumMod val="65000"/>
-                        </a:schemeClr>
-                      </a:solidFill>
-                      <a:prstDash val="solid"/>
-                      <a:round/>
-                      <a:headEnd type="none" w="med" len="med"/>
-                      <a:tailEnd type="none" w="med" len="med"/>
-                    </a:lnT>
-                    <a:lnB w="12700" cap="flat" cmpd="sng" algn="ctr">
-                      <a:solidFill>
-                        <a:schemeClr val="bg1">
-                          <a:lumMod val="65000"/>
-                        </a:schemeClr>
-                      </a:solidFill>
-                      <a:prstDash val="solid"/>
-                      <a:round/>
-                      <a:headEnd type="none" w="med" len="med"/>
-                      <a:tailEnd type="none" w="med" len="med"/>
-                    </a:lnB>
-                  </a:tcPr>
-                </a:tc>
-                <a:tc>
-                  <a:txBody>
-                    <a:bodyPr/>
-                    <a:lstStyle/>
-                    <a:p>
-                      <a:pPr algn="ctr" fontAlgn="ctr"/>
-                      <a:r>
-                        <a:rPr lang="en-US" sz="1100" b="0" i="0" u="none" strike="noStrike" dirty="0">
-                          <a:solidFill>
-                            <a:schemeClr val="bg1"/>
-                          </a:solidFill>
-                          <a:effectLst/>
-                          <a:latin typeface="Calibri"/>
-                        </a:rPr>
-                        <a:t>1</a:t>
-                      </a:r>
-                      <a:endParaRPr lang="en-US" sz="1100" b="0" i="0" u="none" strike="noStrike" dirty="0">
-                        <a:solidFill>
-                          <a:schemeClr val="bg1"/>
-                        </a:solidFill>
-                        <a:effectLst/>
-                        <a:latin typeface="Calibri" panose="020F0502020204030204" pitchFamily="34" charset="0"/>
-                      </a:endParaRPr>
-                    </a:p>
-                  </a:txBody>
-                  <a:tcPr marL="9525" marR="9525" marT="9525" marB="0" anchor="ctr">
-                    <a:lnL w="12700" cap="flat" cmpd="sng" algn="ctr">
-                      <a:solidFill>
-                        <a:schemeClr val="bg1">
-                          <a:lumMod val="65000"/>
-                        </a:schemeClr>
-                      </a:solidFill>
-                      <a:prstDash val="solid"/>
-                      <a:round/>
-                      <a:headEnd type="none" w="med" len="med"/>
-                      <a:tailEnd type="none" w="med" len="med"/>
-                    </a:lnL>
-                    <a:lnR w="12700" cap="flat" cmpd="sng" algn="ctr">
-                      <a:solidFill>
-                        <a:schemeClr val="bg1">
-                          <a:lumMod val="65000"/>
-                        </a:schemeClr>
-                      </a:solidFill>
-                      <a:prstDash val="solid"/>
-                      <a:round/>
-                      <a:headEnd type="none" w="med" len="med"/>
-                      <a:tailEnd type="none" w="med" len="med"/>
-                    </a:lnR>
-                    <a:lnT w="12700" cap="flat" cmpd="sng" algn="ctr">
-                      <a:solidFill>
-                        <a:schemeClr val="bg1">
-                          <a:lumMod val="65000"/>
-                        </a:schemeClr>
-                      </a:solidFill>
-                      <a:prstDash val="solid"/>
-                      <a:round/>
-                      <a:headEnd type="none" w="med" len="med"/>
-                      <a:tailEnd type="none" w="med" len="med"/>
-                    </a:lnT>
-                    <a:lnB w="12700" cap="flat" cmpd="sng" algn="ctr">
-                      <a:solidFill>
-                        <a:schemeClr val="bg1">
-                          <a:lumMod val="65000"/>
-                        </a:schemeClr>
-                      </a:solidFill>
-                      <a:prstDash val="solid"/>
-                      <a:round/>
-                      <a:headEnd type="none" w="med" len="med"/>
-                      <a:tailEnd type="none" w="med" len="med"/>
-                    </a:lnB>
-                  </a:tcPr>
-                </a:tc>
-                <a:extLst>
-                  <a:ext uri="{0D108BD9-81ED-4DB2-BD59-A6C34878D82A}">
-                    <a16:rowId xmlns:a16="http://schemas.microsoft.com/office/drawing/2014/main" val="10003"/>
-                  </a:ext>
-                </a:extLst>
-              </a:tr>
-              <a:tr h="381000">
-                <a:tc>
-                  <a:txBody>
-                    <a:bodyPr/>
-                    <a:lstStyle/>
-                    <a:p>
-                      <a:pPr algn="l" fontAlgn="b"/>
-                      <a:r>
-                        <a:rPr lang="en-US" sz="1100" b="0" i="0" u="none" strike="noStrike" dirty="0">
-                          <a:solidFill>
-                            <a:schemeClr val="bg1"/>
-                          </a:solidFill>
-                          <a:effectLst/>
-                          <a:latin typeface="Calibri"/>
-                        </a:rPr>
-                        <a:t>Review schematic for errors (includes determining the origin of the reference schematics used in the design.)</a:t>
-                      </a:r>
-                    </a:p>
-                  </a:txBody>
-                  <a:tcPr marL="9525" marR="9525" marT="9525" marB="0" anchor="ctr">
-                    <a:lnL w="12700" cap="flat" cmpd="sng" algn="ctr">
-                      <a:solidFill>
-                        <a:schemeClr val="bg1">
-                          <a:lumMod val="65000"/>
-                        </a:schemeClr>
-                      </a:solidFill>
-                      <a:prstDash val="solid"/>
-                      <a:round/>
-                      <a:headEnd type="none" w="med" len="med"/>
-                      <a:tailEnd type="none" w="med" len="med"/>
-                    </a:lnL>
-                    <a:lnR w="12700" cap="flat" cmpd="sng" algn="ctr">
-                      <a:solidFill>
-                        <a:schemeClr val="bg1">
-                          <a:lumMod val="65000"/>
-                        </a:schemeClr>
-                      </a:solidFill>
-                      <a:prstDash val="solid"/>
-                      <a:round/>
-                      <a:headEnd type="none" w="med" len="med"/>
-                      <a:tailEnd type="none" w="med" len="med"/>
-                    </a:lnR>
-                    <a:lnT w="12700" cap="flat" cmpd="sng" algn="ctr">
-                      <a:solidFill>
-                        <a:schemeClr val="bg1">
-                          <a:lumMod val="65000"/>
-                        </a:schemeClr>
-                      </a:solidFill>
-                      <a:prstDash val="solid"/>
-                      <a:round/>
-                      <a:headEnd type="none" w="med" len="med"/>
-                      <a:tailEnd type="none" w="med" len="med"/>
-                    </a:lnT>
-                    <a:lnB w="12700" cap="flat" cmpd="sng" algn="ctr">
-                      <a:solidFill>
-                        <a:schemeClr val="bg1">
-                          <a:lumMod val="65000"/>
-                        </a:schemeClr>
-                      </a:solidFill>
-                      <a:prstDash val="solid"/>
-                      <a:round/>
-                      <a:headEnd type="none" w="med" len="med"/>
-                      <a:tailEnd type="none" w="med" len="med"/>
-                    </a:lnB>
-                  </a:tcPr>
-                </a:tc>
-                <a:tc>
-                  <a:txBody>
-                    <a:bodyPr/>
-                    <a:lstStyle/>
-                    <a:p>
-                      <a:pPr algn="l" fontAlgn="b"/>
-                      <a:r>
-                        <a:rPr lang="en-US" sz="1100" b="0" i="0" u="none" strike="noStrike" dirty="0">
-                          <a:solidFill>
-                            <a:schemeClr val="bg1"/>
-                          </a:solidFill>
-                          <a:effectLst/>
-                          <a:latin typeface="Calibri"/>
-                        </a:rPr>
-                        <a:t>May 04,2020</a:t>
-                      </a:r>
-                      <a:endParaRPr lang="en-US" sz="1100" b="0" i="0" u="none" strike="noStrike" dirty="0">
-                        <a:solidFill>
-                          <a:schemeClr val="bg1"/>
-                        </a:solidFill>
-                        <a:effectLst/>
-                        <a:latin typeface="Calibri" panose="020F0502020204030204" pitchFamily="34" charset="0"/>
-                      </a:endParaRPr>
-                    </a:p>
-                  </a:txBody>
-                  <a:tcPr marL="9525" marR="9525" marT="9525" marB="0" anchor="b">
-                    <a:lnL w="12700" cap="flat" cmpd="sng" algn="ctr">
-                      <a:solidFill>
-                        <a:schemeClr val="bg1">
-                          <a:lumMod val="65000"/>
-                        </a:schemeClr>
-                      </a:solidFill>
-                      <a:prstDash val="solid"/>
-                      <a:round/>
-                      <a:headEnd type="none" w="med" len="med"/>
-                      <a:tailEnd type="none" w="med" len="med"/>
-                    </a:lnL>
-                    <a:lnR w="12700" cap="flat" cmpd="sng" algn="ctr">
-                      <a:solidFill>
-                        <a:schemeClr val="bg1">
-                          <a:lumMod val="65000"/>
-                        </a:schemeClr>
-                      </a:solidFill>
-                      <a:prstDash val="solid"/>
-                      <a:round/>
-                      <a:headEnd type="none" w="med" len="med"/>
-                      <a:tailEnd type="none" w="med" len="med"/>
-                    </a:lnR>
-                    <a:lnT w="12700" cap="flat" cmpd="sng" algn="ctr">
-                      <a:solidFill>
-                        <a:schemeClr val="bg1">
-                          <a:lumMod val="65000"/>
-                        </a:schemeClr>
-                      </a:solidFill>
-                      <a:prstDash val="solid"/>
-                      <a:round/>
-                      <a:headEnd type="none" w="med" len="med"/>
-                      <a:tailEnd type="none" w="med" len="med"/>
-                    </a:lnT>
-                    <a:lnB w="12700" cap="flat" cmpd="sng" algn="ctr">
-                      <a:solidFill>
-                        <a:schemeClr val="bg1">
-                          <a:lumMod val="65000"/>
-                        </a:schemeClr>
-                      </a:solidFill>
-                      <a:prstDash val="solid"/>
-                      <a:round/>
-                      <a:headEnd type="none" w="med" len="med"/>
-                      <a:tailEnd type="none" w="med" len="med"/>
-                    </a:lnB>
-                  </a:tcPr>
-                </a:tc>
-                <a:tc>
-                  <a:txBody>
-                    <a:bodyPr/>
-                    <a:lstStyle/>
-                    <a:p>
-                      <a:pPr algn="ctr" fontAlgn="ctr"/>
-                      <a:r>
-                        <a:rPr lang="en-US" sz="1100" b="0" i="0" u="none" strike="noStrike" dirty="0">
-                          <a:solidFill>
-                            <a:schemeClr val="bg1"/>
-                          </a:solidFill>
-                          <a:effectLst/>
-                          <a:latin typeface="Calibri"/>
-                        </a:rPr>
-                        <a:t>5</a:t>
-                      </a:r>
-                      <a:endParaRPr lang="en-US" sz="1100" b="0" i="0" u="none" strike="noStrike" dirty="0">
-                        <a:solidFill>
-                          <a:schemeClr val="bg1"/>
-                        </a:solidFill>
-                        <a:effectLst/>
-                        <a:latin typeface="Calibri" panose="020F0502020204030204" pitchFamily="34" charset="0"/>
-                      </a:endParaRPr>
-                    </a:p>
-                  </a:txBody>
-                  <a:tcPr marL="9525" marR="9525" marT="9525" marB="0" anchor="ctr">
-                    <a:lnL w="12700" cap="flat" cmpd="sng" algn="ctr">
-                      <a:solidFill>
-                        <a:schemeClr val="bg1">
-                          <a:lumMod val="65000"/>
-                        </a:schemeClr>
-                      </a:solidFill>
-                      <a:prstDash val="solid"/>
-                      <a:round/>
-                      <a:headEnd type="none" w="med" len="med"/>
-                      <a:tailEnd type="none" w="med" len="med"/>
-                    </a:lnL>
-                    <a:lnR w="12700" cap="flat" cmpd="sng" algn="ctr">
-                      <a:solidFill>
-                        <a:schemeClr val="bg1">
-                          <a:lumMod val="65000"/>
-                        </a:schemeClr>
-                      </a:solidFill>
-                      <a:prstDash val="solid"/>
-                      <a:round/>
-                      <a:headEnd type="none" w="med" len="med"/>
-                      <a:tailEnd type="none" w="med" len="med"/>
-                    </a:lnR>
-                    <a:lnT w="12700" cap="flat" cmpd="sng" algn="ctr">
-                      <a:solidFill>
-                        <a:schemeClr val="bg1">
-                          <a:lumMod val="65000"/>
-                        </a:schemeClr>
-                      </a:solidFill>
-                      <a:prstDash val="solid"/>
-                      <a:round/>
-                      <a:headEnd type="none" w="med" len="med"/>
-                      <a:tailEnd type="none" w="med" len="med"/>
-                    </a:lnT>
-                    <a:lnB w="12700" cap="flat" cmpd="sng" algn="ctr">
-                      <a:solidFill>
-                        <a:schemeClr val="bg1">
-                          <a:lumMod val="65000"/>
-                        </a:schemeClr>
-                      </a:solidFill>
-                      <a:prstDash val="solid"/>
-                      <a:round/>
-                      <a:headEnd type="none" w="med" len="med"/>
-                      <a:tailEnd type="none" w="med" len="med"/>
-                    </a:lnB>
-                  </a:tcPr>
-                </a:tc>
-                <a:extLst>
-                  <a:ext uri="{0D108BD9-81ED-4DB2-BD59-A6C34878D82A}">
-                    <a16:rowId xmlns:a16="http://schemas.microsoft.com/office/drawing/2014/main" val="10004"/>
-                  </a:ext>
-                </a:extLst>
-              </a:tr>
-            </a:tbl>
-          </a:graphicData>
-        </a:graphic>
-      </p:graphicFrame>
-      <p:graphicFrame>
-        <p:nvGraphicFramePr>
-          <p:cNvPr id="4" name="Table 3"/>
-          <p:cNvGraphicFramePr>
-            <a:graphicFrameLocks noGrp="1"/>
-          </p:cNvGraphicFramePr>
-          <p:nvPr>
-            <p:extLst>
-              <p:ext uri="{D42A27DB-BD31-4B8C-83A1-F6EECF244321}">
-                <p14:modId xmlns:p14="http://schemas.microsoft.com/office/powerpoint/2010/main" val="726469976"/>
-              </p:ext>
-            </p:extLst>
-          </p:nvPr>
-        </p:nvGraphicFramePr>
-        <p:xfrm>
-          <a:off x="5841826" y="4114800"/>
-          <a:ext cx="5749969" cy="609600"/>
-        </p:xfrm>
-        <a:graphic>
-          <a:graphicData uri="http://schemas.openxmlformats.org/drawingml/2006/table">
-            <a:tbl>
-              <a:tblPr lastCol="1" bandRow="1">
-                <a:tableStyleId>{2D5ABB26-0587-4C30-8999-92F81FD0307C}</a:tableStyleId>
-              </a:tblPr>
-              <a:tblGrid>
-                <a:gridCol w="5054774">
-                  <a:extLst>
-                    <a:ext uri="{9D8B030D-6E8A-4147-A177-3AD203B41FA5}">
-                      <a16:colId xmlns:a16="http://schemas.microsoft.com/office/drawing/2014/main" val="20000"/>
-                    </a:ext>
-                  </a:extLst>
-                </a:gridCol>
-                <a:gridCol w="695195">
-                  <a:extLst>
-                    <a:ext uri="{9D8B030D-6E8A-4147-A177-3AD203B41FA5}">
-                      <a16:colId xmlns:a16="http://schemas.microsoft.com/office/drawing/2014/main" val="20001"/>
-                    </a:ext>
-                  </a:extLst>
-                </a:gridCol>
-              </a:tblGrid>
-              <a:tr h="609600">
-                <a:tc>
-                  <a:txBody>
-                    <a:bodyPr/>
-                    <a:lstStyle/>
-                    <a:p>
-                      <a:pPr algn="ctr" fontAlgn="b"/>
-                      <a:r>
-                        <a:rPr lang="en-US" sz="1100" u="none" strike="noStrike">
-                          <a:solidFill>
-                            <a:schemeClr val="bg1"/>
-                          </a:solidFill>
-                          <a:effectLst/>
-                        </a:rPr>
-                        <a:t>Estimated time needed to work on </a:t>
-                      </a:r>
-                      <a:r>
-                        <a:rPr lang="en-US" sz="1100" u="none" strike="noStrike" baseline="0">
-                          <a:solidFill>
-                            <a:schemeClr val="bg1"/>
-                          </a:solidFill>
-                          <a:effectLst/>
-                        </a:rPr>
-                        <a:t>goals for this coming week (typ. 13 </a:t>
-                      </a:r>
-                      <a:r>
-                        <a:rPr lang="en-US" sz="1100" u="none" strike="noStrike" baseline="0" err="1">
-                          <a:solidFill>
-                            <a:schemeClr val="bg1"/>
-                          </a:solidFill>
-                          <a:effectLst/>
-                        </a:rPr>
-                        <a:t>hrs</a:t>
-                      </a:r>
-                      <a:r>
-                        <a:rPr lang="en-US" sz="1100" u="none" strike="noStrike" baseline="0">
-                          <a:solidFill>
-                            <a:schemeClr val="bg1"/>
-                          </a:solidFill>
-                          <a:effectLst/>
-                        </a:rPr>
-                        <a:t>)</a:t>
-                      </a:r>
-                      <a:endParaRPr lang="en-US" sz="1100" b="0" i="0" u="none" strike="noStrike">
-                        <a:solidFill>
-                          <a:schemeClr val="bg1"/>
-                        </a:solidFill>
-                        <a:effectLst/>
-                        <a:latin typeface="Calibri" panose="020F0502020204030204" pitchFamily="34" charset="0"/>
-                      </a:endParaRPr>
-                    </a:p>
-                  </a:txBody>
-                  <a:tcPr marL="9525" marR="9525" marT="9525" marB="0" anchor="ctr">
-                    <a:lnL w="12700" cap="flat" cmpd="sng" algn="ctr">
-                      <a:solidFill>
-                        <a:schemeClr val="bg1">
-                          <a:lumMod val="65000"/>
-                        </a:schemeClr>
-                      </a:solidFill>
-                      <a:prstDash val="solid"/>
-                      <a:round/>
-                      <a:headEnd type="none" w="med" len="med"/>
-                      <a:tailEnd type="none" w="med" len="med"/>
-                    </a:lnL>
-                    <a:lnR w="12700" cap="flat" cmpd="sng" algn="ctr">
-                      <a:solidFill>
-                        <a:schemeClr val="bg1">
-                          <a:lumMod val="65000"/>
-                        </a:schemeClr>
-                      </a:solidFill>
-                      <a:prstDash val="solid"/>
-                      <a:round/>
-                      <a:headEnd type="none" w="med" len="med"/>
-                      <a:tailEnd type="none" w="med" len="med"/>
-                    </a:lnR>
-                    <a:lnT w="12700" cap="flat" cmpd="sng" algn="ctr">
-                      <a:solidFill>
-                        <a:schemeClr val="bg1">
-                          <a:lumMod val="65000"/>
-                        </a:schemeClr>
-                      </a:solidFill>
-                      <a:prstDash val="solid"/>
-                      <a:round/>
-                      <a:headEnd type="none" w="med" len="med"/>
-                      <a:tailEnd type="none" w="med" len="med"/>
-                    </a:lnT>
-                    <a:lnB w="12700" cap="flat" cmpd="sng" algn="ctr">
-                      <a:solidFill>
-                        <a:schemeClr val="bg1">
-                          <a:lumMod val="65000"/>
-                        </a:schemeClr>
-                      </a:solidFill>
-                      <a:prstDash val="solid"/>
-                      <a:round/>
-                      <a:headEnd type="none" w="med" len="med"/>
-                      <a:tailEnd type="none" w="med" len="med"/>
-                    </a:lnB>
-                  </a:tcPr>
-                </a:tc>
-                <a:tc>
-                  <a:txBody>
-                    <a:bodyPr/>
-                    <a:lstStyle/>
-                    <a:p>
-                      <a:pPr algn="ctr" fontAlgn="b"/>
-                      <a:r>
-                        <a:rPr lang="en-US" sz="1100" b="0" i="0" u="none" strike="noStrike">
-                          <a:solidFill>
-                            <a:schemeClr val="bg1"/>
-                          </a:solidFill>
-                          <a:effectLst/>
-                          <a:latin typeface="Calibri"/>
-                        </a:rPr>
-                        <a:t>14</a:t>
-                      </a:r>
-                      <a:endParaRPr lang="en-US" sz="1100" b="0" i="0" u="none" strike="noStrike">
-                        <a:solidFill>
-                          <a:schemeClr val="bg1"/>
-                        </a:solidFill>
-                        <a:effectLst/>
-                        <a:latin typeface="Calibri" panose="020F0502020204030204" pitchFamily="34" charset="0"/>
-                      </a:endParaRPr>
-                    </a:p>
-                  </a:txBody>
-                  <a:tcPr marL="9525" marR="9525" marT="9525" marB="0" anchor="ctr">
-                    <a:lnL w="12700" cap="flat" cmpd="sng" algn="ctr">
-                      <a:solidFill>
-                        <a:schemeClr val="bg1">
-                          <a:lumMod val="65000"/>
-                        </a:schemeClr>
-                      </a:solidFill>
-                      <a:prstDash val="solid"/>
-                      <a:round/>
-                      <a:headEnd type="none" w="med" len="med"/>
-                      <a:tailEnd type="none" w="med" len="med"/>
-                    </a:lnL>
-                    <a:lnR w="12700" cap="flat" cmpd="sng" algn="ctr">
-                      <a:solidFill>
-                        <a:schemeClr val="bg1">
-                          <a:lumMod val="65000"/>
-                        </a:schemeClr>
-                      </a:solidFill>
-                      <a:prstDash val="solid"/>
-                      <a:round/>
-                      <a:headEnd type="none" w="med" len="med"/>
-                      <a:tailEnd type="none" w="med" len="med"/>
-                    </a:lnR>
-                    <a:lnT w="12700" cap="flat" cmpd="sng" algn="ctr">
-                      <a:solidFill>
-                        <a:schemeClr val="bg1">
-                          <a:lumMod val="65000"/>
-                        </a:schemeClr>
-                      </a:solidFill>
-                      <a:prstDash val="solid"/>
-                      <a:round/>
-                      <a:headEnd type="none" w="med" len="med"/>
-                      <a:tailEnd type="none" w="med" len="med"/>
-                    </a:lnT>
-                    <a:lnB w="12700" cap="flat" cmpd="sng" algn="ctr">
-                      <a:solidFill>
-                        <a:schemeClr val="bg1">
-                          <a:lumMod val="65000"/>
-                        </a:schemeClr>
-                      </a:solidFill>
-                      <a:prstDash val="solid"/>
-                      <a:round/>
-                      <a:headEnd type="none" w="med" len="med"/>
-                      <a:tailEnd type="none" w="med" len="med"/>
-                    </a:lnB>
-                  </a:tcPr>
-                </a:tc>
-                <a:extLst>
-                  <a:ext uri="{0D108BD9-81ED-4DB2-BD59-A6C34878D82A}">
-                    <a16:rowId xmlns:a16="http://schemas.microsoft.com/office/drawing/2014/main" val="10000"/>
-                  </a:ext>
-                </a:extLst>
-              </a:tr>
-            </a:tbl>
-          </a:graphicData>
-        </a:graphic>
-      </p:graphicFrame>
-    </p:spTree>
-    <p:extLst>
-      <p:ext uri="{BB962C8B-B14F-4D97-AF65-F5344CB8AC3E}">
-        <p14:creationId xmlns:p14="http://schemas.microsoft.com/office/powerpoint/2010/main" val="3580830729"/>
-      </p:ext>
-    </p:extLst>
-  </p:cSld>
-  <p:clrMapOvr>
-    <a:masterClrMapping/>
-  </p:clrMapOvr>
-  <p:transition>
-    <p:fade/>
-  </p:transition>
-</p:sld>
-</file>
-
-<file path=ppt/slides/slide11.xml><?xml version="1.0" encoding="utf-8"?>
-<p:sld xmlns:a="http://schemas.openxmlformats.org/drawingml/2006/main" xmlns:r="http://schemas.openxmlformats.org/officeDocument/2006/relationships" xmlns:p="http://schemas.openxmlformats.org/presentationml/2006/main">
-  <p:cSld>
-    <p:spTree>
-      <p:nvGrpSpPr>
-        <p:cNvPr id="1" name=""/>
-        <p:cNvGrpSpPr/>
-        <p:nvPr/>
-      </p:nvGrpSpPr>
-      <p:grpSpPr>
-        <a:xfrm>
-          <a:off x="0" y="0"/>
-          <a:ext cx="0" cy="0"/>
-          <a:chOff x="0" y="0"/>
-          <a:chExt cx="0" cy="0"/>
-        </a:xfrm>
-      </p:grpSpPr>
-      <p:sp>
-        <p:nvSpPr>
-          <p:cNvPr id="2" name="Title 1"/>
-          <p:cNvSpPr>
-            <a:spLocks noGrp="1"/>
-          </p:cNvSpPr>
-          <p:nvPr>
-            <p:ph type="title"/>
-          </p:nvPr>
-        </p:nvSpPr>
-        <p:spPr/>
-        <p:txBody>
-          <a:bodyPr/>
-          <a:lstStyle/>
-          <a:p>
-            <a:r>
-              <a:rPr lang="en-US"/>
+              <a:rPr lang="en-US" dirty="0"/>
               <a:t>How can we help you achieve your goals?</a:t>
             </a:r>
           </a:p>
@@ -7562,7 +5708,7 @@
               <a:buChar char="•"/>
             </a:pPr>
             <a:r>
-              <a:rPr lang="en-US">
+              <a:rPr lang="en-US" dirty="0">
                 <a:solidFill>
                   <a:schemeClr val="bg1"/>
                 </a:solidFill>
@@ -7578,7 +5724,7 @@
               <a:buChar char="•"/>
             </a:pPr>
             <a:r>
-              <a:rPr lang="en-US">
+              <a:rPr lang="en-US" dirty="0">
                 <a:solidFill>
                   <a:schemeClr val="bg1"/>
                 </a:solidFill>
@@ -7587,7 +5733,7 @@
               </a:rPr>
               <a:t>I need the process of getting the computer out of the STC in the works ASAP</a:t>
             </a:r>
-            <a:endParaRPr lang="en-US">
+            <a:endParaRPr lang="en-US" dirty="0">
               <a:solidFill>
                 <a:schemeClr val="bg1"/>
               </a:solidFill>
@@ -7611,107 +5757,7 @@
 </p:sld>
 </file>
 
-<file path=ppt/slides/slide12.xml><?xml version="1.0" encoding="utf-8"?>
-<p:sld xmlns:a="http://schemas.openxmlformats.org/drawingml/2006/main" xmlns:r="http://schemas.openxmlformats.org/officeDocument/2006/relationships" xmlns:p="http://schemas.openxmlformats.org/presentationml/2006/main">
-  <p:cSld>
-    <p:spTree>
-      <p:nvGrpSpPr>
-        <p:cNvPr id="1" name=""/>
-        <p:cNvGrpSpPr/>
-        <p:nvPr/>
-      </p:nvGrpSpPr>
-      <p:grpSpPr>
-        <a:xfrm>
-          <a:off x="0" y="0"/>
-          <a:ext cx="0" cy="0"/>
-          <a:chOff x="0" y="0"/>
-          <a:chExt cx="0" cy="0"/>
-        </a:xfrm>
-      </p:grpSpPr>
-      <p:sp>
-        <p:nvSpPr>
-          <p:cNvPr id="2" name="Rectangle 1"/>
-          <p:cNvSpPr/>
-          <p:nvPr/>
-        </p:nvSpPr>
-        <p:spPr bwMode="auto">
-          <a:xfrm>
-            <a:off x="-152400" y="-76200"/>
-            <a:ext cx="12573000" cy="6934200"/>
-          </a:xfrm>
-          <a:prstGeom prst="rect">
-            <a:avLst/>
-          </a:prstGeom>
-          <a:solidFill>
-            <a:schemeClr val="tx1"/>
-          </a:solidFill>
-          <a:ln w="9525" cap="flat" cmpd="sng" algn="ctr">
-            <a:solidFill>
-              <a:schemeClr val="tx1"/>
-            </a:solidFill>
-            <a:prstDash val="solid"/>
-            <a:round/>
-            <a:headEnd type="none" w="med" len="med"/>
-            <a:tailEnd type="none" w="med" len="med"/>
-          </a:ln>
-          <a:effectLst/>
-        </p:spPr>
-        <p:txBody>
-          <a:bodyPr vert="horz" wrap="square" lIns="91440" tIns="45720" rIns="91440" bIns="45720" numCol="1" rtlCol="0" anchor="t" anchorCtr="0" compatLnSpc="1">
-            <a:prstTxWarp prst="textNoShape">
-              <a:avLst/>
-            </a:prstTxWarp>
-          </a:bodyPr>
-          <a:lstStyle/>
-          <a:p>
-            <a:pPr marL="0" marR="0" indent="0" algn="l" defTabSz="914400" rtl="0" eaLnBrk="0" fontAlgn="base" latinLnBrk="0" hangingPunct="0">
-              <a:lnSpc>
-                <a:spcPct val="100000"/>
-              </a:lnSpc>
-              <a:spcBef>
-                <a:spcPct val="0"/>
-              </a:spcBef>
-              <a:spcAft>
-                <a:spcPct val="0"/>
-              </a:spcAft>
-              <a:buClrTx/>
-              <a:buSzTx/>
-              <a:buFontTx/>
-              <a:buNone/>
-              <a:tabLst/>
-            </a:pPr>
-            <a:endParaRPr kumimoji="0" lang="en-US" sz="2400" b="0" i="0" u="none" strike="noStrike" cap="none" normalizeH="0" baseline="0">
-              <a:ln>
-                <a:noFill/>
-              </a:ln>
-              <a:solidFill>
-                <a:schemeClr val="tx1"/>
-              </a:solidFill>
-              <a:effectLst/>
-              <a:latin typeface="Arial" pitchFamily="44" charset="0"/>
-              <a:ea typeface="ＭＳ Ｐゴシック" pitchFamily="44" charset="-128"/>
-              <a:cs typeface="ＭＳ Ｐゴシック" pitchFamily="44" charset="-128"/>
-            </a:endParaRPr>
-          </a:p>
-        </p:txBody>
-      </p:sp>
-    </p:spTree>
-    <p:extLst>
-      <p:ext uri="{BB962C8B-B14F-4D97-AF65-F5344CB8AC3E}">
-        <p14:creationId xmlns:p14="http://schemas.microsoft.com/office/powerpoint/2010/main" val="138496811"/>
-      </p:ext>
-    </p:extLst>
-  </p:cSld>
-  <p:clrMapOvr>
-    <a:masterClrMapping/>
-  </p:clrMapOvr>
-  <p:transition>
-    <p:fade/>
-  </p:transition>
-</p:sld>
-</file>
-
-<file path=ppt/slides/slide13.xml><?xml version="1.0" encoding="utf-8"?>
+<file path=ppt/slides/slide11.xml><?xml version="1.0" encoding="utf-8"?>
 <p:sld xmlns:a="http://schemas.openxmlformats.org/drawingml/2006/main" xmlns:r="http://schemas.openxmlformats.org/officeDocument/2006/relationships" xmlns:p="http://schemas.openxmlformats.org/presentationml/2006/main">
   <p:cSld>
     <p:spTree>
@@ -9430,7 +7476,7 @@
 </p:sld>
 </file>
 
-<file path=ppt/slides/slide14.xml><?xml version="1.0" encoding="utf-8"?>
+<file path=ppt/slides/slide12.xml><?xml version="1.0" encoding="utf-8"?>
 <p:sld xmlns:a="http://schemas.openxmlformats.org/drawingml/2006/main" xmlns:r="http://schemas.openxmlformats.org/officeDocument/2006/relationships" xmlns:p="http://schemas.openxmlformats.org/presentationml/2006/main">
   <p:cSld>
     <p:spTree>
@@ -9751,7 +7797,7 @@
 </p:sld>
 </file>
 
-<file path=ppt/slides/slide15.xml><?xml version="1.0" encoding="utf-8"?>
+<file path=ppt/slides/slide13.xml><?xml version="1.0" encoding="utf-8"?>
 <p:sld xmlns:a="http://schemas.openxmlformats.org/drawingml/2006/main" xmlns:r="http://schemas.openxmlformats.org/officeDocument/2006/relationships" xmlns:p="http://schemas.openxmlformats.org/presentationml/2006/main">
   <p:cSld>
     <p:spTree>
@@ -9848,7 +7894,7 @@
 </p:sld>
 </file>
 
-<file path=ppt/slides/slide16.xml><?xml version="1.0" encoding="utf-8"?>
+<file path=ppt/slides/slide14.xml><?xml version="1.0" encoding="utf-8"?>
 <p:sld xmlns:a="http://schemas.openxmlformats.org/drawingml/2006/main" xmlns:r="http://schemas.openxmlformats.org/officeDocument/2006/relationships" xmlns:p="http://schemas.openxmlformats.org/presentationml/2006/main">
   <p:cSld>
     <p:spTree>
@@ -11295,7 +9341,7 @@
 </p:sld>
 </file>
 
-<file path=ppt/slides/slide17.xml><?xml version="1.0" encoding="utf-8"?>
+<file path=ppt/slides/slide15.xml><?xml version="1.0" encoding="utf-8"?>
 <p:sld xmlns:a="http://schemas.openxmlformats.org/drawingml/2006/main" xmlns:r="http://schemas.openxmlformats.org/officeDocument/2006/relationships" xmlns:p="http://schemas.openxmlformats.org/presentationml/2006/main">
   <p:cSld>
     <p:spTree>
@@ -11328,7 +9374,7 @@
           <a:lstStyle/>
           <a:p>
             <a:r>
-              <a:rPr lang="en-US"/>
+              <a:rPr lang="en-US" dirty="0"/>
               <a:t>How can we help you achieve your goals?</a:t>
             </a:r>
           </a:p>
@@ -11361,7 +9407,7 @@
               <a:buChar char="•"/>
             </a:pPr>
             <a:r>
-              <a:rPr lang="en-US">
+              <a:rPr lang="en-US" dirty="0">
                 <a:solidFill>
                   <a:schemeClr val="bg1"/>
                 </a:solidFill>
@@ -11370,7 +9416,7 @@
               </a:rPr>
               <a:t>It help if we could get the computer out of the STC right away</a:t>
             </a:r>
-            <a:endParaRPr lang="en-US">
+            <a:endParaRPr lang="en-US" dirty="0">
               <a:solidFill>
                 <a:schemeClr val="bg1"/>
               </a:solidFill>
@@ -11394,107 +9440,7 @@
 </p:sld>
 </file>
 
-<file path=ppt/slides/slide18.xml><?xml version="1.0" encoding="utf-8"?>
-<p:sld xmlns:a="http://schemas.openxmlformats.org/drawingml/2006/main" xmlns:r="http://schemas.openxmlformats.org/officeDocument/2006/relationships" xmlns:p="http://schemas.openxmlformats.org/presentationml/2006/main">
-  <p:cSld>
-    <p:spTree>
-      <p:nvGrpSpPr>
-        <p:cNvPr id="1" name=""/>
-        <p:cNvGrpSpPr/>
-        <p:nvPr/>
-      </p:nvGrpSpPr>
-      <p:grpSpPr>
-        <a:xfrm>
-          <a:off x="0" y="0"/>
-          <a:ext cx="0" cy="0"/>
-          <a:chOff x="0" y="0"/>
-          <a:chExt cx="0" cy="0"/>
-        </a:xfrm>
-      </p:grpSpPr>
-      <p:sp>
-        <p:nvSpPr>
-          <p:cNvPr id="2" name="Rectangle 1"/>
-          <p:cNvSpPr/>
-          <p:nvPr/>
-        </p:nvSpPr>
-        <p:spPr bwMode="auto">
-          <a:xfrm>
-            <a:off x="-152400" y="-76200"/>
-            <a:ext cx="12573000" cy="6934200"/>
-          </a:xfrm>
-          <a:prstGeom prst="rect">
-            <a:avLst/>
-          </a:prstGeom>
-          <a:solidFill>
-            <a:schemeClr val="tx1"/>
-          </a:solidFill>
-          <a:ln w="9525" cap="flat" cmpd="sng" algn="ctr">
-            <a:solidFill>
-              <a:schemeClr val="tx1"/>
-            </a:solidFill>
-            <a:prstDash val="solid"/>
-            <a:round/>
-            <a:headEnd type="none" w="med" len="med"/>
-            <a:tailEnd type="none" w="med" len="med"/>
-          </a:ln>
-          <a:effectLst/>
-        </p:spPr>
-        <p:txBody>
-          <a:bodyPr vert="horz" wrap="square" lIns="91440" tIns="45720" rIns="91440" bIns="45720" numCol="1" rtlCol="0" anchor="t" anchorCtr="0" compatLnSpc="1">
-            <a:prstTxWarp prst="textNoShape">
-              <a:avLst/>
-            </a:prstTxWarp>
-          </a:bodyPr>
-          <a:lstStyle/>
-          <a:p>
-            <a:pPr marL="0" marR="0" indent="0" algn="l" defTabSz="914400" rtl="0" eaLnBrk="0" fontAlgn="base" latinLnBrk="0" hangingPunct="0">
-              <a:lnSpc>
-                <a:spcPct val="100000"/>
-              </a:lnSpc>
-              <a:spcBef>
-                <a:spcPct val="0"/>
-              </a:spcBef>
-              <a:spcAft>
-                <a:spcPct val="0"/>
-              </a:spcAft>
-              <a:buClrTx/>
-              <a:buSzTx/>
-              <a:buFontTx/>
-              <a:buNone/>
-              <a:tabLst/>
-            </a:pPr>
-            <a:endParaRPr kumimoji="0" lang="en-US" sz="2400" b="0" i="0" u="none" strike="noStrike" cap="none" normalizeH="0" baseline="0">
-              <a:ln>
-                <a:noFill/>
-              </a:ln>
-              <a:solidFill>
-                <a:schemeClr val="tx1"/>
-              </a:solidFill>
-              <a:effectLst/>
-              <a:latin typeface="Arial" pitchFamily="44" charset="0"/>
-              <a:ea typeface="ＭＳ Ｐゴシック" pitchFamily="44" charset="-128"/>
-              <a:cs typeface="ＭＳ Ｐゴシック" pitchFamily="44" charset="-128"/>
-            </a:endParaRPr>
-          </a:p>
-        </p:txBody>
-      </p:sp>
-    </p:spTree>
-    <p:extLst>
-      <p:ext uri="{BB962C8B-B14F-4D97-AF65-F5344CB8AC3E}">
-        <p14:creationId xmlns:p14="http://schemas.microsoft.com/office/powerpoint/2010/main" val="2319251064"/>
-      </p:ext>
-    </p:extLst>
-  </p:cSld>
-  <p:clrMapOvr>
-    <a:masterClrMapping/>
-  </p:clrMapOvr>
-  <p:transition>
-    <p:fade/>
-  </p:transition>
-</p:sld>
-</file>
-
-<file path=ppt/slides/slide19.xml><?xml version="1.0" encoding="utf-8"?>
+<file path=ppt/slides/slide16.xml><?xml version="1.0" encoding="utf-8"?>
 <p:sld xmlns:a="http://schemas.openxmlformats.org/drawingml/2006/main" xmlns:r="http://schemas.openxmlformats.org/officeDocument/2006/relationships" xmlns:p="http://schemas.openxmlformats.org/presentationml/2006/main">
   <p:cSld>
     <p:spTree>
@@ -11527,13 +9473,13 @@
           <a:lstStyle/>
           <a:p>
             <a:r>
-              <a:rPr lang="en-US">
+              <a:rPr lang="en-US" dirty="0">
                 <a:ea typeface="ＭＳ Ｐゴシック"/>
               </a:rPr>
               <a:t>Week 1 (21-Apr to 27-Apr) </a:t>
             </a:r>
             <a:r>
-              <a:rPr lang="en-US">
+              <a:rPr lang="en-US" dirty="0">
                 <a:solidFill>
                   <a:srgbClr val="FF0000"/>
                 </a:solidFill>
@@ -11541,7 +9487,7 @@
               </a:rPr>
               <a:t>Kyle Tolliver</a:t>
             </a:r>
-            <a:endParaRPr lang="en-US">
+            <a:endParaRPr lang="en-US" dirty="0">
               <a:solidFill>
                 <a:srgbClr val="FF0000"/>
               </a:solidFill>
@@ -11558,7 +9504,7 @@
           <p:nvPr>
             <p:extLst>
               <p:ext uri="{D42A27DB-BD31-4B8C-83A1-F6EECF244321}">
-                <p14:modId xmlns:p14="http://schemas.microsoft.com/office/powerpoint/2010/main" val="1086362678"/>
+                <p14:modId xmlns:p14="http://schemas.microsoft.com/office/powerpoint/2010/main" val="3463023891"/>
               </p:ext>
             </p:extLst>
           </p:nvPr>
@@ -11604,7 +9550,7 @@
                     <a:p>
                       <a:pPr algn="l" fontAlgn="ctr"/>
                       <a:r>
-                        <a:rPr lang="en-US" sz="1100" u="none" strike="noStrike">
+                        <a:rPr lang="en-US" sz="1100" u="none" strike="noStrike" dirty="0">
                           <a:solidFill>
                             <a:schemeClr val="bg1"/>
                           </a:solidFill>
@@ -11612,7 +9558,7 @@
                         </a:rPr>
                         <a:t>Goal/Task</a:t>
                       </a:r>
-                      <a:endParaRPr lang="en-US" sz="1100" b="0" i="0" u="none" strike="noStrike">
+                      <a:endParaRPr lang="en-US" sz="1100" b="0" i="0" u="none" strike="noStrike" dirty="0">
                         <a:solidFill>
                           <a:schemeClr val="bg1"/>
                         </a:solidFill>
@@ -11675,7 +9621,7 @@
                     <a:p>
                       <a:pPr algn="ctr" fontAlgn="ctr"/>
                       <a:r>
-                        <a:rPr lang="en-US" sz="1100" u="none" strike="noStrike">
+                        <a:rPr lang="en-US" sz="1100" u="none" strike="noStrike" dirty="0">
                           <a:solidFill>
                             <a:schemeClr val="bg1"/>
                           </a:solidFill>
@@ -11683,7 +9629,7 @@
                         </a:rPr>
                         <a:t>% Done</a:t>
                       </a:r>
-                      <a:endParaRPr lang="en-US" sz="1100" b="0" i="0" u="none" strike="noStrike">
+                      <a:endParaRPr lang="en-US" sz="1100" b="0" i="0" u="none" strike="noStrike" dirty="0">
                         <a:solidFill>
                           <a:schemeClr val="bg1"/>
                         </a:solidFill>
@@ -11771,7 +9717,7 @@
                         <a:defRPr/>
                       </a:pPr>
                       <a:r>
-                        <a:rPr lang="en-US" sz="1100" u="none" strike="noStrike">
+                        <a:rPr lang="en-US" sz="1100" u="none" strike="noStrike" dirty="0">
                           <a:solidFill>
                             <a:schemeClr val="bg1"/>
                           </a:solidFill>
@@ -11779,7 +9725,7 @@
                         </a:rPr>
                         <a:t>Hours (Act.)</a:t>
                       </a:r>
-                      <a:endParaRPr lang="en-US" sz="1100" b="0" i="0" u="none" strike="noStrike">
+                      <a:endParaRPr lang="en-US" sz="1100" b="0" i="0" u="none" strike="noStrike" dirty="0">
                         <a:solidFill>
                           <a:schemeClr val="bg1"/>
                         </a:solidFill>
@@ -11849,7 +9795,7 @@
                     <a:p>
                       <a:pPr algn="l" fontAlgn="b"/>
                       <a:r>
-                        <a:rPr lang="en-US" sz="1100" u="none" strike="noStrike">
+                        <a:rPr lang="en-US" sz="1100" u="none" strike="noStrike" dirty="0">
                           <a:solidFill>
                             <a:schemeClr val="bg1"/>
                           </a:solidFill>
@@ -11858,7 +9804,7 @@
                         <a:t> Everyone Complete Leadership</a:t>
                       </a:r>
                       <a:r>
-                        <a:rPr lang="en-US" sz="1100" u="none" strike="noStrike" baseline="0">
+                        <a:rPr lang="en-US" sz="1100" u="none" strike="noStrike" baseline="0" dirty="0">
                           <a:solidFill>
                             <a:schemeClr val="bg1"/>
                           </a:solidFill>
@@ -11866,7 +9812,7 @@
                         </a:rPr>
                         <a:t> Foundation: Clarify Purpose (p. 32-33), Team Purpose Statement (p. 34), Voice Finder (p. 64-67), Your Contribution Statement (p. 68), Win-Win Performance Agreement (p. 76)</a:t>
                       </a:r>
-                      <a:endParaRPr lang="en-US" sz="1100" b="0" i="0" u="none" strike="noStrike">
+                      <a:endParaRPr lang="en-US" sz="1100" b="0" i="0" u="none" strike="noStrike" dirty="0">
                         <a:solidFill>
                           <a:schemeClr val="bg1"/>
                         </a:solidFill>
@@ -11929,7 +9875,7 @@
                     <a:p>
                       <a:pPr algn="ctr" fontAlgn="ctr"/>
                       <a:r>
-                        <a:rPr lang="en-US" sz="1100" b="0" i="0" u="none" strike="noStrike">
+                        <a:rPr lang="en-US" sz="1100" b="0" i="0" u="none" strike="noStrike" dirty="0">
                           <a:solidFill>
                             <a:schemeClr val="bg1"/>
                           </a:solidFill>
@@ -11938,7 +9884,7 @@
                         </a:rPr>
                         <a:t>100</a:t>
                       </a:r>
-                      <a:endParaRPr lang="en-US" sz="1100" b="0" i="0" u="none" strike="noStrike">
+                      <a:endParaRPr lang="en-US" sz="1100" b="0" i="0" u="none" strike="noStrike" dirty="0">
                         <a:solidFill>
                           <a:schemeClr val="bg1"/>
                         </a:solidFill>
@@ -12001,7 +9947,7 @@
                     <a:p>
                       <a:pPr algn="ctr" fontAlgn="ctr"/>
                       <a:r>
-                        <a:rPr lang="en-US" sz="1100" b="0" i="0" u="none" strike="noStrike">
+                        <a:rPr lang="en-US" sz="1100" b="0" i="0" u="none" strike="noStrike" dirty="0">
                           <a:solidFill>
                             <a:schemeClr val="bg1"/>
                           </a:solidFill>
@@ -12010,7 +9956,7 @@
                         </a:rPr>
                         <a:t>2.25</a:t>
                       </a:r>
-                      <a:endParaRPr lang="en-US" sz="1100" b="0" i="0" u="none" strike="noStrike">
+                      <a:endParaRPr lang="en-US" sz="1100" b="0" i="0" u="none" strike="noStrike" dirty="0">
                         <a:solidFill>
                           <a:schemeClr val="bg1"/>
                         </a:solidFill>
@@ -12096,7 +10042,7 @@
                         <a:defRPr/>
                       </a:pPr>
                       <a:r>
-                        <a:rPr lang="en-US" sz="1100" u="none" strike="noStrike">
+                        <a:rPr lang="en-US" sz="1100" u="none" strike="noStrike" dirty="0">
                           <a:solidFill>
                             <a:schemeClr val="bg1"/>
                           </a:solidFill>
@@ -12105,7 +10051,7 @@
                         <a:t>Team Complete: Project Objective / Mission Statement </a:t>
                       </a:r>
                       <a:r>
-                        <a:rPr lang="en-US" sz="1100" u="none" strike="noStrike" baseline="0">
+                        <a:rPr lang="en-US" sz="1100" u="none" strike="noStrike" baseline="0" dirty="0">
                           <a:solidFill>
                             <a:schemeClr val="bg1"/>
                           </a:solidFill>
@@ -12113,7 +10059,7 @@
                         </a:rPr>
                         <a:t>(clear and concise, &lt;25 words, see example below)</a:t>
                       </a:r>
-                      <a:endParaRPr lang="en-US" sz="1100" u="none" strike="noStrike">
+                      <a:endParaRPr lang="en-US" sz="1100" u="none" strike="noStrike" dirty="0">
                         <a:solidFill>
                           <a:schemeClr val="bg1"/>
                         </a:solidFill>
@@ -12185,7 +10131,7 @@
                     <a:p>
                       <a:pPr algn="ctr" fontAlgn="ctr"/>
                       <a:r>
-                        <a:rPr lang="en-US" sz="1100" b="0" i="0" u="none" strike="noStrike">
+                        <a:rPr lang="en-US" sz="1100" b="0" i="0" u="none" strike="noStrike" dirty="0">
                           <a:solidFill>
                             <a:schemeClr val="bg1"/>
                           </a:solidFill>
@@ -12194,7 +10140,7 @@
                         </a:rPr>
                         <a:t>100</a:t>
                       </a:r>
-                      <a:endParaRPr lang="en-US" sz="1100" b="0" i="0" u="none" strike="noStrike">
+                      <a:endParaRPr lang="en-US" sz="1100" b="0" i="0" u="none" strike="noStrike" dirty="0">
                         <a:solidFill>
                           <a:schemeClr val="bg1"/>
                         </a:solidFill>
@@ -12257,7 +10203,7 @@
                     <a:p>
                       <a:pPr algn="ctr" fontAlgn="ctr"/>
                       <a:r>
-                        <a:rPr lang="en-US" sz="1100" b="0" i="0" u="none" strike="noStrike">
+                        <a:rPr lang="en-US" sz="1100" b="0" i="0" u="none" strike="noStrike" dirty="0">
                           <a:solidFill>
                             <a:schemeClr val="bg1"/>
                           </a:solidFill>
@@ -12266,7 +10212,7 @@
                         </a:rPr>
                         <a:t>.08</a:t>
                       </a:r>
-                      <a:endParaRPr lang="en-US" sz="1100" b="0" i="0" u="none" strike="noStrike">
+                      <a:endParaRPr lang="en-US" sz="1100" b="0" i="0" u="none" strike="noStrike" dirty="0">
                         <a:solidFill>
                           <a:schemeClr val="bg1"/>
                         </a:solidFill>
@@ -12352,7 +10298,7 @@
                         <a:defRPr/>
                       </a:pPr>
                       <a:r>
-                        <a:rPr lang="en-US" sz="1100" u="none" strike="noStrike">
+                        <a:rPr lang="en-US" sz="1100" u="none" strike="noStrike" dirty="0">
                           <a:solidFill>
                             <a:schemeClr val="bg1"/>
                           </a:solidFill>
@@ -12361,7 +10307,7 @@
                         <a:t> Team Complete: Project Task</a:t>
                       </a:r>
                       <a:r>
-                        <a:rPr lang="en-US" sz="1100" u="none" strike="noStrike" baseline="0">
+                        <a:rPr lang="en-US" sz="1100" u="none" strike="noStrike" baseline="0" dirty="0">
                           <a:solidFill>
                             <a:schemeClr val="bg1"/>
                           </a:solidFill>
@@ -12369,7 +10315,7 @@
                         </a:rPr>
                         <a:t> Temple (Conditions or tasks that must be completed, work that needs to be done)</a:t>
                       </a:r>
-                      <a:endParaRPr lang="en-US" sz="1100" u="none" strike="noStrike">
+                      <a:endParaRPr lang="en-US" sz="1100" u="none" strike="noStrike" dirty="0">
                         <a:solidFill>
                           <a:schemeClr val="bg1"/>
                         </a:solidFill>
@@ -12441,7 +10387,7 @@
                     <a:p>
                       <a:pPr algn="ctr" fontAlgn="ctr"/>
                       <a:r>
-                        <a:rPr lang="en-US" sz="1100" u="none" strike="noStrike">
+                        <a:rPr lang="en-US" sz="1100" u="none" strike="noStrike" dirty="0">
                           <a:solidFill>
                             <a:schemeClr val="bg1"/>
                           </a:solidFill>
@@ -12449,7 +10395,7 @@
                         </a:rPr>
                         <a:t>100 </a:t>
                       </a:r>
-                      <a:endParaRPr lang="en-US" sz="1100" b="0" i="0" u="none" strike="noStrike">
+                      <a:endParaRPr lang="en-US" sz="1100" b="0" i="0" u="none" strike="noStrike" dirty="0">
                         <a:solidFill>
                           <a:schemeClr val="bg1"/>
                         </a:solidFill>
@@ -12512,7 +10458,7 @@
                     <a:p>
                       <a:pPr algn="ctr" fontAlgn="ctr"/>
                       <a:r>
-                        <a:rPr lang="en-US" sz="1100" u="none" strike="noStrike">
+                        <a:rPr lang="en-US" sz="1100" u="none" strike="noStrike" dirty="0">
                           <a:solidFill>
                             <a:schemeClr val="bg1"/>
                           </a:solidFill>
@@ -12520,7 +10466,7 @@
                         </a:rPr>
                         <a:t> 2.5</a:t>
                       </a:r>
-                      <a:endParaRPr lang="en-US" sz="1100" b="0" i="0" u="none" strike="noStrike">
+                      <a:endParaRPr lang="en-US" sz="1100" b="0" i="0" u="none" strike="noStrike" dirty="0">
                         <a:solidFill>
                           <a:schemeClr val="bg1"/>
                         </a:solidFill>
@@ -13168,7 +11114,7 @@
           <a:lstStyle/>
           <a:p>
             <a:r>
-              <a:rPr lang="en-US" sz="1100">
+              <a:rPr lang="en-US" sz="1100" dirty="0">
                 <a:solidFill>
                   <a:schemeClr val="bg1"/>
                 </a:solidFill>
@@ -13177,7 +11123,7 @@
               </a:rPr>
               <a:t>Create a TMR-ed system with various configurations of the RISC-V instruction set on an FPGA to test the possibility of its use in space.</a:t>
             </a:r>
-            <a:endParaRPr lang="en-US">
+            <a:endParaRPr lang="en-US" dirty="0">
               <a:solidFill>
                 <a:schemeClr val="bg1"/>
               </a:solidFill>
@@ -13191,6 +11137,2387 @@
     <p:extLst>
       <p:ext uri="{BB962C8B-B14F-4D97-AF65-F5344CB8AC3E}">
         <p14:creationId xmlns:p14="http://schemas.microsoft.com/office/powerpoint/2010/main" val="2792101313"/>
+      </p:ext>
+    </p:extLst>
+  </p:cSld>
+  <p:clrMapOvr>
+    <a:masterClrMapping/>
+  </p:clrMapOvr>
+  <p:transition>
+    <p:fade/>
+  </p:transition>
+</p:sld>
+</file>
+
+<file path=ppt/slides/slide17.xml><?xml version="1.0" encoding="utf-8"?>
+<p:sld xmlns:a="http://schemas.openxmlformats.org/drawingml/2006/main" xmlns:r="http://schemas.openxmlformats.org/officeDocument/2006/relationships" xmlns:p="http://schemas.openxmlformats.org/presentationml/2006/main">
+  <p:cSld>
+    <p:spTree>
+      <p:nvGrpSpPr>
+        <p:cNvPr id="1" name=""/>
+        <p:cNvGrpSpPr/>
+        <p:nvPr/>
+      </p:nvGrpSpPr>
+      <p:grpSpPr>
+        <a:xfrm>
+          <a:off x="0" y="0"/>
+          <a:ext cx="0" cy="0"/>
+          <a:chOff x="0" y="0"/>
+          <a:chExt cx="0" cy="0"/>
+        </a:xfrm>
+      </p:grpSpPr>
+      <p:sp>
+        <p:nvSpPr>
+          <p:cNvPr id="2" name="Title 1"/>
+          <p:cNvSpPr>
+            <a:spLocks noGrp="1"/>
+          </p:cNvSpPr>
+          <p:nvPr>
+            <p:ph type="title"/>
+          </p:nvPr>
+        </p:nvSpPr>
+        <p:spPr/>
+        <p:txBody>
+          <a:bodyPr/>
+          <a:lstStyle/>
+          <a:p>
+            <a:r>
+              <a:rPr lang="en-US" dirty="0"/>
+              <a:t>Progress made during the week (Log)</a:t>
+            </a:r>
+            <a:br>
+              <a:rPr lang="en-US"/>
+            </a:br>
+            <a:r>
+              <a:rPr lang="en-US" sz="1400" dirty="0"/>
+              <a:t>(What I did)</a:t>
+            </a:r>
+            <a:endParaRPr lang="en-US" dirty="0"/>
+          </a:p>
+        </p:txBody>
+      </p:sp>
+      <p:sp>
+        <p:nvSpPr>
+          <p:cNvPr id="3" name="Content Placeholder 5"/>
+          <p:cNvSpPr txBox="1">
+            <a:spLocks/>
+          </p:cNvSpPr>
+          <p:nvPr/>
+        </p:nvSpPr>
+        <p:spPr>
+          <a:xfrm>
+            <a:off x="685800" y="1066800"/>
+            <a:ext cx="10896600" cy="5105400"/>
+          </a:xfrm>
+          <a:prstGeom prst="rect">
+            <a:avLst/>
+          </a:prstGeom>
+        </p:spPr>
+        <p:txBody>
+          <a:bodyPr/>
+          <a:lstStyle>
+            <a:lvl1pPr marL="342900" indent="-342900" algn="l" rtl="0" eaLnBrk="0" fontAlgn="base" hangingPunct="0">
+              <a:spcBef>
+                <a:spcPct val="20000"/>
+              </a:spcBef>
+              <a:spcAft>
+                <a:spcPct val="0"/>
+              </a:spcAft>
+              <a:buClr>
+                <a:srgbClr val="606060"/>
+              </a:buClr>
+              <a:buSzPct val="80000"/>
+              <a:buFont typeface="Times" charset="0"/>
+              <a:buChar char="•"/>
+              <a:defRPr sz="2400">
+                <a:solidFill>
+                  <a:srgbClr val="FFFFFF"/>
+                </a:solidFill>
+                <a:latin typeface="+mn-lt"/>
+                <a:ea typeface="ＭＳ Ｐゴシック" charset="0"/>
+                <a:cs typeface="MS PGothic" charset="0"/>
+              </a:defRPr>
+            </a:lvl1pPr>
+            <a:lvl2pPr marL="742950" indent="-285750" algn="l" rtl="0" eaLnBrk="0" fontAlgn="base" hangingPunct="0">
+              <a:spcBef>
+                <a:spcPct val="20000"/>
+              </a:spcBef>
+              <a:spcAft>
+                <a:spcPct val="0"/>
+              </a:spcAft>
+              <a:buClr>
+                <a:srgbClr val="606060"/>
+              </a:buClr>
+              <a:buSzPct val="80000"/>
+              <a:buFont typeface="Times" charset="0"/>
+              <a:buChar char="•"/>
+              <a:defRPr sz="2400">
+                <a:solidFill>
+                  <a:srgbClr val="FFFFFF"/>
+                </a:solidFill>
+                <a:latin typeface="+mn-lt"/>
+                <a:ea typeface="MS PGothic" panose="020B0600070205080204" pitchFamily="34" charset="-128"/>
+                <a:cs typeface="MS PGothic" charset="0"/>
+              </a:defRPr>
+            </a:lvl2pPr>
+            <a:lvl3pPr marL="1143000" indent="-228600" algn="l" rtl="0" eaLnBrk="0" fontAlgn="base" hangingPunct="0">
+              <a:spcBef>
+                <a:spcPct val="20000"/>
+              </a:spcBef>
+              <a:spcAft>
+                <a:spcPct val="0"/>
+              </a:spcAft>
+              <a:buClr>
+                <a:srgbClr val="606060"/>
+              </a:buClr>
+              <a:buSzPct val="80000"/>
+              <a:buFont typeface="Times" charset="0"/>
+              <a:buChar char="•"/>
+              <a:defRPr sz="2400">
+                <a:solidFill>
+                  <a:srgbClr val="FFFFFF"/>
+                </a:solidFill>
+                <a:latin typeface="+mn-lt"/>
+                <a:ea typeface="MS PGothic" panose="020B0600070205080204" pitchFamily="34" charset="-128"/>
+                <a:cs typeface="MS PGothic" charset="0"/>
+              </a:defRPr>
+            </a:lvl3pPr>
+            <a:lvl4pPr marL="1600200" indent="-228600" algn="l" rtl="0" eaLnBrk="0" fontAlgn="base" hangingPunct="0">
+              <a:spcBef>
+                <a:spcPct val="20000"/>
+              </a:spcBef>
+              <a:spcAft>
+                <a:spcPct val="0"/>
+              </a:spcAft>
+              <a:buClr>
+                <a:srgbClr val="606060"/>
+              </a:buClr>
+              <a:buSzPct val="80000"/>
+              <a:buFont typeface="Times" charset="0"/>
+              <a:buChar char="•"/>
+              <a:defRPr sz="2400">
+                <a:solidFill>
+                  <a:srgbClr val="FFFFFF"/>
+                </a:solidFill>
+                <a:latin typeface="+mn-lt"/>
+                <a:ea typeface="MS PGothic" panose="020B0600070205080204" pitchFamily="34" charset="-128"/>
+                <a:cs typeface="MS PGothic" charset="0"/>
+              </a:defRPr>
+            </a:lvl4pPr>
+            <a:lvl5pPr marL="2057400" indent="-228600" algn="l" rtl="0" eaLnBrk="0" fontAlgn="base" hangingPunct="0">
+              <a:spcBef>
+                <a:spcPct val="20000"/>
+              </a:spcBef>
+              <a:spcAft>
+                <a:spcPct val="0"/>
+              </a:spcAft>
+              <a:buClr>
+                <a:srgbClr val="606060"/>
+              </a:buClr>
+              <a:buSzPct val="80000"/>
+              <a:buFont typeface="Times" charset="0"/>
+              <a:buChar char="•"/>
+              <a:defRPr sz="2400">
+                <a:solidFill>
+                  <a:srgbClr val="FFFFFF"/>
+                </a:solidFill>
+                <a:latin typeface="+mn-lt"/>
+                <a:ea typeface="MS PGothic" panose="020B0600070205080204" pitchFamily="34" charset="-128"/>
+                <a:cs typeface="MS PGothic" charset="0"/>
+              </a:defRPr>
+            </a:lvl5pPr>
+            <a:lvl6pPr marL="2514600" indent="-228600" algn="l" rtl="0" fontAlgn="base">
+              <a:spcBef>
+                <a:spcPct val="20000"/>
+              </a:spcBef>
+              <a:spcAft>
+                <a:spcPct val="0"/>
+              </a:spcAft>
+              <a:buClr>
+                <a:srgbClr val="1C5696"/>
+              </a:buClr>
+              <a:buSzPct val="80000"/>
+              <a:buFont typeface="Times" pitchFamily="44" charset="0"/>
+              <a:buChar char="•"/>
+              <a:defRPr sz="2400">
+                <a:solidFill>
+                  <a:schemeClr val="tx1"/>
+                </a:solidFill>
+                <a:latin typeface="+mn-lt"/>
+                <a:ea typeface="+mn-ea"/>
+              </a:defRPr>
+            </a:lvl6pPr>
+            <a:lvl7pPr marL="2971800" indent="-228600" algn="l" rtl="0" fontAlgn="base">
+              <a:spcBef>
+                <a:spcPct val="20000"/>
+              </a:spcBef>
+              <a:spcAft>
+                <a:spcPct val="0"/>
+              </a:spcAft>
+              <a:buClr>
+                <a:srgbClr val="1C5696"/>
+              </a:buClr>
+              <a:buSzPct val="80000"/>
+              <a:buFont typeface="Times" pitchFamily="44" charset="0"/>
+              <a:buChar char="•"/>
+              <a:defRPr sz="2400">
+                <a:solidFill>
+                  <a:schemeClr val="tx1"/>
+                </a:solidFill>
+                <a:latin typeface="+mn-lt"/>
+                <a:ea typeface="+mn-ea"/>
+              </a:defRPr>
+            </a:lvl7pPr>
+            <a:lvl8pPr marL="3429000" indent="-228600" algn="l" rtl="0" fontAlgn="base">
+              <a:spcBef>
+                <a:spcPct val="20000"/>
+              </a:spcBef>
+              <a:spcAft>
+                <a:spcPct val="0"/>
+              </a:spcAft>
+              <a:buClr>
+                <a:srgbClr val="1C5696"/>
+              </a:buClr>
+              <a:buSzPct val="80000"/>
+              <a:buFont typeface="Times" pitchFamily="44" charset="0"/>
+              <a:buChar char="•"/>
+              <a:defRPr sz="2400">
+                <a:solidFill>
+                  <a:schemeClr val="tx1"/>
+                </a:solidFill>
+                <a:latin typeface="+mn-lt"/>
+                <a:ea typeface="+mn-ea"/>
+              </a:defRPr>
+            </a:lvl8pPr>
+            <a:lvl9pPr marL="3886200" indent="-228600" algn="l" rtl="0" fontAlgn="base">
+              <a:spcBef>
+                <a:spcPct val="20000"/>
+              </a:spcBef>
+              <a:spcAft>
+                <a:spcPct val="0"/>
+              </a:spcAft>
+              <a:buClr>
+                <a:srgbClr val="1C5696"/>
+              </a:buClr>
+              <a:buSzPct val="80000"/>
+              <a:buFont typeface="Times" pitchFamily="44" charset="0"/>
+              <a:buChar char="•"/>
+              <a:defRPr sz="2400">
+                <a:solidFill>
+                  <a:schemeClr val="tx1"/>
+                </a:solidFill>
+                <a:latin typeface="+mn-lt"/>
+                <a:ea typeface="+mn-ea"/>
+              </a:defRPr>
+            </a:lvl9pPr>
+          </a:lstStyle>
+          <a:p>
+            <a:pPr marL="0" indent="0">
+              <a:buFont typeface="Times" charset="0"/>
+              <a:buNone/>
+            </a:pPr>
+            <a:r>
+              <a:rPr lang="en-US" sz="1200" kern="0" dirty="0"/>
+              <a:t>For example: Resources found (links, manuals), Designs created, Decisions made and corresponding rational, Photos of prototype progress, etc.</a:t>
+            </a:r>
+          </a:p>
+        </p:txBody>
+      </p:sp>
+      <p:sp>
+        <p:nvSpPr>
+          <p:cNvPr id="4" name="TextBox 3">
+            <a:extLst>
+              <a:ext uri="{FF2B5EF4-FFF2-40B4-BE49-F238E27FC236}">
+                <a16:creationId xmlns:a16="http://schemas.microsoft.com/office/drawing/2014/main" id="{DEA09C21-4FCC-4122-A3FD-916919E19D03}"/>
+              </a:ext>
+            </a:extLst>
+          </p:cNvPr>
+          <p:cNvSpPr txBox="1"/>
+          <p:nvPr/>
+        </p:nvSpPr>
+        <p:spPr>
+          <a:xfrm>
+            <a:off x="612475" y="1489494"/>
+            <a:ext cx="6136255" cy="1569660"/>
+          </a:xfrm>
+          <a:prstGeom prst="rect">
+            <a:avLst/>
+          </a:prstGeom>
+          <a:noFill/>
+        </p:spPr>
+        <p:txBody>
+          <a:bodyPr rot="0" spcFirstLastPara="0" vertOverflow="overflow" horzOverflow="overflow" vert="horz" wrap="square" lIns="91440" tIns="45720" rIns="91440" bIns="45720" numCol="1" spcCol="0" rtlCol="0" fromWordArt="0" anchor="t" anchorCtr="0" forceAA="0" compatLnSpc="1">
+            <a:prstTxWarp prst="textNoShape">
+              <a:avLst/>
+            </a:prstTxWarp>
+            <a:spAutoFit/>
+          </a:bodyPr>
+          <a:lstStyle/>
+          <a:p>
+            <a:pPr marL="342900" indent="-342900">
+              <a:buFont typeface="Arial"/>
+              <a:buChar char="•"/>
+            </a:pPr>
+            <a:r>
+              <a:rPr lang="en-US" dirty="0">
+                <a:solidFill>
+                  <a:schemeClr val="bg1"/>
+                </a:solidFill>
+                <a:latin typeface="Arial"/>
+                <a:ea typeface="ＭＳ Ｐゴシック"/>
+              </a:rPr>
+              <a:t>Look through past semester work</a:t>
+            </a:r>
+          </a:p>
+          <a:p>
+            <a:pPr marL="342900" indent="-342900">
+              <a:buFont typeface="Arial"/>
+              <a:buChar char="•"/>
+            </a:pPr>
+            <a:r>
+              <a:rPr lang="en-US" dirty="0">
+                <a:solidFill>
+                  <a:schemeClr val="bg1"/>
+                </a:solidFill>
+                <a:latin typeface="Arial"/>
+                <a:ea typeface="ＭＳ Ｐゴシック"/>
+              </a:rPr>
+              <a:t>Tasks sheet and Proposal</a:t>
+            </a:r>
+          </a:p>
+          <a:p>
+            <a:pPr marL="342900" indent="-342900">
+              <a:buFont typeface="Arial"/>
+              <a:buChar char="•"/>
+            </a:pPr>
+            <a:r>
+              <a:rPr lang="en-US" dirty="0">
+                <a:solidFill>
+                  <a:schemeClr val="bg1"/>
+                </a:solidFill>
+                <a:latin typeface="Arial"/>
+                <a:ea typeface="ＭＳ Ｐゴシック"/>
+              </a:rPr>
+              <a:t>Download </a:t>
+            </a:r>
+            <a:r>
+              <a:rPr lang="en-US" dirty="0" err="1">
+                <a:solidFill>
+                  <a:schemeClr val="bg1"/>
+                </a:solidFill>
+                <a:latin typeface="Arial"/>
+                <a:ea typeface="ＭＳ Ｐゴシック"/>
+              </a:rPr>
+              <a:t>SoftConsole</a:t>
+            </a:r>
+            <a:endParaRPr lang="en-US" dirty="0">
+              <a:solidFill>
+                <a:schemeClr val="bg1"/>
+              </a:solidFill>
+              <a:latin typeface="Arial"/>
+              <a:ea typeface="ＭＳ Ｐゴシック"/>
+            </a:endParaRPr>
+          </a:p>
+          <a:p>
+            <a:pPr marL="342900" indent="-342900">
+              <a:buFont typeface="Arial"/>
+              <a:buChar char="•"/>
+            </a:pPr>
+            <a:r>
+              <a:rPr lang="en-US" dirty="0">
+                <a:solidFill>
+                  <a:schemeClr val="bg1"/>
+                </a:solidFill>
+                <a:latin typeface="Arial"/>
+                <a:ea typeface="ＭＳ Ｐゴシック"/>
+              </a:rPr>
+              <a:t>Worked with Zac to </a:t>
+            </a:r>
+            <a:r>
+              <a:rPr lang="en-US" dirty="0" err="1">
+                <a:solidFill>
+                  <a:schemeClr val="bg1"/>
+                </a:solidFill>
+                <a:latin typeface="Arial"/>
+                <a:ea typeface="ＭＳ Ｐゴシック"/>
+              </a:rPr>
+              <a:t>clearify</a:t>
+            </a:r>
+            <a:r>
+              <a:rPr lang="en-US" dirty="0">
+                <a:solidFill>
+                  <a:schemeClr val="bg1"/>
+                </a:solidFill>
+                <a:latin typeface="Arial"/>
+                <a:ea typeface="ＭＳ Ｐゴシック"/>
+              </a:rPr>
+              <a:t> questions</a:t>
+            </a:r>
+          </a:p>
+        </p:txBody>
+      </p:sp>
+    </p:spTree>
+    <p:extLst>
+      <p:ext uri="{BB962C8B-B14F-4D97-AF65-F5344CB8AC3E}">
+        <p14:creationId xmlns:p14="http://schemas.microsoft.com/office/powerpoint/2010/main" val="4244369400"/>
+      </p:ext>
+    </p:extLst>
+  </p:cSld>
+  <p:clrMapOvr>
+    <a:masterClrMapping/>
+  </p:clrMapOvr>
+  <p:transition>
+    <p:fade/>
+  </p:transition>
+</p:sld>
+</file>
+
+<file path=ppt/slides/slide18.xml><?xml version="1.0" encoding="utf-8"?>
+<p:sld xmlns:a="http://schemas.openxmlformats.org/drawingml/2006/main" xmlns:r="http://schemas.openxmlformats.org/officeDocument/2006/relationships" xmlns:p="http://schemas.openxmlformats.org/presentationml/2006/main">
+  <p:cSld>
+    <p:spTree>
+      <p:nvGrpSpPr>
+        <p:cNvPr id="1" name=""/>
+        <p:cNvGrpSpPr/>
+        <p:nvPr/>
+      </p:nvGrpSpPr>
+      <p:grpSpPr>
+        <a:xfrm>
+          <a:off x="0" y="0"/>
+          <a:ext cx="0" cy="0"/>
+          <a:chOff x="0" y="0"/>
+          <a:chExt cx="0" cy="0"/>
+        </a:xfrm>
+      </p:grpSpPr>
+      <p:sp>
+        <p:nvSpPr>
+          <p:cNvPr id="2" name="Title 1"/>
+          <p:cNvSpPr>
+            <a:spLocks noGrp="1"/>
+          </p:cNvSpPr>
+          <p:nvPr>
+            <p:ph type="title"/>
+          </p:nvPr>
+        </p:nvSpPr>
+        <p:spPr/>
+        <p:txBody>
+          <a:bodyPr/>
+          <a:lstStyle/>
+          <a:p>
+            <a:r>
+              <a:rPr lang="en-US" dirty="0"/>
+              <a:t>Difficulties encountered during the week </a:t>
+            </a:r>
+            <a:br>
+              <a:rPr lang="en-US"/>
+            </a:br>
+            <a:r>
+              <a:rPr lang="en-US" sz="1400" dirty="0"/>
+              <a:t>(What I did not do and why)</a:t>
+            </a:r>
+            <a:endParaRPr lang="en-US" dirty="0"/>
+          </a:p>
+        </p:txBody>
+      </p:sp>
+      <p:sp>
+        <p:nvSpPr>
+          <p:cNvPr id="4" name="TextBox 3">
+            <a:extLst>
+              <a:ext uri="{FF2B5EF4-FFF2-40B4-BE49-F238E27FC236}">
+                <a16:creationId xmlns:a16="http://schemas.microsoft.com/office/drawing/2014/main" id="{81B4C959-E726-4DAC-BBB5-DE7EEE708CB2}"/>
+              </a:ext>
+            </a:extLst>
+          </p:cNvPr>
+          <p:cNvSpPr txBox="1"/>
+          <p:nvPr/>
+        </p:nvSpPr>
+        <p:spPr>
+          <a:xfrm>
+            <a:off x="540589" y="1216325"/>
+            <a:ext cx="5532407" cy="830997"/>
+          </a:xfrm>
+          <a:prstGeom prst="rect">
+            <a:avLst/>
+          </a:prstGeom>
+          <a:noFill/>
+        </p:spPr>
+        <p:txBody>
+          <a:bodyPr rot="0" spcFirstLastPara="0" vertOverflow="overflow" horzOverflow="overflow" vert="horz" wrap="square" lIns="91440" tIns="45720" rIns="91440" bIns="45720" numCol="1" spcCol="0" rtlCol="0" fromWordArt="0" anchor="t" anchorCtr="0" forceAA="0" compatLnSpc="1">
+            <a:prstTxWarp prst="textNoShape">
+              <a:avLst/>
+            </a:prstTxWarp>
+            <a:spAutoFit/>
+          </a:bodyPr>
+          <a:lstStyle/>
+          <a:p>
+            <a:pPr marL="342900" indent="-342900">
+              <a:buFont typeface="Arial"/>
+              <a:buChar char="•"/>
+            </a:pPr>
+            <a:r>
+              <a:rPr lang="en-US" dirty="0">
+                <a:solidFill>
+                  <a:schemeClr val="bg1"/>
+                </a:solidFill>
+                <a:latin typeface="Arial"/>
+                <a:ea typeface="ＭＳ Ｐゴシック"/>
+              </a:rPr>
+              <a:t>PCB Errors</a:t>
+            </a:r>
+            <a:endParaRPr lang="en-US">
+              <a:solidFill>
+                <a:schemeClr val="bg1"/>
+              </a:solidFill>
+            </a:endParaRPr>
+          </a:p>
+          <a:p>
+            <a:pPr marL="342900" indent="-342900">
+              <a:buFont typeface="Arial"/>
+              <a:buChar char="•"/>
+            </a:pPr>
+            <a:r>
+              <a:rPr lang="en-US" dirty="0">
+                <a:solidFill>
+                  <a:schemeClr val="bg1"/>
+                </a:solidFill>
+                <a:latin typeface="Arial"/>
+                <a:ea typeface="ＭＳ Ｐゴシック"/>
+              </a:rPr>
+              <a:t>Left Arduino in Rexburg</a:t>
+            </a:r>
+          </a:p>
+        </p:txBody>
+      </p:sp>
+    </p:spTree>
+    <p:extLst>
+      <p:ext uri="{BB962C8B-B14F-4D97-AF65-F5344CB8AC3E}">
+        <p14:creationId xmlns:p14="http://schemas.microsoft.com/office/powerpoint/2010/main" val="3002693654"/>
+      </p:ext>
+    </p:extLst>
+  </p:cSld>
+  <p:clrMapOvr>
+    <a:masterClrMapping/>
+  </p:clrMapOvr>
+  <p:transition>
+    <p:fade/>
+  </p:transition>
+</p:sld>
+</file>
+
+<file path=ppt/slides/slide19.xml><?xml version="1.0" encoding="utf-8"?>
+<p:sld xmlns:a="http://schemas.openxmlformats.org/drawingml/2006/main" xmlns:r="http://schemas.openxmlformats.org/officeDocument/2006/relationships" xmlns:p="http://schemas.openxmlformats.org/presentationml/2006/main">
+  <p:cSld>
+    <p:spTree>
+      <p:nvGrpSpPr>
+        <p:cNvPr id="1" name=""/>
+        <p:cNvGrpSpPr/>
+        <p:nvPr/>
+      </p:nvGrpSpPr>
+      <p:grpSpPr>
+        <a:xfrm>
+          <a:off x="0" y="0"/>
+          <a:ext cx="0" cy="0"/>
+          <a:chOff x="0" y="0"/>
+          <a:chExt cx="0" cy="0"/>
+        </a:xfrm>
+      </p:grpSpPr>
+      <p:sp>
+        <p:nvSpPr>
+          <p:cNvPr id="2" name="Title 1"/>
+          <p:cNvSpPr>
+            <a:spLocks noGrp="1"/>
+          </p:cNvSpPr>
+          <p:nvPr>
+            <p:ph type="title"/>
+          </p:nvPr>
+        </p:nvSpPr>
+        <p:spPr/>
+        <p:txBody>
+          <a:bodyPr/>
+          <a:lstStyle/>
+          <a:p>
+            <a:r>
+              <a:rPr lang="en-US"/>
+              <a:t>Goals for this coming week</a:t>
+            </a:r>
+            <a:br>
+              <a:rPr lang="en-US"/>
+            </a:br>
+            <a:r>
+              <a:rPr lang="en-US" sz="1200"/>
+              <a:t>(Ones that move the project forward the most)</a:t>
+            </a:r>
+          </a:p>
+        </p:txBody>
+      </p:sp>
+      <p:graphicFrame>
+        <p:nvGraphicFramePr>
+          <p:cNvPr id="3" name="Table 2"/>
+          <p:cNvGraphicFramePr>
+            <a:graphicFrameLocks noGrp="1"/>
+          </p:cNvGraphicFramePr>
+          <p:nvPr>
+            <p:extLst>
+              <p:ext uri="{D42A27DB-BD31-4B8C-83A1-F6EECF244321}">
+                <p14:modId xmlns:p14="http://schemas.microsoft.com/office/powerpoint/2010/main" val="955851941"/>
+              </p:ext>
+            </p:extLst>
+          </p:nvPr>
+        </p:nvGraphicFramePr>
+        <p:xfrm>
+          <a:off x="685800" y="1371600"/>
+          <a:ext cx="10896597" cy="2895593"/>
+        </p:xfrm>
+        <a:graphic>
+          <a:graphicData uri="http://schemas.openxmlformats.org/drawingml/2006/table">
+            <a:tbl>
+              <a:tblPr firstRow="1" lastCol="1" bandRow="1">
+                <a:tableStyleId>{2D5ABB26-0587-4C30-8999-92F81FD0307C}</a:tableStyleId>
+              </a:tblPr>
+              <a:tblGrid>
+                <a:gridCol w="8732520">
+                  <a:extLst>
+                    <a:ext uri="{9D8B030D-6E8A-4147-A177-3AD203B41FA5}">
+                      <a16:colId xmlns:a16="http://schemas.microsoft.com/office/drawing/2014/main" val="20000"/>
+                    </a:ext>
+                  </a:extLst>
+                </a:gridCol>
+                <a:gridCol w="1464295">
+                  <a:extLst>
+                    <a:ext uri="{9D8B030D-6E8A-4147-A177-3AD203B41FA5}">
+                      <a16:colId xmlns:a16="http://schemas.microsoft.com/office/drawing/2014/main" val="20001"/>
+                    </a:ext>
+                  </a:extLst>
+                </a:gridCol>
+                <a:gridCol w="699782">
+                  <a:extLst>
+                    <a:ext uri="{9D8B030D-6E8A-4147-A177-3AD203B41FA5}">
+                      <a16:colId xmlns:a16="http://schemas.microsoft.com/office/drawing/2014/main" val="20002"/>
+                    </a:ext>
+                  </a:extLst>
+                </a:gridCol>
+              </a:tblGrid>
+              <a:tr h="609599">
+                <a:tc>
+                  <a:txBody>
+                    <a:bodyPr/>
+                    <a:lstStyle/>
+                    <a:p>
+                      <a:pPr algn="l" fontAlgn="ctr"/>
+                      <a:r>
+                        <a:rPr lang="en-US" sz="1100" u="none" strike="noStrike">
+                          <a:solidFill>
+                            <a:schemeClr val="bg1"/>
+                          </a:solidFill>
+                          <a:effectLst/>
+                        </a:rPr>
+                        <a:t>Goal/Task</a:t>
+                      </a:r>
+                      <a:endParaRPr lang="en-US" sz="1100" b="0" i="0" u="none" strike="noStrike">
+                        <a:solidFill>
+                          <a:schemeClr val="bg1"/>
+                        </a:solidFill>
+                        <a:effectLst/>
+                        <a:latin typeface="Calibri" panose="020F0502020204030204" pitchFamily="34" charset="0"/>
+                      </a:endParaRPr>
+                    </a:p>
+                  </a:txBody>
+                  <a:tcPr marL="9525" marR="9525" marT="9525" marB="0" anchor="ctr">
+                    <a:lnL w="12700" cap="flat" cmpd="sng" algn="ctr">
+                      <a:solidFill>
+                        <a:schemeClr val="bg1">
+                          <a:lumMod val="65000"/>
+                        </a:schemeClr>
+                      </a:solidFill>
+                      <a:prstDash val="solid"/>
+                      <a:round/>
+                      <a:headEnd type="none" w="med" len="med"/>
+                      <a:tailEnd type="none" w="med" len="med"/>
+                    </a:lnL>
+                    <a:lnR w="12700" cap="flat" cmpd="sng" algn="ctr">
+                      <a:solidFill>
+                        <a:schemeClr val="bg1">
+                          <a:lumMod val="65000"/>
+                        </a:schemeClr>
+                      </a:solidFill>
+                      <a:prstDash val="solid"/>
+                      <a:round/>
+                      <a:headEnd type="none" w="med" len="med"/>
+                      <a:tailEnd type="none" w="med" len="med"/>
+                    </a:lnR>
+                    <a:lnT w="12700" cap="flat" cmpd="sng" algn="ctr">
+                      <a:solidFill>
+                        <a:schemeClr val="bg1">
+                          <a:lumMod val="65000"/>
+                        </a:schemeClr>
+                      </a:solidFill>
+                      <a:prstDash val="solid"/>
+                      <a:round/>
+                      <a:headEnd type="none" w="med" len="med"/>
+                      <a:tailEnd type="none" w="med" len="med"/>
+                    </a:lnT>
+                    <a:lnB w="12700" cap="flat" cmpd="sng" algn="ctr">
+                      <a:solidFill>
+                        <a:schemeClr val="bg1">
+                          <a:lumMod val="65000"/>
+                        </a:schemeClr>
+                      </a:solidFill>
+                      <a:prstDash val="solid"/>
+                      <a:round/>
+                      <a:headEnd type="none" w="med" len="med"/>
+                      <a:tailEnd type="none" w="med" len="med"/>
+                    </a:lnB>
+                  </a:tcPr>
+                </a:tc>
+                <a:tc>
+                  <a:txBody>
+                    <a:bodyPr/>
+                    <a:lstStyle/>
+                    <a:p>
+                      <a:pPr marL="0" marR="0" indent="0" algn="ctr" defTabSz="457200" rtl="0" eaLnBrk="1" fontAlgn="ctr" latinLnBrk="0" hangingPunct="1">
+                        <a:lnSpc>
+                          <a:spcPct val="100000"/>
+                        </a:lnSpc>
+                        <a:spcBef>
+                          <a:spcPts val="0"/>
+                        </a:spcBef>
+                        <a:spcAft>
+                          <a:spcPts val="0"/>
+                        </a:spcAft>
+                        <a:buClrTx/>
+                        <a:buSzTx/>
+                        <a:buFontTx/>
+                        <a:buNone/>
+                        <a:tabLst/>
+                        <a:defRPr/>
+                      </a:pPr>
+                      <a:r>
+                        <a:rPr lang="en-US" sz="1100" u="none" strike="noStrike">
+                          <a:solidFill>
+                            <a:schemeClr val="bg1"/>
+                          </a:solidFill>
+                          <a:effectLst/>
+                        </a:rPr>
+                        <a:t>Stop Date (Est.)</a:t>
+                      </a:r>
+                      <a:endParaRPr lang="en-US" sz="1100" b="0" i="0" u="none" strike="noStrike">
+                        <a:solidFill>
+                          <a:schemeClr val="bg1"/>
+                        </a:solidFill>
+                        <a:effectLst/>
+                        <a:latin typeface="Calibri" panose="020F0502020204030204" pitchFamily="34" charset="0"/>
+                      </a:endParaRPr>
+                    </a:p>
+                  </a:txBody>
+                  <a:tcPr marL="9525" marR="9525" marT="9525" marB="0" anchor="ctr">
+                    <a:lnL w="12700" cap="flat" cmpd="sng" algn="ctr">
+                      <a:solidFill>
+                        <a:schemeClr val="bg1">
+                          <a:lumMod val="65000"/>
+                        </a:schemeClr>
+                      </a:solidFill>
+                      <a:prstDash val="solid"/>
+                      <a:round/>
+                      <a:headEnd type="none" w="med" len="med"/>
+                      <a:tailEnd type="none" w="med" len="med"/>
+                    </a:lnL>
+                    <a:lnR w="12700" cap="flat" cmpd="sng" algn="ctr">
+                      <a:solidFill>
+                        <a:schemeClr val="bg1">
+                          <a:lumMod val="65000"/>
+                        </a:schemeClr>
+                      </a:solidFill>
+                      <a:prstDash val="solid"/>
+                      <a:round/>
+                      <a:headEnd type="none" w="med" len="med"/>
+                      <a:tailEnd type="none" w="med" len="med"/>
+                    </a:lnR>
+                    <a:lnT w="12700" cap="flat" cmpd="sng" algn="ctr">
+                      <a:solidFill>
+                        <a:schemeClr val="bg1">
+                          <a:lumMod val="65000"/>
+                        </a:schemeClr>
+                      </a:solidFill>
+                      <a:prstDash val="solid"/>
+                      <a:round/>
+                      <a:headEnd type="none" w="med" len="med"/>
+                      <a:tailEnd type="none" w="med" len="med"/>
+                    </a:lnT>
+                    <a:lnB w="12700" cap="flat" cmpd="sng" algn="ctr">
+                      <a:solidFill>
+                        <a:schemeClr val="bg1">
+                          <a:lumMod val="65000"/>
+                        </a:schemeClr>
+                      </a:solidFill>
+                      <a:prstDash val="solid"/>
+                      <a:round/>
+                      <a:headEnd type="none" w="med" len="med"/>
+                      <a:tailEnd type="none" w="med" len="med"/>
+                    </a:lnB>
+                  </a:tcPr>
+                </a:tc>
+                <a:tc>
+                  <a:txBody>
+                    <a:bodyPr/>
+                    <a:lstStyle/>
+                    <a:p>
+                      <a:pPr algn="ctr" fontAlgn="ctr"/>
+                      <a:endParaRPr lang="en-US" sz="1100" u="none" strike="noStrike">
+                        <a:solidFill>
+                          <a:schemeClr val="bg1"/>
+                        </a:solidFill>
+                        <a:effectLst/>
+                      </a:endParaRPr>
+                    </a:p>
+                    <a:p>
+                      <a:pPr marL="0" marR="0" indent="0" algn="ctr" defTabSz="457200" rtl="0" eaLnBrk="1" fontAlgn="ctr" latinLnBrk="0" hangingPunct="1">
+                        <a:lnSpc>
+                          <a:spcPct val="100000"/>
+                        </a:lnSpc>
+                        <a:spcBef>
+                          <a:spcPts val="0"/>
+                        </a:spcBef>
+                        <a:spcAft>
+                          <a:spcPts val="0"/>
+                        </a:spcAft>
+                        <a:buClrTx/>
+                        <a:buSzTx/>
+                        <a:buFontTx/>
+                        <a:buNone/>
+                        <a:tabLst/>
+                        <a:defRPr/>
+                      </a:pPr>
+                      <a:r>
+                        <a:rPr lang="en-US" sz="1100" u="none" strike="noStrike">
+                          <a:solidFill>
+                            <a:schemeClr val="bg1"/>
+                          </a:solidFill>
+                          <a:effectLst/>
+                        </a:rPr>
+                        <a:t>Hours (Est.)</a:t>
+                      </a:r>
+                      <a:endParaRPr lang="en-US" sz="1100" b="0" i="0" u="none" strike="noStrike">
+                        <a:solidFill>
+                          <a:schemeClr val="bg1"/>
+                        </a:solidFill>
+                        <a:effectLst/>
+                        <a:latin typeface="Calibri" panose="020F0502020204030204" pitchFamily="34" charset="0"/>
+                      </a:endParaRPr>
+                    </a:p>
+                  </a:txBody>
+                  <a:tcPr marL="9525" marR="9525" marT="9525" marB="0" anchor="ctr">
+                    <a:lnL w="12700" cap="flat" cmpd="sng" algn="ctr">
+                      <a:solidFill>
+                        <a:schemeClr val="bg1">
+                          <a:lumMod val="65000"/>
+                        </a:schemeClr>
+                      </a:solidFill>
+                      <a:prstDash val="solid"/>
+                      <a:round/>
+                      <a:headEnd type="none" w="med" len="med"/>
+                      <a:tailEnd type="none" w="med" len="med"/>
+                    </a:lnL>
+                    <a:lnR w="12700" cap="flat" cmpd="sng" algn="ctr">
+                      <a:solidFill>
+                        <a:schemeClr val="bg1">
+                          <a:lumMod val="65000"/>
+                        </a:schemeClr>
+                      </a:solidFill>
+                      <a:prstDash val="solid"/>
+                      <a:round/>
+                      <a:headEnd type="none" w="med" len="med"/>
+                      <a:tailEnd type="none" w="med" len="med"/>
+                    </a:lnR>
+                    <a:lnT w="12700" cap="flat" cmpd="sng" algn="ctr">
+                      <a:solidFill>
+                        <a:schemeClr val="bg1">
+                          <a:lumMod val="65000"/>
+                        </a:schemeClr>
+                      </a:solidFill>
+                      <a:prstDash val="solid"/>
+                      <a:round/>
+                      <a:headEnd type="none" w="med" len="med"/>
+                      <a:tailEnd type="none" w="med" len="med"/>
+                    </a:lnT>
+                    <a:lnB w="12700" cap="flat" cmpd="sng" algn="ctr">
+                      <a:solidFill>
+                        <a:schemeClr val="bg1">
+                          <a:lumMod val="65000"/>
+                        </a:schemeClr>
+                      </a:solidFill>
+                      <a:prstDash val="solid"/>
+                      <a:round/>
+                      <a:headEnd type="none" w="med" len="med"/>
+                      <a:tailEnd type="none" w="med" len="med"/>
+                    </a:lnB>
+                  </a:tcPr>
+                </a:tc>
+                <a:extLst>
+                  <a:ext uri="{0D108BD9-81ED-4DB2-BD59-A6C34878D82A}">
+                    <a16:rowId xmlns:a16="http://schemas.microsoft.com/office/drawing/2014/main" val="10000"/>
+                  </a:ext>
+                </a:extLst>
+              </a:tr>
+              <a:tr h="380999">
+                <a:tc>
+                  <a:txBody>
+                    <a:bodyPr/>
+                    <a:lstStyle/>
+                    <a:p>
+                      <a:pPr algn="l" fontAlgn="b"/>
+                      <a:r>
+                        <a:rPr lang="en-US" sz="1100" u="none" strike="noStrike">
+                          <a:solidFill>
+                            <a:schemeClr val="bg1"/>
+                          </a:solidFill>
+                          <a:effectLst/>
+                          <a:latin typeface="Arial"/>
+                        </a:rPr>
+                        <a:t> Get Arduino</a:t>
+                      </a:r>
+                      <a:endParaRPr lang="en-US" sz="1100" b="0" i="0" u="none" strike="noStrike">
+                        <a:solidFill>
+                          <a:schemeClr val="bg1"/>
+                        </a:solidFill>
+                        <a:effectLst/>
+                        <a:latin typeface="Arial"/>
+                      </a:endParaRPr>
+                    </a:p>
+                  </a:txBody>
+                  <a:tcPr marL="9525" marR="9525" marT="9525" marB="0" anchor="ctr">
+                    <a:lnL w="12700" cap="flat" cmpd="sng" algn="ctr">
+                      <a:solidFill>
+                        <a:schemeClr val="bg1">
+                          <a:lumMod val="65000"/>
+                        </a:schemeClr>
+                      </a:solidFill>
+                      <a:prstDash val="solid"/>
+                      <a:round/>
+                      <a:headEnd type="none" w="med" len="med"/>
+                      <a:tailEnd type="none" w="med" len="med"/>
+                    </a:lnL>
+                    <a:lnR w="12700" cap="flat" cmpd="sng" algn="ctr">
+                      <a:solidFill>
+                        <a:schemeClr val="bg1">
+                          <a:lumMod val="65000"/>
+                        </a:schemeClr>
+                      </a:solidFill>
+                      <a:prstDash val="solid"/>
+                      <a:round/>
+                      <a:headEnd type="none" w="med" len="med"/>
+                      <a:tailEnd type="none" w="med" len="med"/>
+                    </a:lnR>
+                    <a:lnT w="12700" cap="flat" cmpd="sng" algn="ctr">
+                      <a:solidFill>
+                        <a:schemeClr val="bg1">
+                          <a:lumMod val="65000"/>
+                        </a:schemeClr>
+                      </a:solidFill>
+                      <a:prstDash val="solid"/>
+                      <a:round/>
+                      <a:headEnd type="none" w="med" len="med"/>
+                      <a:tailEnd type="none" w="med" len="med"/>
+                    </a:lnT>
+                    <a:lnB w="12700" cap="flat" cmpd="sng" algn="ctr">
+                      <a:solidFill>
+                        <a:schemeClr val="bg1">
+                          <a:lumMod val="65000"/>
+                        </a:schemeClr>
+                      </a:solidFill>
+                      <a:prstDash val="solid"/>
+                      <a:round/>
+                      <a:headEnd type="none" w="med" len="med"/>
+                      <a:tailEnd type="none" w="med" len="med"/>
+                    </a:lnB>
+                  </a:tcPr>
+                </a:tc>
+                <a:tc>
+                  <a:txBody>
+                    <a:bodyPr/>
+                    <a:lstStyle/>
+                    <a:p>
+                      <a:pPr algn="l" fontAlgn="b"/>
+                      <a:r>
+                        <a:rPr lang="en-US" sz="1100" b="0" i="0" u="none" strike="noStrike">
+                          <a:solidFill>
+                            <a:schemeClr val="bg1"/>
+                          </a:solidFill>
+                          <a:effectLst/>
+                          <a:latin typeface="Arial"/>
+                        </a:rPr>
+                        <a:t>Friday</a:t>
+                      </a:r>
+                    </a:p>
+                  </a:txBody>
+                  <a:tcPr marL="9525" marR="9525" marT="9525" marB="0" anchor="b">
+                    <a:lnL w="12700" cap="flat" cmpd="sng" algn="ctr">
+                      <a:solidFill>
+                        <a:schemeClr val="bg1">
+                          <a:lumMod val="65000"/>
+                        </a:schemeClr>
+                      </a:solidFill>
+                      <a:prstDash val="solid"/>
+                      <a:round/>
+                      <a:headEnd type="none" w="med" len="med"/>
+                      <a:tailEnd type="none" w="med" len="med"/>
+                    </a:lnL>
+                    <a:lnR w="12700" cap="flat" cmpd="sng" algn="ctr">
+                      <a:solidFill>
+                        <a:schemeClr val="bg1">
+                          <a:lumMod val="65000"/>
+                        </a:schemeClr>
+                      </a:solidFill>
+                      <a:prstDash val="solid"/>
+                      <a:round/>
+                      <a:headEnd type="none" w="med" len="med"/>
+                      <a:tailEnd type="none" w="med" len="med"/>
+                    </a:lnR>
+                    <a:lnT w="12700" cap="flat" cmpd="sng" algn="ctr">
+                      <a:solidFill>
+                        <a:schemeClr val="bg1">
+                          <a:lumMod val="65000"/>
+                        </a:schemeClr>
+                      </a:solidFill>
+                      <a:prstDash val="solid"/>
+                      <a:round/>
+                      <a:headEnd type="none" w="med" len="med"/>
+                      <a:tailEnd type="none" w="med" len="med"/>
+                    </a:lnT>
+                    <a:lnB w="12700" cap="flat" cmpd="sng" algn="ctr">
+                      <a:solidFill>
+                        <a:schemeClr val="bg1">
+                          <a:lumMod val="65000"/>
+                        </a:schemeClr>
+                      </a:solidFill>
+                      <a:prstDash val="solid"/>
+                      <a:round/>
+                      <a:headEnd type="none" w="med" len="med"/>
+                      <a:tailEnd type="none" w="med" len="med"/>
+                    </a:lnB>
+                  </a:tcPr>
+                </a:tc>
+                <a:tc>
+                  <a:txBody>
+                    <a:bodyPr/>
+                    <a:lstStyle/>
+                    <a:p>
+                      <a:pPr algn="ctr" fontAlgn="ctr"/>
+                      <a:r>
+                        <a:rPr lang="en-US" sz="1100" b="0" i="0" u="none" strike="noStrike">
+                          <a:solidFill>
+                            <a:schemeClr val="bg1"/>
+                          </a:solidFill>
+                          <a:effectLst/>
+                          <a:latin typeface="Arial"/>
+                        </a:rPr>
+                        <a:t>.25</a:t>
+                      </a:r>
+                    </a:p>
+                  </a:txBody>
+                  <a:tcPr marL="9525" marR="9525" marT="9525" marB="0" anchor="ctr">
+                    <a:lnL w="12700" cap="flat" cmpd="sng" algn="ctr">
+                      <a:solidFill>
+                        <a:schemeClr val="bg1">
+                          <a:lumMod val="65000"/>
+                        </a:schemeClr>
+                      </a:solidFill>
+                      <a:prstDash val="solid"/>
+                      <a:round/>
+                      <a:headEnd type="none" w="med" len="med"/>
+                      <a:tailEnd type="none" w="med" len="med"/>
+                    </a:lnL>
+                    <a:lnR w="12700" cap="flat" cmpd="sng" algn="ctr">
+                      <a:solidFill>
+                        <a:schemeClr val="bg1">
+                          <a:lumMod val="65000"/>
+                        </a:schemeClr>
+                      </a:solidFill>
+                      <a:prstDash val="solid"/>
+                      <a:round/>
+                      <a:headEnd type="none" w="med" len="med"/>
+                      <a:tailEnd type="none" w="med" len="med"/>
+                    </a:lnR>
+                    <a:lnT w="12700" cap="flat" cmpd="sng" algn="ctr">
+                      <a:solidFill>
+                        <a:schemeClr val="bg1">
+                          <a:lumMod val="65000"/>
+                        </a:schemeClr>
+                      </a:solidFill>
+                      <a:prstDash val="solid"/>
+                      <a:round/>
+                      <a:headEnd type="none" w="med" len="med"/>
+                      <a:tailEnd type="none" w="med" len="med"/>
+                    </a:lnT>
+                    <a:lnB w="12700" cap="flat" cmpd="sng" algn="ctr">
+                      <a:solidFill>
+                        <a:schemeClr val="bg1">
+                          <a:lumMod val="65000"/>
+                        </a:schemeClr>
+                      </a:solidFill>
+                      <a:prstDash val="solid"/>
+                      <a:round/>
+                      <a:headEnd type="none" w="med" len="med"/>
+                      <a:tailEnd type="none" w="med" len="med"/>
+                    </a:lnB>
+                  </a:tcPr>
+                </a:tc>
+                <a:extLst>
+                  <a:ext uri="{0D108BD9-81ED-4DB2-BD59-A6C34878D82A}">
+                    <a16:rowId xmlns:a16="http://schemas.microsoft.com/office/drawing/2014/main" val="10001"/>
+                  </a:ext>
+                </a:extLst>
+              </a:tr>
+              <a:tr h="380999">
+                <a:tc>
+                  <a:txBody>
+                    <a:bodyPr/>
+                    <a:lstStyle/>
+                    <a:p>
+                      <a:pPr algn="l" fontAlgn="b"/>
+                      <a:r>
+                        <a:rPr lang="en-US" sz="1100" b="0" i="0" u="none" strike="noStrike">
+                          <a:solidFill>
+                            <a:schemeClr val="bg1"/>
+                          </a:solidFill>
+                          <a:effectLst/>
+                          <a:latin typeface="Arial"/>
+                        </a:rPr>
+                        <a:t>Test Arduino</a:t>
+                      </a:r>
+                    </a:p>
+                  </a:txBody>
+                  <a:tcPr marL="9525" marR="9525" marT="9525" marB="0" anchor="ctr">
+                    <a:lnL w="12700" cap="flat" cmpd="sng" algn="ctr">
+                      <a:solidFill>
+                        <a:schemeClr val="bg1">
+                          <a:lumMod val="65000"/>
+                        </a:schemeClr>
+                      </a:solidFill>
+                      <a:prstDash val="solid"/>
+                      <a:round/>
+                      <a:headEnd type="none" w="med" len="med"/>
+                      <a:tailEnd type="none" w="med" len="med"/>
+                    </a:lnL>
+                    <a:lnR w="12700" cap="flat" cmpd="sng" algn="ctr">
+                      <a:solidFill>
+                        <a:schemeClr val="bg1">
+                          <a:lumMod val="65000"/>
+                        </a:schemeClr>
+                      </a:solidFill>
+                      <a:prstDash val="solid"/>
+                      <a:round/>
+                      <a:headEnd type="none" w="med" len="med"/>
+                      <a:tailEnd type="none" w="med" len="med"/>
+                    </a:lnR>
+                    <a:lnT w="12700" cap="flat" cmpd="sng" algn="ctr">
+                      <a:solidFill>
+                        <a:schemeClr val="bg1">
+                          <a:lumMod val="65000"/>
+                        </a:schemeClr>
+                      </a:solidFill>
+                      <a:prstDash val="solid"/>
+                      <a:round/>
+                      <a:headEnd type="none" w="med" len="med"/>
+                      <a:tailEnd type="none" w="med" len="med"/>
+                    </a:lnT>
+                    <a:lnB w="12700" cap="flat" cmpd="sng" algn="ctr">
+                      <a:solidFill>
+                        <a:schemeClr val="bg1">
+                          <a:lumMod val="65000"/>
+                        </a:schemeClr>
+                      </a:solidFill>
+                      <a:prstDash val="solid"/>
+                      <a:round/>
+                      <a:headEnd type="none" w="med" len="med"/>
+                      <a:tailEnd type="none" w="med" len="med"/>
+                    </a:lnB>
+                  </a:tcPr>
+                </a:tc>
+                <a:tc>
+                  <a:txBody>
+                    <a:bodyPr/>
+                    <a:lstStyle/>
+                    <a:p>
+                      <a:pPr algn="l" fontAlgn="b"/>
+                      <a:r>
+                        <a:rPr lang="en-US" sz="1100" b="0" i="0" u="none" strike="noStrike">
+                          <a:solidFill>
+                            <a:schemeClr val="bg1"/>
+                          </a:solidFill>
+                          <a:effectLst/>
+                          <a:latin typeface="Arial"/>
+                        </a:rPr>
+                        <a:t>Saturday</a:t>
+                      </a:r>
+                    </a:p>
+                  </a:txBody>
+                  <a:tcPr marL="9525" marR="9525" marT="9525" marB="0" anchor="b">
+                    <a:lnL w="12700" cap="flat" cmpd="sng" algn="ctr">
+                      <a:solidFill>
+                        <a:schemeClr val="bg1">
+                          <a:lumMod val="65000"/>
+                        </a:schemeClr>
+                      </a:solidFill>
+                      <a:prstDash val="solid"/>
+                      <a:round/>
+                      <a:headEnd type="none" w="med" len="med"/>
+                      <a:tailEnd type="none" w="med" len="med"/>
+                    </a:lnL>
+                    <a:lnR w="12700" cap="flat" cmpd="sng" algn="ctr">
+                      <a:solidFill>
+                        <a:schemeClr val="bg1">
+                          <a:lumMod val="65000"/>
+                        </a:schemeClr>
+                      </a:solidFill>
+                      <a:prstDash val="solid"/>
+                      <a:round/>
+                      <a:headEnd type="none" w="med" len="med"/>
+                      <a:tailEnd type="none" w="med" len="med"/>
+                    </a:lnR>
+                    <a:lnT w="12700" cap="flat" cmpd="sng" algn="ctr">
+                      <a:solidFill>
+                        <a:schemeClr val="bg1">
+                          <a:lumMod val="65000"/>
+                        </a:schemeClr>
+                      </a:solidFill>
+                      <a:prstDash val="solid"/>
+                      <a:round/>
+                      <a:headEnd type="none" w="med" len="med"/>
+                      <a:tailEnd type="none" w="med" len="med"/>
+                    </a:lnT>
+                    <a:lnB w="12700" cap="flat" cmpd="sng" algn="ctr">
+                      <a:solidFill>
+                        <a:schemeClr val="bg1">
+                          <a:lumMod val="65000"/>
+                        </a:schemeClr>
+                      </a:solidFill>
+                      <a:prstDash val="solid"/>
+                      <a:round/>
+                      <a:headEnd type="none" w="med" len="med"/>
+                      <a:tailEnd type="none" w="med" len="med"/>
+                    </a:lnB>
+                  </a:tcPr>
+                </a:tc>
+                <a:tc>
+                  <a:txBody>
+                    <a:bodyPr/>
+                    <a:lstStyle/>
+                    <a:p>
+                      <a:pPr algn="ctr" fontAlgn="ctr"/>
+                      <a:r>
+                        <a:rPr lang="en-US" sz="1100" b="0" i="0" u="none" strike="noStrike">
+                          <a:solidFill>
+                            <a:schemeClr val="bg1"/>
+                          </a:solidFill>
+                          <a:effectLst/>
+                          <a:latin typeface="Arial"/>
+                        </a:rPr>
+                        <a:t>1</a:t>
+                      </a:r>
+                    </a:p>
+                  </a:txBody>
+                  <a:tcPr marL="9525" marR="9525" marT="9525" marB="0" anchor="ctr">
+                    <a:lnL w="12700" cap="flat" cmpd="sng" algn="ctr">
+                      <a:solidFill>
+                        <a:schemeClr val="bg1">
+                          <a:lumMod val="65000"/>
+                        </a:schemeClr>
+                      </a:solidFill>
+                      <a:prstDash val="solid"/>
+                      <a:round/>
+                      <a:headEnd type="none" w="med" len="med"/>
+                      <a:tailEnd type="none" w="med" len="med"/>
+                    </a:lnL>
+                    <a:lnR w="12700" cap="flat" cmpd="sng" algn="ctr">
+                      <a:solidFill>
+                        <a:schemeClr val="bg1">
+                          <a:lumMod val="65000"/>
+                        </a:schemeClr>
+                      </a:solidFill>
+                      <a:prstDash val="solid"/>
+                      <a:round/>
+                      <a:headEnd type="none" w="med" len="med"/>
+                      <a:tailEnd type="none" w="med" len="med"/>
+                    </a:lnR>
+                    <a:lnT w="12700" cap="flat" cmpd="sng" algn="ctr">
+                      <a:solidFill>
+                        <a:schemeClr val="bg1">
+                          <a:lumMod val="65000"/>
+                        </a:schemeClr>
+                      </a:solidFill>
+                      <a:prstDash val="solid"/>
+                      <a:round/>
+                      <a:headEnd type="none" w="med" len="med"/>
+                      <a:tailEnd type="none" w="med" len="med"/>
+                    </a:lnT>
+                    <a:lnB w="12700" cap="flat" cmpd="sng" algn="ctr">
+                      <a:solidFill>
+                        <a:schemeClr val="bg1">
+                          <a:lumMod val="65000"/>
+                        </a:schemeClr>
+                      </a:solidFill>
+                      <a:prstDash val="solid"/>
+                      <a:round/>
+                      <a:headEnd type="none" w="med" len="med"/>
+                      <a:tailEnd type="none" w="med" len="med"/>
+                    </a:lnB>
+                  </a:tcPr>
+                </a:tc>
+                <a:extLst>
+                  <a:ext uri="{0D108BD9-81ED-4DB2-BD59-A6C34878D82A}">
+                    <a16:rowId xmlns:a16="http://schemas.microsoft.com/office/drawing/2014/main" val="10002"/>
+                  </a:ext>
+                </a:extLst>
+              </a:tr>
+              <a:tr h="380999">
+                <a:tc>
+                  <a:txBody>
+                    <a:bodyPr/>
+                    <a:lstStyle/>
+                    <a:p>
+                      <a:pPr algn="l" fontAlgn="b"/>
+                      <a:r>
+                        <a:rPr lang="en-US" sz="1100" b="0" i="0" u="none" strike="noStrike">
+                          <a:solidFill>
+                            <a:schemeClr val="bg1"/>
+                          </a:solidFill>
+                          <a:effectLst/>
+                          <a:latin typeface="Arial"/>
+                        </a:rPr>
+                        <a:t>SPI/I2C on Arduino </a:t>
+                      </a:r>
+                    </a:p>
+                  </a:txBody>
+                  <a:tcPr marL="9525" marR="9525" marT="9525" marB="0" anchor="ctr">
+                    <a:lnL w="12700" cap="flat" cmpd="sng" algn="ctr">
+                      <a:solidFill>
+                        <a:schemeClr val="bg1">
+                          <a:lumMod val="65000"/>
+                        </a:schemeClr>
+                      </a:solidFill>
+                      <a:prstDash val="solid"/>
+                      <a:round/>
+                      <a:headEnd type="none" w="med" len="med"/>
+                      <a:tailEnd type="none" w="med" len="med"/>
+                    </a:lnL>
+                    <a:lnR w="12700" cap="flat" cmpd="sng" algn="ctr">
+                      <a:solidFill>
+                        <a:schemeClr val="bg1">
+                          <a:lumMod val="65000"/>
+                        </a:schemeClr>
+                      </a:solidFill>
+                      <a:prstDash val="solid"/>
+                      <a:round/>
+                      <a:headEnd type="none" w="med" len="med"/>
+                      <a:tailEnd type="none" w="med" len="med"/>
+                    </a:lnR>
+                    <a:lnT w="12700" cap="flat" cmpd="sng" algn="ctr">
+                      <a:solidFill>
+                        <a:schemeClr val="bg1">
+                          <a:lumMod val="65000"/>
+                        </a:schemeClr>
+                      </a:solidFill>
+                      <a:prstDash val="solid"/>
+                      <a:round/>
+                      <a:headEnd type="none" w="med" len="med"/>
+                      <a:tailEnd type="none" w="med" len="med"/>
+                    </a:lnT>
+                    <a:lnB w="12700" cap="flat" cmpd="sng" algn="ctr">
+                      <a:solidFill>
+                        <a:schemeClr val="bg1">
+                          <a:lumMod val="65000"/>
+                        </a:schemeClr>
+                      </a:solidFill>
+                      <a:prstDash val="solid"/>
+                      <a:round/>
+                      <a:headEnd type="none" w="med" len="med"/>
+                      <a:tailEnd type="none" w="med" len="med"/>
+                    </a:lnB>
+                  </a:tcPr>
+                </a:tc>
+                <a:tc>
+                  <a:txBody>
+                    <a:bodyPr/>
+                    <a:lstStyle/>
+                    <a:p>
+                      <a:pPr algn="l" fontAlgn="b"/>
+                      <a:r>
+                        <a:rPr lang="en-US" sz="1100" b="0" i="0" u="none" strike="noStrike">
+                          <a:solidFill>
+                            <a:schemeClr val="bg1"/>
+                          </a:solidFill>
+                          <a:effectLst/>
+                          <a:latin typeface="Arial"/>
+                        </a:rPr>
+                        <a:t>May 17</a:t>
+                      </a:r>
+                    </a:p>
+                  </a:txBody>
+                  <a:tcPr marL="9525" marR="9525" marT="9525" marB="0" anchor="b">
+                    <a:lnL w="12700" cap="flat" cmpd="sng" algn="ctr">
+                      <a:solidFill>
+                        <a:schemeClr val="bg1">
+                          <a:lumMod val="65000"/>
+                        </a:schemeClr>
+                      </a:solidFill>
+                      <a:prstDash val="solid"/>
+                      <a:round/>
+                      <a:headEnd type="none" w="med" len="med"/>
+                      <a:tailEnd type="none" w="med" len="med"/>
+                    </a:lnL>
+                    <a:lnR w="12700" cap="flat" cmpd="sng" algn="ctr">
+                      <a:solidFill>
+                        <a:schemeClr val="bg1">
+                          <a:lumMod val="65000"/>
+                        </a:schemeClr>
+                      </a:solidFill>
+                      <a:prstDash val="solid"/>
+                      <a:round/>
+                      <a:headEnd type="none" w="med" len="med"/>
+                      <a:tailEnd type="none" w="med" len="med"/>
+                    </a:lnR>
+                    <a:lnT w="12700" cap="flat" cmpd="sng" algn="ctr">
+                      <a:solidFill>
+                        <a:schemeClr val="bg1">
+                          <a:lumMod val="65000"/>
+                        </a:schemeClr>
+                      </a:solidFill>
+                      <a:prstDash val="solid"/>
+                      <a:round/>
+                      <a:headEnd type="none" w="med" len="med"/>
+                      <a:tailEnd type="none" w="med" len="med"/>
+                    </a:lnT>
+                    <a:lnB w="12700" cap="flat" cmpd="sng" algn="ctr">
+                      <a:solidFill>
+                        <a:schemeClr val="bg1">
+                          <a:lumMod val="65000"/>
+                        </a:schemeClr>
+                      </a:solidFill>
+                      <a:prstDash val="solid"/>
+                      <a:round/>
+                      <a:headEnd type="none" w="med" len="med"/>
+                      <a:tailEnd type="none" w="med" len="med"/>
+                    </a:lnB>
+                  </a:tcPr>
+                </a:tc>
+                <a:tc>
+                  <a:txBody>
+                    <a:bodyPr/>
+                    <a:lstStyle/>
+                    <a:p>
+                      <a:pPr algn="ctr" fontAlgn="ctr"/>
+                      <a:r>
+                        <a:rPr lang="en-US" sz="1100" b="0" i="0" u="none" strike="noStrike">
+                          <a:solidFill>
+                            <a:schemeClr val="bg1"/>
+                          </a:solidFill>
+                          <a:effectLst/>
+                          <a:latin typeface="Arial"/>
+                        </a:rPr>
+                        <a:t>10</a:t>
+                      </a:r>
+                    </a:p>
+                  </a:txBody>
+                  <a:tcPr marL="9525" marR="9525" marT="9525" marB="0" anchor="ctr">
+                    <a:lnL w="12700" cap="flat" cmpd="sng" algn="ctr">
+                      <a:solidFill>
+                        <a:schemeClr val="bg1">
+                          <a:lumMod val="65000"/>
+                        </a:schemeClr>
+                      </a:solidFill>
+                      <a:prstDash val="solid"/>
+                      <a:round/>
+                      <a:headEnd type="none" w="med" len="med"/>
+                      <a:tailEnd type="none" w="med" len="med"/>
+                    </a:lnL>
+                    <a:lnR w="12700" cap="flat" cmpd="sng" algn="ctr">
+                      <a:solidFill>
+                        <a:schemeClr val="bg1">
+                          <a:lumMod val="65000"/>
+                        </a:schemeClr>
+                      </a:solidFill>
+                      <a:prstDash val="solid"/>
+                      <a:round/>
+                      <a:headEnd type="none" w="med" len="med"/>
+                      <a:tailEnd type="none" w="med" len="med"/>
+                    </a:lnR>
+                    <a:lnT w="12700" cap="flat" cmpd="sng" algn="ctr">
+                      <a:solidFill>
+                        <a:schemeClr val="bg1">
+                          <a:lumMod val="65000"/>
+                        </a:schemeClr>
+                      </a:solidFill>
+                      <a:prstDash val="solid"/>
+                      <a:round/>
+                      <a:headEnd type="none" w="med" len="med"/>
+                      <a:tailEnd type="none" w="med" len="med"/>
+                    </a:lnT>
+                    <a:lnB w="12700" cap="flat" cmpd="sng" algn="ctr">
+                      <a:solidFill>
+                        <a:schemeClr val="bg1">
+                          <a:lumMod val="65000"/>
+                        </a:schemeClr>
+                      </a:solidFill>
+                      <a:prstDash val="solid"/>
+                      <a:round/>
+                      <a:headEnd type="none" w="med" len="med"/>
+                      <a:tailEnd type="none" w="med" len="med"/>
+                    </a:lnB>
+                  </a:tcPr>
+                </a:tc>
+                <a:extLst>
+                  <a:ext uri="{0D108BD9-81ED-4DB2-BD59-A6C34878D82A}">
+                    <a16:rowId xmlns:a16="http://schemas.microsoft.com/office/drawing/2014/main" val="10003"/>
+                  </a:ext>
+                </a:extLst>
+              </a:tr>
+              <a:tr h="380999">
+                <a:tc>
+                  <a:txBody>
+                    <a:bodyPr/>
+                    <a:lstStyle/>
+                    <a:p>
+                      <a:pPr algn="l" fontAlgn="b"/>
+                      <a:r>
+                        <a:rPr lang="en-US" sz="1100" b="0" i="0" u="none" strike="noStrike">
+                          <a:solidFill>
+                            <a:schemeClr val="bg1"/>
+                          </a:solidFill>
+                          <a:effectLst/>
+                          <a:latin typeface="Arial"/>
+                        </a:rPr>
+                        <a:t>Leadership</a:t>
+                      </a:r>
+                    </a:p>
+                  </a:txBody>
+                  <a:tcPr marL="9525" marR="9525" marT="9525" marB="0" anchor="ctr">
+                    <a:lnL w="12700" cap="flat" cmpd="sng" algn="ctr">
+                      <a:solidFill>
+                        <a:schemeClr val="bg1">
+                          <a:lumMod val="65000"/>
+                        </a:schemeClr>
+                      </a:solidFill>
+                      <a:prstDash val="solid"/>
+                      <a:round/>
+                      <a:headEnd type="none" w="med" len="med"/>
+                      <a:tailEnd type="none" w="med" len="med"/>
+                    </a:lnL>
+                    <a:lnR w="12700" cap="flat" cmpd="sng" algn="ctr">
+                      <a:solidFill>
+                        <a:schemeClr val="bg1">
+                          <a:lumMod val="65000"/>
+                        </a:schemeClr>
+                      </a:solidFill>
+                      <a:prstDash val="solid"/>
+                      <a:round/>
+                      <a:headEnd type="none" w="med" len="med"/>
+                      <a:tailEnd type="none" w="med" len="med"/>
+                    </a:lnR>
+                    <a:lnT w="12700" cap="flat" cmpd="sng" algn="ctr">
+                      <a:solidFill>
+                        <a:schemeClr val="bg1">
+                          <a:lumMod val="65000"/>
+                        </a:schemeClr>
+                      </a:solidFill>
+                      <a:prstDash val="solid"/>
+                      <a:round/>
+                      <a:headEnd type="none" w="med" len="med"/>
+                      <a:tailEnd type="none" w="med" len="med"/>
+                    </a:lnT>
+                    <a:lnB w="12700" cap="flat" cmpd="sng" algn="ctr">
+                      <a:solidFill>
+                        <a:schemeClr val="bg1">
+                          <a:lumMod val="65000"/>
+                        </a:schemeClr>
+                      </a:solidFill>
+                      <a:prstDash val="solid"/>
+                      <a:round/>
+                      <a:headEnd type="none" w="med" len="med"/>
+                      <a:tailEnd type="none" w="med" len="med"/>
+                    </a:lnB>
+                  </a:tcPr>
+                </a:tc>
+                <a:tc>
+                  <a:txBody>
+                    <a:bodyPr/>
+                    <a:lstStyle/>
+                    <a:p>
+                      <a:pPr algn="l" fontAlgn="b"/>
+                      <a:r>
+                        <a:rPr lang="en-US" sz="1100" b="0" i="0" u="none" strike="noStrike">
+                          <a:solidFill>
+                            <a:schemeClr val="bg1"/>
+                          </a:solidFill>
+                          <a:effectLst/>
+                          <a:latin typeface="Arial"/>
+                        </a:rPr>
+                        <a:t>May 4</a:t>
+                      </a:r>
+                    </a:p>
+                  </a:txBody>
+                  <a:tcPr marL="9525" marR="9525" marT="9525" marB="0" anchor="b">
+                    <a:lnL w="12700" cap="flat" cmpd="sng" algn="ctr">
+                      <a:solidFill>
+                        <a:schemeClr val="bg1">
+                          <a:lumMod val="65000"/>
+                        </a:schemeClr>
+                      </a:solidFill>
+                      <a:prstDash val="solid"/>
+                      <a:round/>
+                      <a:headEnd type="none" w="med" len="med"/>
+                      <a:tailEnd type="none" w="med" len="med"/>
+                    </a:lnL>
+                    <a:lnR w="12700" cap="flat" cmpd="sng" algn="ctr">
+                      <a:solidFill>
+                        <a:schemeClr val="bg1">
+                          <a:lumMod val="65000"/>
+                        </a:schemeClr>
+                      </a:solidFill>
+                      <a:prstDash val="solid"/>
+                      <a:round/>
+                      <a:headEnd type="none" w="med" len="med"/>
+                      <a:tailEnd type="none" w="med" len="med"/>
+                    </a:lnR>
+                    <a:lnT w="12700" cap="flat" cmpd="sng" algn="ctr">
+                      <a:solidFill>
+                        <a:schemeClr val="bg1">
+                          <a:lumMod val="65000"/>
+                        </a:schemeClr>
+                      </a:solidFill>
+                      <a:prstDash val="solid"/>
+                      <a:round/>
+                      <a:headEnd type="none" w="med" len="med"/>
+                      <a:tailEnd type="none" w="med" len="med"/>
+                    </a:lnT>
+                    <a:lnB w="12700" cap="flat" cmpd="sng" algn="ctr">
+                      <a:solidFill>
+                        <a:schemeClr val="bg1">
+                          <a:lumMod val="65000"/>
+                        </a:schemeClr>
+                      </a:solidFill>
+                      <a:prstDash val="solid"/>
+                      <a:round/>
+                      <a:headEnd type="none" w="med" len="med"/>
+                      <a:tailEnd type="none" w="med" len="med"/>
+                    </a:lnB>
+                  </a:tcPr>
+                </a:tc>
+                <a:tc>
+                  <a:txBody>
+                    <a:bodyPr/>
+                    <a:lstStyle/>
+                    <a:p>
+                      <a:pPr algn="ctr" fontAlgn="ctr"/>
+                      <a:r>
+                        <a:rPr lang="en-US" sz="1100" b="0" i="0" u="none" strike="noStrike">
+                          <a:solidFill>
+                            <a:schemeClr val="bg1"/>
+                          </a:solidFill>
+                          <a:effectLst/>
+                          <a:latin typeface="Arial"/>
+                        </a:rPr>
+                        <a:t>2.5</a:t>
+                      </a:r>
+                    </a:p>
+                  </a:txBody>
+                  <a:tcPr marL="9525" marR="9525" marT="9525" marB="0" anchor="ctr">
+                    <a:lnL w="12700" cap="flat" cmpd="sng" algn="ctr">
+                      <a:solidFill>
+                        <a:schemeClr val="bg1">
+                          <a:lumMod val="65000"/>
+                        </a:schemeClr>
+                      </a:solidFill>
+                      <a:prstDash val="solid"/>
+                      <a:round/>
+                      <a:headEnd type="none" w="med" len="med"/>
+                      <a:tailEnd type="none" w="med" len="med"/>
+                    </a:lnL>
+                    <a:lnR w="12700" cap="flat" cmpd="sng" algn="ctr">
+                      <a:solidFill>
+                        <a:schemeClr val="bg1">
+                          <a:lumMod val="65000"/>
+                        </a:schemeClr>
+                      </a:solidFill>
+                      <a:prstDash val="solid"/>
+                      <a:round/>
+                      <a:headEnd type="none" w="med" len="med"/>
+                      <a:tailEnd type="none" w="med" len="med"/>
+                    </a:lnR>
+                    <a:lnT w="12700" cap="flat" cmpd="sng" algn="ctr">
+                      <a:solidFill>
+                        <a:schemeClr val="bg1">
+                          <a:lumMod val="65000"/>
+                        </a:schemeClr>
+                      </a:solidFill>
+                      <a:prstDash val="solid"/>
+                      <a:round/>
+                      <a:headEnd type="none" w="med" len="med"/>
+                      <a:tailEnd type="none" w="med" len="med"/>
+                    </a:lnT>
+                    <a:lnB w="12700" cap="flat" cmpd="sng" algn="ctr">
+                      <a:solidFill>
+                        <a:schemeClr val="bg1">
+                          <a:lumMod val="65000"/>
+                        </a:schemeClr>
+                      </a:solidFill>
+                      <a:prstDash val="solid"/>
+                      <a:round/>
+                      <a:headEnd type="none" w="med" len="med"/>
+                      <a:tailEnd type="none" w="med" len="med"/>
+                    </a:lnB>
+                  </a:tcPr>
+                </a:tc>
+                <a:extLst>
+                  <a:ext uri="{0D108BD9-81ED-4DB2-BD59-A6C34878D82A}">
+                    <a16:rowId xmlns:a16="http://schemas.microsoft.com/office/drawing/2014/main" val="10004"/>
+                  </a:ext>
+                </a:extLst>
+              </a:tr>
+              <a:tr h="380999">
+                <a:tc>
+                  <a:txBody>
+                    <a:bodyPr/>
+                    <a:lstStyle/>
+                    <a:p>
+                      <a:pPr lvl="0" algn="l">
+                        <a:buNone/>
+                      </a:pPr>
+                      <a:r>
+                        <a:rPr lang="en-US" sz="1100" b="0" i="0" u="none" strike="noStrike">
+                          <a:solidFill>
+                            <a:schemeClr val="bg1"/>
+                          </a:solidFill>
+                          <a:effectLst/>
+                          <a:latin typeface="Arial"/>
+                        </a:rPr>
+                        <a:t>Class</a:t>
+                      </a:r>
+                    </a:p>
+                  </a:txBody>
+                  <a:tcPr marL="9525" marR="9525" marT="9525" marB="0" anchor="ctr">
+                    <a:lnL w="12700" cap="flat" cmpd="sng" algn="ctr">
+                      <a:solidFill>
+                        <a:schemeClr val="bg1">
+                          <a:lumMod val="65000"/>
+                        </a:schemeClr>
+                      </a:solidFill>
+                      <a:prstDash val="solid"/>
+                      <a:round/>
+                      <a:headEnd type="none" w="med" len="med"/>
+                      <a:tailEnd type="none" w="med" len="med"/>
+                    </a:lnL>
+                    <a:lnR w="12700" cap="flat" cmpd="sng" algn="ctr">
+                      <a:solidFill>
+                        <a:schemeClr val="bg1">
+                          <a:lumMod val="65000"/>
+                        </a:schemeClr>
+                      </a:solidFill>
+                      <a:prstDash val="solid"/>
+                      <a:round/>
+                      <a:headEnd type="none" w="med" len="med"/>
+                      <a:tailEnd type="none" w="med" len="med"/>
+                    </a:lnR>
+                    <a:lnT w="12700" cap="flat" cmpd="sng" algn="ctr">
+                      <a:solidFill>
+                        <a:schemeClr val="bg1">
+                          <a:lumMod val="65000"/>
+                        </a:schemeClr>
+                      </a:solidFill>
+                      <a:prstDash val="solid"/>
+                      <a:round/>
+                      <a:headEnd type="none" w="med" len="med"/>
+                      <a:tailEnd type="none" w="med" len="med"/>
+                    </a:lnT>
+                    <a:lnB w="12700" cap="flat" cmpd="sng" algn="ctr">
+                      <a:solidFill>
+                        <a:schemeClr val="bg1">
+                          <a:lumMod val="65000"/>
+                        </a:schemeClr>
+                      </a:solidFill>
+                      <a:prstDash val="solid"/>
+                      <a:round/>
+                      <a:headEnd type="none" w="med" len="med"/>
+                      <a:tailEnd type="none" w="med" len="med"/>
+                    </a:lnB>
+                  </a:tcPr>
+                </a:tc>
+                <a:tc>
+                  <a:txBody>
+                    <a:bodyPr/>
+                    <a:lstStyle/>
+                    <a:p>
+                      <a:pPr lvl="0" algn="l">
+                        <a:buNone/>
+                      </a:pPr>
+                      <a:r>
+                        <a:rPr lang="en-US" sz="1100" b="0" i="0" u="none" strike="noStrike">
+                          <a:solidFill>
+                            <a:schemeClr val="bg1"/>
+                          </a:solidFill>
+                          <a:effectLst/>
+                          <a:latin typeface="Arial"/>
+                        </a:rPr>
+                        <a:t>Thursday</a:t>
+                      </a:r>
+                    </a:p>
+                  </a:txBody>
+                  <a:tcPr marL="9525" marR="9525" marT="9525" marB="0" anchor="b">
+                    <a:lnL w="12700" cap="flat" cmpd="sng" algn="ctr">
+                      <a:solidFill>
+                        <a:schemeClr val="bg1">
+                          <a:lumMod val="65000"/>
+                        </a:schemeClr>
+                      </a:solidFill>
+                      <a:prstDash val="solid"/>
+                      <a:round/>
+                      <a:headEnd type="none" w="med" len="med"/>
+                      <a:tailEnd type="none" w="med" len="med"/>
+                    </a:lnL>
+                    <a:lnR w="12700" cap="flat" cmpd="sng" algn="ctr">
+                      <a:solidFill>
+                        <a:schemeClr val="bg1">
+                          <a:lumMod val="65000"/>
+                        </a:schemeClr>
+                      </a:solidFill>
+                      <a:prstDash val="solid"/>
+                      <a:round/>
+                      <a:headEnd type="none" w="med" len="med"/>
+                      <a:tailEnd type="none" w="med" len="med"/>
+                    </a:lnR>
+                    <a:lnT w="12700" cap="flat" cmpd="sng" algn="ctr">
+                      <a:solidFill>
+                        <a:schemeClr val="bg1">
+                          <a:lumMod val="65000"/>
+                        </a:schemeClr>
+                      </a:solidFill>
+                      <a:prstDash val="solid"/>
+                      <a:round/>
+                      <a:headEnd type="none" w="med" len="med"/>
+                      <a:tailEnd type="none" w="med" len="med"/>
+                    </a:lnT>
+                    <a:lnB w="12700" cap="flat" cmpd="sng" algn="ctr">
+                      <a:solidFill>
+                        <a:schemeClr val="bg1">
+                          <a:lumMod val="65000"/>
+                        </a:schemeClr>
+                      </a:solidFill>
+                      <a:prstDash val="solid"/>
+                      <a:round/>
+                      <a:headEnd type="none" w="med" len="med"/>
+                      <a:tailEnd type="none" w="med" len="med"/>
+                    </a:lnB>
+                  </a:tcPr>
+                </a:tc>
+                <a:tc>
+                  <a:txBody>
+                    <a:bodyPr/>
+                    <a:lstStyle/>
+                    <a:p>
+                      <a:pPr lvl="0" algn="ctr">
+                        <a:buNone/>
+                      </a:pPr>
+                      <a:r>
+                        <a:rPr lang="en-US" sz="1100" b="0" i="0" u="none" strike="noStrike">
+                          <a:solidFill>
+                            <a:schemeClr val="bg1"/>
+                          </a:solidFill>
+                          <a:effectLst/>
+                          <a:latin typeface="Arial"/>
+                        </a:rPr>
+                        <a:t>6</a:t>
+                      </a:r>
+                    </a:p>
+                  </a:txBody>
+                  <a:tcPr marL="9525" marR="9525" marT="9525" marB="0" anchor="ctr">
+                    <a:lnL w="12700" cap="flat" cmpd="sng" algn="ctr">
+                      <a:solidFill>
+                        <a:schemeClr val="bg1">
+                          <a:lumMod val="65000"/>
+                        </a:schemeClr>
+                      </a:solidFill>
+                      <a:prstDash val="solid"/>
+                      <a:round/>
+                      <a:headEnd type="none" w="med" len="med"/>
+                      <a:tailEnd type="none" w="med" len="med"/>
+                    </a:lnL>
+                    <a:lnR w="12700" cap="flat" cmpd="sng" algn="ctr">
+                      <a:solidFill>
+                        <a:schemeClr val="bg1">
+                          <a:lumMod val="65000"/>
+                        </a:schemeClr>
+                      </a:solidFill>
+                      <a:prstDash val="solid"/>
+                      <a:round/>
+                      <a:headEnd type="none" w="med" len="med"/>
+                      <a:tailEnd type="none" w="med" len="med"/>
+                    </a:lnR>
+                    <a:lnT w="12700" cap="flat" cmpd="sng" algn="ctr">
+                      <a:solidFill>
+                        <a:schemeClr val="bg1">
+                          <a:lumMod val="65000"/>
+                        </a:schemeClr>
+                      </a:solidFill>
+                      <a:prstDash val="solid"/>
+                      <a:round/>
+                      <a:headEnd type="none" w="med" len="med"/>
+                      <a:tailEnd type="none" w="med" len="med"/>
+                    </a:lnT>
+                    <a:lnB w="12700" cap="flat" cmpd="sng" algn="ctr">
+                      <a:solidFill>
+                        <a:schemeClr val="bg1">
+                          <a:lumMod val="65000"/>
+                        </a:schemeClr>
+                      </a:solidFill>
+                      <a:prstDash val="solid"/>
+                      <a:round/>
+                      <a:headEnd type="none" w="med" len="med"/>
+                      <a:tailEnd type="none" w="med" len="med"/>
+                    </a:lnB>
+                  </a:tcPr>
+                </a:tc>
+                <a:extLst>
+                  <a:ext uri="{0D108BD9-81ED-4DB2-BD59-A6C34878D82A}">
+                    <a16:rowId xmlns:a16="http://schemas.microsoft.com/office/drawing/2014/main" val="180957332"/>
+                  </a:ext>
+                </a:extLst>
+              </a:tr>
+              <a:tr h="380999">
+                <a:tc>
+                  <a:txBody>
+                    <a:bodyPr/>
+                    <a:lstStyle/>
+                    <a:p>
+                      <a:pPr lvl="0" algn="l">
+                        <a:buNone/>
+                      </a:pPr>
+                      <a:r>
+                        <a:rPr lang="en-US" sz="1100" b="0" i="0" u="none" strike="noStrike">
+                          <a:solidFill>
+                            <a:schemeClr val="bg1"/>
+                          </a:solidFill>
+                          <a:effectLst/>
+                          <a:latin typeface="Arial"/>
+                        </a:rPr>
+                        <a:t>Review Past Semester</a:t>
+                      </a:r>
+                    </a:p>
+                  </a:txBody>
+                  <a:tcPr marL="9525" marR="9525" marT="9525" marB="0" anchor="ctr">
+                    <a:lnL w="12700" cap="flat" cmpd="sng" algn="ctr">
+                      <a:solidFill>
+                        <a:schemeClr val="bg1">
+                          <a:lumMod val="65000"/>
+                        </a:schemeClr>
+                      </a:solidFill>
+                      <a:prstDash val="solid"/>
+                      <a:round/>
+                      <a:headEnd type="none" w="med" len="med"/>
+                      <a:tailEnd type="none" w="med" len="med"/>
+                    </a:lnL>
+                    <a:lnR w="12700" cap="flat" cmpd="sng" algn="ctr">
+                      <a:solidFill>
+                        <a:schemeClr val="bg1">
+                          <a:lumMod val="65000"/>
+                        </a:schemeClr>
+                      </a:solidFill>
+                      <a:prstDash val="solid"/>
+                      <a:round/>
+                      <a:headEnd type="none" w="med" len="med"/>
+                      <a:tailEnd type="none" w="med" len="med"/>
+                    </a:lnR>
+                    <a:lnT w="12700" cap="flat" cmpd="sng" algn="ctr">
+                      <a:solidFill>
+                        <a:schemeClr val="bg1">
+                          <a:lumMod val="65000"/>
+                        </a:schemeClr>
+                      </a:solidFill>
+                      <a:prstDash val="solid"/>
+                      <a:round/>
+                      <a:headEnd type="none" w="med" len="med"/>
+                      <a:tailEnd type="none" w="med" len="med"/>
+                    </a:lnT>
+                    <a:lnB w="12700" cap="flat" cmpd="sng" algn="ctr">
+                      <a:solidFill>
+                        <a:schemeClr val="bg1">
+                          <a:lumMod val="65000"/>
+                        </a:schemeClr>
+                      </a:solidFill>
+                      <a:prstDash val="solid"/>
+                      <a:round/>
+                      <a:headEnd type="none" w="med" len="med"/>
+                      <a:tailEnd type="none" w="med" len="med"/>
+                    </a:lnB>
+                  </a:tcPr>
+                </a:tc>
+                <a:tc>
+                  <a:txBody>
+                    <a:bodyPr/>
+                    <a:lstStyle/>
+                    <a:p>
+                      <a:pPr lvl="0" algn="l">
+                        <a:buNone/>
+                      </a:pPr>
+                      <a:r>
+                        <a:rPr lang="en-US" sz="1100" b="0" i="0" u="none" strike="noStrike">
+                          <a:solidFill>
+                            <a:schemeClr val="bg1"/>
+                          </a:solidFill>
+                          <a:effectLst/>
+                          <a:latin typeface="Arial"/>
+                        </a:rPr>
+                        <a:t>May 4</a:t>
+                      </a:r>
+                    </a:p>
+                  </a:txBody>
+                  <a:tcPr marL="9525" marR="9525" marT="9525" marB="0" anchor="b">
+                    <a:lnL w="12700" cap="flat" cmpd="sng" algn="ctr">
+                      <a:solidFill>
+                        <a:schemeClr val="bg1">
+                          <a:lumMod val="65000"/>
+                        </a:schemeClr>
+                      </a:solidFill>
+                      <a:prstDash val="solid"/>
+                      <a:round/>
+                      <a:headEnd type="none" w="med" len="med"/>
+                      <a:tailEnd type="none" w="med" len="med"/>
+                    </a:lnL>
+                    <a:lnR w="12700" cap="flat" cmpd="sng" algn="ctr">
+                      <a:solidFill>
+                        <a:schemeClr val="bg1">
+                          <a:lumMod val="65000"/>
+                        </a:schemeClr>
+                      </a:solidFill>
+                      <a:prstDash val="solid"/>
+                      <a:round/>
+                      <a:headEnd type="none" w="med" len="med"/>
+                      <a:tailEnd type="none" w="med" len="med"/>
+                    </a:lnR>
+                    <a:lnT w="12700" cap="flat" cmpd="sng" algn="ctr">
+                      <a:solidFill>
+                        <a:schemeClr val="bg1">
+                          <a:lumMod val="65000"/>
+                        </a:schemeClr>
+                      </a:solidFill>
+                      <a:prstDash val="solid"/>
+                      <a:round/>
+                      <a:headEnd type="none" w="med" len="med"/>
+                      <a:tailEnd type="none" w="med" len="med"/>
+                    </a:lnT>
+                    <a:lnB w="12700" cap="flat" cmpd="sng" algn="ctr">
+                      <a:solidFill>
+                        <a:schemeClr val="bg1">
+                          <a:lumMod val="65000"/>
+                        </a:schemeClr>
+                      </a:solidFill>
+                      <a:prstDash val="solid"/>
+                      <a:round/>
+                      <a:headEnd type="none" w="med" len="med"/>
+                      <a:tailEnd type="none" w="med" len="med"/>
+                    </a:lnB>
+                  </a:tcPr>
+                </a:tc>
+                <a:tc>
+                  <a:txBody>
+                    <a:bodyPr/>
+                    <a:lstStyle/>
+                    <a:p>
+                      <a:pPr lvl="0" algn="ctr">
+                        <a:buNone/>
+                      </a:pPr>
+                      <a:r>
+                        <a:rPr lang="en-US" sz="1100" b="0" i="0" u="none" strike="noStrike">
+                          <a:solidFill>
+                            <a:schemeClr val="bg1"/>
+                          </a:solidFill>
+                          <a:effectLst/>
+                          <a:latin typeface="Arial"/>
+                        </a:rPr>
+                        <a:t>5</a:t>
+                      </a:r>
+                    </a:p>
+                  </a:txBody>
+                  <a:tcPr marL="9525" marR="9525" marT="9525" marB="0" anchor="ctr">
+                    <a:lnL w="12700" cap="flat" cmpd="sng" algn="ctr">
+                      <a:solidFill>
+                        <a:schemeClr val="bg1">
+                          <a:lumMod val="65000"/>
+                        </a:schemeClr>
+                      </a:solidFill>
+                      <a:prstDash val="solid"/>
+                      <a:round/>
+                      <a:headEnd type="none" w="med" len="med"/>
+                      <a:tailEnd type="none" w="med" len="med"/>
+                    </a:lnL>
+                    <a:lnR w="12700" cap="flat" cmpd="sng" algn="ctr">
+                      <a:solidFill>
+                        <a:schemeClr val="bg1">
+                          <a:lumMod val="65000"/>
+                        </a:schemeClr>
+                      </a:solidFill>
+                      <a:prstDash val="solid"/>
+                      <a:round/>
+                      <a:headEnd type="none" w="med" len="med"/>
+                      <a:tailEnd type="none" w="med" len="med"/>
+                    </a:lnR>
+                    <a:lnT w="12700" cap="flat" cmpd="sng" algn="ctr">
+                      <a:solidFill>
+                        <a:schemeClr val="bg1">
+                          <a:lumMod val="65000"/>
+                        </a:schemeClr>
+                      </a:solidFill>
+                      <a:prstDash val="solid"/>
+                      <a:round/>
+                      <a:headEnd type="none" w="med" len="med"/>
+                      <a:tailEnd type="none" w="med" len="med"/>
+                    </a:lnT>
+                    <a:lnB w="12700" cap="flat" cmpd="sng" algn="ctr">
+                      <a:solidFill>
+                        <a:schemeClr val="bg1">
+                          <a:lumMod val="65000"/>
+                        </a:schemeClr>
+                      </a:solidFill>
+                      <a:prstDash val="solid"/>
+                      <a:round/>
+                      <a:headEnd type="none" w="med" len="med"/>
+                      <a:tailEnd type="none" w="med" len="med"/>
+                    </a:lnB>
+                  </a:tcPr>
+                </a:tc>
+                <a:extLst>
+                  <a:ext uri="{0D108BD9-81ED-4DB2-BD59-A6C34878D82A}">
+                    <a16:rowId xmlns:a16="http://schemas.microsoft.com/office/drawing/2014/main" val="2277636154"/>
+                  </a:ext>
+                </a:extLst>
+              </a:tr>
+            </a:tbl>
+          </a:graphicData>
+        </a:graphic>
+      </p:graphicFrame>
+      <p:graphicFrame>
+        <p:nvGraphicFramePr>
+          <p:cNvPr id="4" name="Table 3"/>
+          <p:cNvGraphicFramePr>
+            <a:graphicFrameLocks noGrp="1"/>
+          </p:cNvGraphicFramePr>
+          <p:nvPr>
+            <p:extLst>
+              <p:ext uri="{D42A27DB-BD31-4B8C-83A1-F6EECF244321}">
+                <p14:modId xmlns:p14="http://schemas.microsoft.com/office/powerpoint/2010/main" val="1342804545"/>
+              </p:ext>
+            </p:extLst>
+          </p:nvPr>
+        </p:nvGraphicFramePr>
+        <p:xfrm>
+          <a:off x="5870581" y="4459857"/>
+          <a:ext cx="5749969" cy="609600"/>
+        </p:xfrm>
+        <a:graphic>
+          <a:graphicData uri="http://schemas.openxmlformats.org/drawingml/2006/table">
+            <a:tbl>
+              <a:tblPr lastCol="1" bandRow="1">
+                <a:tableStyleId>{2D5ABB26-0587-4C30-8999-92F81FD0307C}</a:tableStyleId>
+              </a:tblPr>
+              <a:tblGrid>
+                <a:gridCol w="5054774">
+                  <a:extLst>
+                    <a:ext uri="{9D8B030D-6E8A-4147-A177-3AD203B41FA5}">
+                      <a16:colId xmlns:a16="http://schemas.microsoft.com/office/drawing/2014/main" val="20000"/>
+                    </a:ext>
+                  </a:extLst>
+                </a:gridCol>
+                <a:gridCol w="695195">
+                  <a:extLst>
+                    <a:ext uri="{9D8B030D-6E8A-4147-A177-3AD203B41FA5}">
+                      <a16:colId xmlns:a16="http://schemas.microsoft.com/office/drawing/2014/main" val="20001"/>
+                    </a:ext>
+                  </a:extLst>
+                </a:gridCol>
+              </a:tblGrid>
+              <a:tr h="609600">
+                <a:tc>
+                  <a:txBody>
+                    <a:bodyPr/>
+                    <a:lstStyle/>
+                    <a:p>
+                      <a:pPr algn="ctr" fontAlgn="b"/>
+                      <a:r>
+                        <a:rPr lang="en-US" sz="1100" u="none" strike="noStrike">
+                          <a:solidFill>
+                            <a:schemeClr val="bg1"/>
+                          </a:solidFill>
+                          <a:effectLst/>
+                        </a:rPr>
+                        <a:t>Estimated time needed to work on </a:t>
+                      </a:r>
+                      <a:r>
+                        <a:rPr lang="en-US" sz="1100" u="none" strike="noStrike" baseline="0">
+                          <a:solidFill>
+                            <a:schemeClr val="bg1"/>
+                          </a:solidFill>
+                          <a:effectLst/>
+                        </a:rPr>
+                        <a:t>goals for this coming week (typ. 13 </a:t>
+                      </a:r>
+                      <a:r>
+                        <a:rPr lang="en-US" sz="1100" u="none" strike="noStrike" baseline="0" err="1">
+                          <a:solidFill>
+                            <a:schemeClr val="bg1"/>
+                          </a:solidFill>
+                          <a:effectLst/>
+                        </a:rPr>
+                        <a:t>hrs</a:t>
+                      </a:r>
+                      <a:r>
+                        <a:rPr lang="en-US" sz="1100" u="none" strike="noStrike" baseline="0">
+                          <a:solidFill>
+                            <a:schemeClr val="bg1"/>
+                          </a:solidFill>
+                          <a:effectLst/>
+                        </a:rPr>
+                        <a:t>)</a:t>
+                      </a:r>
+                      <a:endParaRPr lang="en-US" sz="1100" b="0" i="0" u="none" strike="noStrike">
+                        <a:solidFill>
+                          <a:schemeClr val="bg1"/>
+                        </a:solidFill>
+                        <a:effectLst/>
+                        <a:latin typeface="Calibri" panose="020F0502020204030204" pitchFamily="34" charset="0"/>
+                      </a:endParaRPr>
+                    </a:p>
+                  </a:txBody>
+                  <a:tcPr marL="9525" marR="9525" marT="9525" marB="0" anchor="ctr">
+                    <a:lnL w="12700" cap="flat" cmpd="sng" algn="ctr">
+                      <a:solidFill>
+                        <a:schemeClr val="bg1">
+                          <a:lumMod val="65000"/>
+                        </a:schemeClr>
+                      </a:solidFill>
+                      <a:prstDash val="solid"/>
+                      <a:round/>
+                      <a:headEnd type="none" w="med" len="med"/>
+                      <a:tailEnd type="none" w="med" len="med"/>
+                    </a:lnL>
+                    <a:lnR w="12700" cap="flat" cmpd="sng" algn="ctr">
+                      <a:solidFill>
+                        <a:schemeClr val="bg1">
+                          <a:lumMod val="65000"/>
+                        </a:schemeClr>
+                      </a:solidFill>
+                      <a:prstDash val="solid"/>
+                      <a:round/>
+                      <a:headEnd type="none" w="med" len="med"/>
+                      <a:tailEnd type="none" w="med" len="med"/>
+                    </a:lnR>
+                    <a:lnT w="12700" cap="flat" cmpd="sng" algn="ctr">
+                      <a:solidFill>
+                        <a:schemeClr val="bg1">
+                          <a:lumMod val="65000"/>
+                        </a:schemeClr>
+                      </a:solidFill>
+                      <a:prstDash val="solid"/>
+                      <a:round/>
+                      <a:headEnd type="none" w="med" len="med"/>
+                      <a:tailEnd type="none" w="med" len="med"/>
+                    </a:lnT>
+                    <a:lnB w="12700" cap="flat" cmpd="sng" algn="ctr">
+                      <a:solidFill>
+                        <a:schemeClr val="bg1">
+                          <a:lumMod val="65000"/>
+                        </a:schemeClr>
+                      </a:solidFill>
+                      <a:prstDash val="solid"/>
+                      <a:round/>
+                      <a:headEnd type="none" w="med" len="med"/>
+                      <a:tailEnd type="none" w="med" len="med"/>
+                    </a:lnB>
+                  </a:tcPr>
+                </a:tc>
+                <a:tc>
+                  <a:txBody>
+                    <a:bodyPr/>
+                    <a:lstStyle/>
+                    <a:p>
+                      <a:pPr algn="ctr" fontAlgn="b"/>
+                      <a:r>
+                        <a:rPr lang="en-US" sz="1100" b="0" i="0" u="none" strike="noStrike">
+                          <a:solidFill>
+                            <a:schemeClr val="bg1"/>
+                          </a:solidFill>
+                          <a:effectLst/>
+                          <a:latin typeface="Calibri"/>
+                        </a:rPr>
+                        <a:t>13</a:t>
+                      </a:r>
+                      <a:endParaRPr lang="en-US" sz="1100" b="0" i="0" u="none" strike="noStrike">
+                        <a:solidFill>
+                          <a:schemeClr val="bg1"/>
+                        </a:solidFill>
+                        <a:effectLst/>
+                        <a:latin typeface="Calibri" panose="020F0502020204030204" pitchFamily="34" charset="0"/>
+                      </a:endParaRPr>
+                    </a:p>
+                  </a:txBody>
+                  <a:tcPr marL="9525" marR="9525" marT="9525" marB="0" anchor="ctr">
+                    <a:lnL w="12700" cap="flat" cmpd="sng" algn="ctr">
+                      <a:solidFill>
+                        <a:schemeClr val="bg1">
+                          <a:lumMod val="65000"/>
+                        </a:schemeClr>
+                      </a:solidFill>
+                      <a:prstDash val="solid"/>
+                      <a:round/>
+                      <a:headEnd type="none" w="med" len="med"/>
+                      <a:tailEnd type="none" w="med" len="med"/>
+                    </a:lnL>
+                    <a:lnR w="12700" cap="flat" cmpd="sng" algn="ctr">
+                      <a:solidFill>
+                        <a:schemeClr val="bg1">
+                          <a:lumMod val="65000"/>
+                        </a:schemeClr>
+                      </a:solidFill>
+                      <a:prstDash val="solid"/>
+                      <a:round/>
+                      <a:headEnd type="none" w="med" len="med"/>
+                      <a:tailEnd type="none" w="med" len="med"/>
+                    </a:lnR>
+                    <a:lnT w="12700" cap="flat" cmpd="sng" algn="ctr">
+                      <a:solidFill>
+                        <a:schemeClr val="bg1">
+                          <a:lumMod val="65000"/>
+                        </a:schemeClr>
+                      </a:solidFill>
+                      <a:prstDash val="solid"/>
+                      <a:round/>
+                      <a:headEnd type="none" w="med" len="med"/>
+                      <a:tailEnd type="none" w="med" len="med"/>
+                    </a:lnT>
+                    <a:lnB w="12700" cap="flat" cmpd="sng" algn="ctr">
+                      <a:solidFill>
+                        <a:schemeClr val="bg1">
+                          <a:lumMod val="65000"/>
+                        </a:schemeClr>
+                      </a:solidFill>
+                      <a:prstDash val="solid"/>
+                      <a:round/>
+                      <a:headEnd type="none" w="med" len="med"/>
+                      <a:tailEnd type="none" w="med" len="med"/>
+                    </a:lnB>
+                  </a:tcPr>
+                </a:tc>
+                <a:extLst>
+                  <a:ext uri="{0D108BD9-81ED-4DB2-BD59-A6C34878D82A}">
+                    <a16:rowId xmlns:a16="http://schemas.microsoft.com/office/drawing/2014/main" val="10000"/>
+                  </a:ext>
+                </a:extLst>
+              </a:tr>
+            </a:tbl>
+          </a:graphicData>
+        </a:graphic>
+      </p:graphicFrame>
+    </p:spTree>
+    <p:extLst>
+      <p:ext uri="{BB962C8B-B14F-4D97-AF65-F5344CB8AC3E}">
+        <p14:creationId xmlns:p14="http://schemas.microsoft.com/office/powerpoint/2010/main" val="3815820193"/>
       </p:ext>
     </p:extLst>
   </p:cSld>
@@ -13543,2350 +13870,6 @@
           <a:p>
             <a:r>
               <a:rPr lang="en-US"/>
-              <a:t>Progress made during the week (Log)</a:t>
-            </a:r>
-            <a:br>
-              <a:rPr lang="en-US"/>
-            </a:br>
-            <a:r>
-              <a:rPr lang="en-US" sz="1400"/>
-              <a:t>(What I did)</a:t>
-            </a:r>
-            <a:endParaRPr lang="en-US"/>
-          </a:p>
-        </p:txBody>
-      </p:sp>
-      <p:sp>
-        <p:nvSpPr>
-          <p:cNvPr id="3" name="Content Placeholder 5"/>
-          <p:cNvSpPr txBox="1">
-            <a:spLocks/>
-          </p:cNvSpPr>
-          <p:nvPr/>
-        </p:nvSpPr>
-        <p:spPr>
-          <a:xfrm>
-            <a:off x="685800" y="1066800"/>
-            <a:ext cx="10896600" cy="5105400"/>
-          </a:xfrm>
-          <a:prstGeom prst="rect">
-            <a:avLst/>
-          </a:prstGeom>
-        </p:spPr>
-        <p:txBody>
-          <a:bodyPr/>
-          <a:lstStyle>
-            <a:lvl1pPr marL="342900" indent="-342900" algn="l" rtl="0" eaLnBrk="0" fontAlgn="base" hangingPunct="0">
-              <a:spcBef>
-                <a:spcPct val="20000"/>
-              </a:spcBef>
-              <a:spcAft>
-                <a:spcPct val="0"/>
-              </a:spcAft>
-              <a:buClr>
-                <a:srgbClr val="606060"/>
-              </a:buClr>
-              <a:buSzPct val="80000"/>
-              <a:buFont typeface="Times" charset="0"/>
-              <a:buChar char="•"/>
-              <a:defRPr sz="2400">
-                <a:solidFill>
-                  <a:srgbClr val="FFFFFF"/>
-                </a:solidFill>
-                <a:latin typeface="+mn-lt"/>
-                <a:ea typeface="ＭＳ Ｐゴシック" charset="0"/>
-                <a:cs typeface="MS PGothic" charset="0"/>
-              </a:defRPr>
-            </a:lvl1pPr>
-            <a:lvl2pPr marL="742950" indent="-285750" algn="l" rtl="0" eaLnBrk="0" fontAlgn="base" hangingPunct="0">
-              <a:spcBef>
-                <a:spcPct val="20000"/>
-              </a:spcBef>
-              <a:spcAft>
-                <a:spcPct val="0"/>
-              </a:spcAft>
-              <a:buClr>
-                <a:srgbClr val="606060"/>
-              </a:buClr>
-              <a:buSzPct val="80000"/>
-              <a:buFont typeface="Times" charset="0"/>
-              <a:buChar char="•"/>
-              <a:defRPr sz="2400">
-                <a:solidFill>
-                  <a:srgbClr val="FFFFFF"/>
-                </a:solidFill>
-                <a:latin typeface="+mn-lt"/>
-                <a:ea typeface="MS PGothic" panose="020B0600070205080204" pitchFamily="34" charset="-128"/>
-                <a:cs typeface="MS PGothic" charset="0"/>
-              </a:defRPr>
-            </a:lvl2pPr>
-            <a:lvl3pPr marL="1143000" indent="-228600" algn="l" rtl="0" eaLnBrk="0" fontAlgn="base" hangingPunct="0">
-              <a:spcBef>
-                <a:spcPct val="20000"/>
-              </a:spcBef>
-              <a:spcAft>
-                <a:spcPct val="0"/>
-              </a:spcAft>
-              <a:buClr>
-                <a:srgbClr val="606060"/>
-              </a:buClr>
-              <a:buSzPct val="80000"/>
-              <a:buFont typeface="Times" charset="0"/>
-              <a:buChar char="•"/>
-              <a:defRPr sz="2400">
-                <a:solidFill>
-                  <a:srgbClr val="FFFFFF"/>
-                </a:solidFill>
-                <a:latin typeface="+mn-lt"/>
-                <a:ea typeface="MS PGothic" panose="020B0600070205080204" pitchFamily="34" charset="-128"/>
-                <a:cs typeface="MS PGothic" charset="0"/>
-              </a:defRPr>
-            </a:lvl3pPr>
-            <a:lvl4pPr marL="1600200" indent="-228600" algn="l" rtl="0" eaLnBrk="0" fontAlgn="base" hangingPunct="0">
-              <a:spcBef>
-                <a:spcPct val="20000"/>
-              </a:spcBef>
-              <a:spcAft>
-                <a:spcPct val="0"/>
-              </a:spcAft>
-              <a:buClr>
-                <a:srgbClr val="606060"/>
-              </a:buClr>
-              <a:buSzPct val="80000"/>
-              <a:buFont typeface="Times" charset="0"/>
-              <a:buChar char="•"/>
-              <a:defRPr sz="2400">
-                <a:solidFill>
-                  <a:srgbClr val="FFFFFF"/>
-                </a:solidFill>
-                <a:latin typeface="+mn-lt"/>
-                <a:ea typeface="MS PGothic" panose="020B0600070205080204" pitchFamily="34" charset="-128"/>
-                <a:cs typeface="MS PGothic" charset="0"/>
-              </a:defRPr>
-            </a:lvl4pPr>
-            <a:lvl5pPr marL="2057400" indent="-228600" algn="l" rtl="0" eaLnBrk="0" fontAlgn="base" hangingPunct="0">
-              <a:spcBef>
-                <a:spcPct val="20000"/>
-              </a:spcBef>
-              <a:spcAft>
-                <a:spcPct val="0"/>
-              </a:spcAft>
-              <a:buClr>
-                <a:srgbClr val="606060"/>
-              </a:buClr>
-              <a:buSzPct val="80000"/>
-              <a:buFont typeface="Times" charset="0"/>
-              <a:buChar char="•"/>
-              <a:defRPr sz="2400">
-                <a:solidFill>
-                  <a:srgbClr val="FFFFFF"/>
-                </a:solidFill>
-                <a:latin typeface="+mn-lt"/>
-                <a:ea typeface="MS PGothic" panose="020B0600070205080204" pitchFamily="34" charset="-128"/>
-                <a:cs typeface="MS PGothic" charset="0"/>
-              </a:defRPr>
-            </a:lvl5pPr>
-            <a:lvl6pPr marL="2514600" indent="-228600" algn="l" rtl="0" fontAlgn="base">
-              <a:spcBef>
-                <a:spcPct val="20000"/>
-              </a:spcBef>
-              <a:spcAft>
-                <a:spcPct val="0"/>
-              </a:spcAft>
-              <a:buClr>
-                <a:srgbClr val="1C5696"/>
-              </a:buClr>
-              <a:buSzPct val="80000"/>
-              <a:buFont typeface="Times" pitchFamily="44" charset="0"/>
-              <a:buChar char="•"/>
-              <a:defRPr sz="2400">
-                <a:solidFill>
-                  <a:schemeClr val="tx1"/>
-                </a:solidFill>
-                <a:latin typeface="+mn-lt"/>
-                <a:ea typeface="+mn-ea"/>
-              </a:defRPr>
-            </a:lvl6pPr>
-            <a:lvl7pPr marL="2971800" indent="-228600" algn="l" rtl="0" fontAlgn="base">
-              <a:spcBef>
-                <a:spcPct val="20000"/>
-              </a:spcBef>
-              <a:spcAft>
-                <a:spcPct val="0"/>
-              </a:spcAft>
-              <a:buClr>
-                <a:srgbClr val="1C5696"/>
-              </a:buClr>
-              <a:buSzPct val="80000"/>
-              <a:buFont typeface="Times" pitchFamily="44" charset="0"/>
-              <a:buChar char="•"/>
-              <a:defRPr sz="2400">
-                <a:solidFill>
-                  <a:schemeClr val="tx1"/>
-                </a:solidFill>
-                <a:latin typeface="+mn-lt"/>
-                <a:ea typeface="+mn-ea"/>
-              </a:defRPr>
-            </a:lvl7pPr>
-            <a:lvl8pPr marL="3429000" indent="-228600" algn="l" rtl="0" fontAlgn="base">
-              <a:spcBef>
-                <a:spcPct val="20000"/>
-              </a:spcBef>
-              <a:spcAft>
-                <a:spcPct val="0"/>
-              </a:spcAft>
-              <a:buClr>
-                <a:srgbClr val="1C5696"/>
-              </a:buClr>
-              <a:buSzPct val="80000"/>
-              <a:buFont typeface="Times" pitchFamily="44" charset="0"/>
-              <a:buChar char="•"/>
-              <a:defRPr sz="2400">
-                <a:solidFill>
-                  <a:schemeClr val="tx1"/>
-                </a:solidFill>
-                <a:latin typeface="+mn-lt"/>
-                <a:ea typeface="+mn-ea"/>
-              </a:defRPr>
-            </a:lvl8pPr>
-            <a:lvl9pPr marL="3886200" indent="-228600" algn="l" rtl="0" fontAlgn="base">
-              <a:spcBef>
-                <a:spcPct val="20000"/>
-              </a:spcBef>
-              <a:spcAft>
-                <a:spcPct val="0"/>
-              </a:spcAft>
-              <a:buClr>
-                <a:srgbClr val="1C5696"/>
-              </a:buClr>
-              <a:buSzPct val="80000"/>
-              <a:buFont typeface="Times" pitchFamily="44" charset="0"/>
-              <a:buChar char="•"/>
-              <a:defRPr sz="2400">
-                <a:solidFill>
-                  <a:schemeClr val="tx1"/>
-                </a:solidFill>
-                <a:latin typeface="+mn-lt"/>
-                <a:ea typeface="+mn-ea"/>
-              </a:defRPr>
-            </a:lvl9pPr>
-          </a:lstStyle>
-          <a:p>
-            <a:pPr marL="0" indent="0">
-              <a:buFont typeface="Times" charset="0"/>
-              <a:buNone/>
-            </a:pPr>
-            <a:r>
-              <a:rPr lang="en-US" sz="1200" kern="0"/>
-              <a:t>For example: Resources found (links, manuals), Designs created, Decisions made and corresponding rational, Photos of prototype progress, etc.</a:t>
-            </a:r>
-          </a:p>
-        </p:txBody>
-      </p:sp>
-      <p:sp>
-        <p:nvSpPr>
-          <p:cNvPr id="4" name="TextBox 3">
-            <a:extLst>
-              <a:ext uri="{FF2B5EF4-FFF2-40B4-BE49-F238E27FC236}">
-                <a16:creationId xmlns:a16="http://schemas.microsoft.com/office/drawing/2014/main" id="{DEA09C21-4FCC-4122-A3FD-916919E19D03}"/>
-              </a:ext>
-            </a:extLst>
-          </p:cNvPr>
-          <p:cNvSpPr txBox="1"/>
-          <p:nvPr/>
-        </p:nvSpPr>
-        <p:spPr>
-          <a:xfrm>
-            <a:off x="612475" y="1489494"/>
-            <a:ext cx="6136255" cy="1569660"/>
-          </a:xfrm>
-          <a:prstGeom prst="rect">
-            <a:avLst/>
-          </a:prstGeom>
-          <a:noFill/>
-        </p:spPr>
-        <p:txBody>
-          <a:bodyPr rot="0" spcFirstLastPara="0" vertOverflow="overflow" horzOverflow="overflow" vert="horz" wrap="square" lIns="91440" tIns="45720" rIns="91440" bIns="45720" numCol="1" spcCol="0" rtlCol="0" fromWordArt="0" anchor="t" anchorCtr="0" forceAA="0" compatLnSpc="1">
-            <a:prstTxWarp prst="textNoShape">
-              <a:avLst/>
-            </a:prstTxWarp>
-            <a:spAutoFit/>
-          </a:bodyPr>
-          <a:lstStyle/>
-          <a:p>
-            <a:pPr marL="342900" indent="-342900">
-              <a:buFont typeface="Arial"/>
-              <a:buChar char="•"/>
-            </a:pPr>
-            <a:r>
-              <a:rPr lang="en-US">
-                <a:solidFill>
-                  <a:schemeClr val="bg1"/>
-                </a:solidFill>
-                <a:latin typeface="Arial"/>
-                <a:ea typeface="ＭＳ Ｐゴシック"/>
-              </a:rPr>
-              <a:t>Look through past semester work</a:t>
-            </a:r>
-          </a:p>
-          <a:p>
-            <a:pPr marL="342900" indent="-342900">
-              <a:buFont typeface="Arial"/>
-              <a:buChar char="•"/>
-            </a:pPr>
-            <a:r>
-              <a:rPr lang="en-US">
-                <a:solidFill>
-                  <a:schemeClr val="bg1"/>
-                </a:solidFill>
-                <a:latin typeface="Arial"/>
-                <a:ea typeface="ＭＳ Ｐゴシック"/>
-              </a:rPr>
-              <a:t>Tasks sheet and Proposal</a:t>
-            </a:r>
-          </a:p>
-          <a:p>
-            <a:pPr marL="342900" indent="-342900">
-              <a:buFont typeface="Arial"/>
-              <a:buChar char="•"/>
-            </a:pPr>
-            <a:r>
-              <a:rPr lang="en-US">
-                <a:solidFill>
-                  <a:schemeClr val="bg1"/>
-                </a:solidFill>
-                <a:latin typeface="Arial"/>
-                <a:ea typeface="ＭＳ Ｐゴシック"/>
-              </a:rPr>
-              <a:t>Download SoftConsole</a:t>
-            </a:r>
-          </a:p>
-          <a:p>
-            <a:pPr marL="342900" indent="-342900">
-              <a:buFont typeface="Arial"/>
-              <a:buChar char="•"/>
-            </a:pPr>
-            <a:r>
-              <a:rPr lang="en-US">
-                <a:solidFill>
-                  <a:schemeClr val="bg1"/>
-                </a:solidFill>
-                <a:latin typeface="Arial"/>
-                <a:ea typeface="ＭＳ Ｐゴシック"/>
-              </a:rPr>
-              <a:t>Worked with Zac to clearify questions</a:t>
-            </a:r>
-          </a:p>
-        </p:txBody>
-      </p:sp>
-    </p:spTree>
-    <p:extLst>
-      <p:ext uri="{BB962C8B-B14F-4D97-AF65-F5344CB8AC3E}">
-        <p14:creationId xmlns:p14="http://schemas.microsoft.com/office/powerpoint/2010/main" val="4244369400"/>
-      </p:ext>
-    </p:extLst>
-  </p:cSld>
-  <p:clrMapOvr>
-    <a:masterClrMapping/>
-  </p:clrMapOvr>
-  <p:transition>
-    <p:fade/>
-  </p:transition>
-</p:sld>
-</file>
-
-<file path=ppt/slides/slide21.xml><?xml version="1.0" encoding="utf-8"?>
-<p:sld xmlns:a="http://schemas.openxmlformats.org/drawingml/2006/main" xmlns:r="http://schemas.openxmlformats.org/officeDocument/2006/relationships" xmlns:p="http://schemas.openxmlformats.org/presentationml/2006/main">
-  <p:cSld>
-    <p:spTree>
-      <p:nvGrpSpPr>
-        <p:cNvPr id="1" name=""/>
-        <p:cNvGrpSpPr/>
-        <p:nvPr/>
-      </p:nvGrpSpPr>
-      <p:grpSpPr>
-        <a:xfrm>
-          <a:off x="0" y="0"/>
-          <a:ext cx="0" cy="0"/>
-          <a:chOff x="0" y="0"/>
-          <a:chExt cx="0" cy="0"/>
-        </a:xfrm>
-      </p:grpSpPr>
-      <p:sp>
-        <p:nvSpPr>
-          <p:cNvPr id="2" name="Title 1"/>
-          <p:cNvSpPr>
-            <a:spLocks noGrp="1"/>
-          </p:cNvSpPr>
-          <p:nvPr>
-            <p:ph type="title"/>
-          </p:nvPr>
-        </p:nvSpPr>
-        <p:spPr/>
-        <p:txBody>
-          <a:bodyPr/>
-          <a:lstStyle/>
-          <a:p>
-            <a:r>
-              <a:rPr lang="en-US"/>
-              <a:t>Difficulties encountered during the week </a:t>
-            </a:r>
-            <a:br>
-              <a:rPr lang="en-US"/>
-            </a:br>
-            <a:r>
-              <a:rPr lang="en-US" sz="1400"/>
-              <a:t>(What I did not do and why)</a:t>
-            </a:r>
-            <a:endParaRPr lang="en-US"/>
-          </a:p>
-        </p:txBody>
-      </p:sp>
-      <p:sp>
-        <p:nvSpPr>
-          <p:cNvPr id="4" name="TextBox 3">
-            <a:extLst>
-              <a:ext uri="{FF2B5EF4-FFF2-40B4-BE49-F238E27FC236}">
-                <a16:creationId xmlns:a16="http://schemas.microsoft.com/office/drawing/2014/main" id="{81B4C959-E726-4DAC-BBB5-DE7EEE708CB2}"/>
-              </a:ext>
-            </a:extLst>
-          </p:cNvPr>
-          <p:cNvSpPr txBox="1"/>
-          <p:nvPr/>
-        </p:nvSpPr>
-        <p:spPr>
-          <a:xfrm>
-            <a:off x="540589" y="1216325"/>
-            <a:ext cx="5532407" cy="830997"/>
-          </a:xfrm>
-          <a:prstGeom prst="rect">
-            <a:avLst/>
-          </a:prstGeom>
-          <a:noFill/>
-        </p:spPr>
-        <p:txBody>
-          <a:bodyPr rot="0" spcFirstLastPara="0" vertOverflow="overflow" horzOverflow="overflow" vert="horz" wrap="square" lIns="91440" tIns="45720" rIns="91440" bIns="45720" numCol="1" spcCol="0" rtlCol="0" fromWordArt="0" anchor="t" anchorCtr="0" forceAA="0" compatLnSpc="1">
-            <a:prstTxWarp prst="textNoShape">
-              <a:avLst/>
-            </a:prstTxWarp>
-            <a:spAutoFit/>
-          </a:bodyPr>
-          <a:lstStyle/>
-          <a:p>
-            <a:pPr marL="342900" indent="-342900">
-              <a:buFont typeface="Arial"/>
-              <a:buChar char="•"/>
-            </a:pPr>
-            <a:r>
-              <a:rPr lang="en-US">
-                <a:solidFill>
-                  <a:schemeClr val="bg1"/>
-                </a:solidFill>
-                <a:latin typeface="Arial"/>
-                <a:ea typeface="ＭＳ Ｐゴシック"/>
-              </a:rPr>
-              <a:t>PCB Errors</a:t>
-            </a:r>
-            <a:endParaRPr lang="en-US">
-              <a:solidFill>
-                <a:schemeClr val="bg1"/>
-              </a:solidFill>
-            </a:endParaRPr>
-          </a:p>
-          <a:p>
-            <a:pPr marL="342900" indent="-342900">
-              <a:buFont typeface="Arial"/>
-              <a:buChar char="•"/>
-            </a:pPr>
-            <a:r>
-              <a:rPr lang="en-US">
-                <a:solidFill>
-                  <a:schemeClr val="bg1"/>
-                </a:solidFill>
-                <a:latin typeface="Arial"/>
-                <a:ea typeface="ＭＳ Ｐゴシック"/>
-              </a:rPr>
-              <a:t>Left Arduino in Rexburg</a:t>
-            </a:r>
-          </a:p>
-        </p:txBody>
-      </p:sp>
-    </p:spTree>
-    <p:extLst>
-      <p:ext uri="{BB962C8B-B14F-4D97-AF65-F5344CB8AC3E}">
-        <p14:creationId xmlns:p14="http://schemas.microsoft.com/office/powerpoint/2010/main" val="3002693654"/>
-      </p:ext>
-    </p:extLst>
-  </p:cSld>
-  <p:clrMapOvr>
-    <a:masterClrMapping/>
-  </p:clrMapOvr>
-  <p:transition>
-    <p:fade/>
-  </p:transition>
-</p:sld>
-</file>
-
-<file path=ppt/slides/slide22.xml><?xml version="1.0" encoding="utf-8"?>
-<p:sld xmlns:a="http://schemas.openxmlformats.org/drawingml/2006/main" xmlns:r="http://schemas.openxmlformats.org/officeDocument/2006/relationships" xmlns:p="http://schemas.openxmlformats.org/presentationml/2006/main">
-  <p:cSld>
-    <p:spTree>
-      <p:nvGrpSpPr>
-        <p:cNvPr id="1" name=""/>
-        <p:cNvGrpSpPr/>
-        <p:nvPr/>
-      </p:nvGrpSpPr>
-      <p:grpSpPr>
-        <a:xfrm>
-          <a:off x="0" y="0"/>
-          <a:ext cx="0" cy="0"/>
-          <a:chOff x="0" y="0"/>
-          <a:chExt cx="0" cy="0"/>
-        </a:xfrm>
-      </p:grpSpPr>
-      <p:sp>
-        <p:nvSpPr>
-          <p:cNvPr id="2" name="Title 1"/>
-          <p:cNvSpPr>
-            <a:spLocks noGrp="1"/>
-          </p:cNvSpPr>
-          <p:nvPr>
-            <p:ph type="title"/>
-          </p:nvPr>
-        </p:nvSpPr>
-        <p:spPr/>
-        <p:txBody>
-          <a:bodyPr/>
-          <a:lstStyle/>
-          <a:p>
-            <a:r>
-              <a:rPr lang="en-US"/>
-              <a:t>Goals for this coming week</a:t>
-            </a:r>
-            <a:br>
-              <a:rPr lang="en-US"/>
-            </a:br>
-            <a:r>
-              <a:rPr lang="en-US" sz="1200"/>
-              <a:t>(Ones that move the project forward the most)</a:t>
-            </a:r>
-          </a:p>
-        </p:txBody>
-      </p:sp>
-      <p:graphicFrame>
-        <p:nvGraphicFramePr>
-          <p:cNvPr id="3" name="Table 2"/>
-          <p:cNvGraphicFramePr>
-            <a:graphicFrameLocks noGrp="1"/>
-          </p:cNvGraphicFramePr>
-          <p:nvPr>
-            <p:extLst>
-              <p:ext uri="{D42A27DB-BD31-4B8C-83A1-F6EECF244321}">
-                <p14:modId xmlns:p14="http://schemas.microsoft.com/office/powerpoint/2010/main" val="955851941"/>
-              </p:ext>
-            </p:extLst>
-          </p:nvPr>
-        </p:nvGraphicFramePr>
-        <p:xfrm>
-          <a:off x="685800" y="1371600"/>
-          <a:ext cx="10896597" cy="2895593"/>
-        </p:xfrm>
-        <a:graphic>
-          <a:graphicData uri="http://schemas.openxmlformats.org/drawingml/2006/table">
-            <a:tbl>
-              <a:tblPr firstRow="1" lastCol="1" bandRow="1">
-                <a:tableStyleId>{2D5ABB26-0587-4C30-8999-92F81FD0307C}</a:tableStyleId>
-              </a:tblPr>
-              <a:tblGrid>
-                <a:gridCol w="8732520">
-                  <a:extLst>
-                    <a:ext uri="{9D8B030D-6E8A-4147-A177-3AD203B41FA5}">
-                      <a16:colId xmlns:a16="http://schemas.microsoft.com/office/drawing/2014/main" val="20000"/>
-                    </a:ext>
-                  </a:extLst>
-                </a:gridCol>
-                <a:gridCol w="1464295">
-                  <a:extLst>
-                    <a:ext uri="{9D8B030D-6E8A-4147-A177-3AD203B41FA5}">
-                      <a16:colId xmlns:a16="http://schemas.microsoft.com/office/drawing/2014/main" val="20001"/>
-                    </a:ext>
-                  </a:extLst>
-                </a:gridCol>
-                <a:gridCol w="699782">
-                  <a:extLst>
-                    <a:ext uri="{9D8B030D-6E8A-4147-A177-3AD203B41FA5}">
-                      <a16:colId xmlns:a16="http://schemas.microsoft.com/office/drawing/2014/main" val="20002"/>
-                    </a:ext>
-                  </a:extLst>
-                </a:gridCol>
-              </a:tblGrid>
-              <a:tr h="609599">
-                <a:tc>
-                  <a:txBody>
-                    <a:bodyPr/>
-                    <a:lstStyle/>
-                    <a:p>
-                      <a:pPr algn="l" fontAlgn="ctr"/>
-                      <a:r>
-                        <a:rPr lang="en-US" sz="1100" u="none" strike="noStrike">
-                          <a:solidFill>
-                            <a:schemeClr val="bg1"/>
-                          </a:solidFill>
-                          <a:effectLst/>
-                        </a:rPr>
-                        <a:t>Goal/Task</a:t>
-                      </a:r>
-                      <a:endParaRPr lang="en-US" sz="1100" b="0" i="0" u="none" strike="noStrike">
-                        <a:solidFill>
-                          <a:schemeClr val="bg1"/>
-                        </a:solidFill>
-                        <a:effectLst/>
-                        <a:latin typeface="Calibri" panose="020F0502020204030204" pitchFamily="34" charset="0"/>
-                      </a:endParaRPr>
-                    </a:p>
-                  </a:txBody>
-                  <a:tcPr marL="9525" marR="9525" marT="9525" marB="0" anchor="ctr">
-                    <a:lnL w="12700" cap="flat" cmpd="sng" algn="ctr">
-                      <a:solidFill>
-                        <a:schemeClr val="bg1">
-                          <a:lumMod val="65000"/>
-                        </a:schemeClr>
-                      </a:solidFill>
-                      <a:prstDash val="solid"/>
-                      <a:round/>
-                      <a:headEnd type="none" w="med" len="med"/>
-                      <a:tailEnd type="none" w="med" len="med"/>
-                    </a:lnL>
-                    <a:lnR w="12700" cap="flat" cmpd="sng" algn="ctr">
-                      <a:solidFill>
-                        <a:schemeClr val="bg1">
-                          <a:lumMod val="65000"/>
-                        </a:schemeClr>
-                      </a:solidFill>
-                      <a:prstDash val="solid"/>
-                      <a:round/>
-                      <a:headEnd type="none" w="med" len="med"/>
-                      <a:tailEnd type="none" w="med" len="med"/>
-                    </a:lnR>
-                    <a:lnT w="12700" cap="flat" cmpd="sng" algn="ctr">
-                      <a:solidFill>
-                        <a:schemeClr val="bg1">
-                          <a:lumMod val="65000"/>
-                        </a:schemeClr>
-                      </a:solidFill>
-                      <a:prstDash val="solid"/>
-                      <a:round/>
-                      <a:headEnd type="none" w="med" len="med"/>
-                      <a:tailEnd type="none" w="med" len="med"/>
-                    </a:lnT>
-                    <a:lnB w="12700" cap="flat" cmpd="sng" algn="ctr">
-                      <a:solidFill>
-                        <a:schemeClr val="bg1">
-                          <a:lumMod val="65000"/>
-                        </a:schemeClr>
-                      </a:solidFill>
-                      <a:prstDash val="solid"/>
-                      <a:round/>
-                      <a:headEnd type="none" w="med" len="med"/>
-                      <a:tailEnd type="none" w="med" len="med"/>
-                    </a:lnB>
-                  </a:tcPr>
-                </a:tc>
-                <a:tc>
-                  <a:txBody>
-                    <a:bodyPr/>
-                    <a:lstStyle/>
-                    <a:p>
-                      <a:pPr marL="0" marR="0" indent="0" algn="ctr" defTabSz="457200" rtl="0" eaLnBrk="1" fontAlgn="ctr" latinLnBrk="0" hangingPunct="1">
-                        <a:lnSpc>
-                          <a:spcPct val="100000"/>
-                        </a:lnSpc>
-                        <a:spcBef>
-                          <a:spcPts val="0"/>
-                        </a:spcBef>
-                        <a:spcAft>
-                          <a:spcPts val="0"/>
-                        </a:spcAft>
-                        <a:buClrTx/>
-                        <a:buSzTx/>
-                        <a:buFontTx/>
-                        <a:buNone/>
-                        <a:tabLst/>
-                        <a:defRPr/>
-                      </a:pPr>
-                      <a:r>
-                        <a:rPr lang="en-US" sz="1100" u="none" strike="noStrike">
-                          <a:solidFill>
-                            <a:schemeClr val="bg1"/>
-                          </a:solidFill>
-                          <a:effectLst/>
-                        </a:rPr>
-                        <a:t>Stop Date (Est.)</a:t>
-                      </a:r>
-                      <a:endParaRPr lang="en-US" sz="1100" b="0" i="0" u="none" strike="noStrike">
-                        <a:solidFill>
-                          <a:schemeClr val="bg1"/>
-                        </a:solidFill>
-                        <a:effectLst/>
-                        <a:latin typeface="Calibri" panose="020F0502020204030204" pitchFamily="34" charset="0"/>
-                      </a:endParaRPr>
-                    </a:p>
-                  </a:txBody>
-                  <a:tcPr marL="9525" marR="9525" marT="9525" marB="0" anchor="ctr">
-                    <a:lnL w="12700" cap="flat" cmpd="sng" algn="ctr">
-                      <a:solidFill>
-                        <a:schemeClr val="bg1">
-                          <a:lumMod val="65000"/>
-                        </a:schemeClr>
-                      </a:solidFill>
-                      <a:prstDash val="solid"/>
-                      <a:round/>
-                      <a:headEnd type="none" w="med" len="med"/>
-                      <a:tailEnd type="none" w="med" len="med"/>
-                    </a:lnL>
-                    <a:lnR w="12700" cap="flat" cmpd="sng" algn="ctr">
-                      <a:solidFill>
-                        <a:schemeClr val="bg1">
-                          <a:lumMod val="65000"/>
-                        </a:schemeClr>
-                      </a:solidFill>
-                      <a:prstDash val="solid"/>
-                      <a:round/>
-                      <a:headEnd type="none" w="med" len="med"/>
-                      <a:tailEnd type="none" w="med" len="med"/>
-                    </a:lnR>
-                    <a:lnT w="12700" cap="flat" cmpd="sng" algn="ctr">
-                      <a:solidFill>
-                        <a:schemeClr val="bg1">
-                          <a:lumMod val="65000"/>
-                        </a:schemeClr>
-                      </a:solidFill>
-                      <a:prstDash val="solid"/>
-                      <a:round/>
-                      <a:headEnd type="none" w="med" len="med"/>
-                      <a:tailEnd type="none" w="med" len="med"/>
-                    </a:lnT>
-                    <a:lnB w="12700" cap="flat" cmpd="sng" algn="ctr">
-                      <a:solidFill>
-                        <a:schemeClr val="bg1">
-                          <a:lumMod val="65000"/>
-                        </a:schemeClr>
-                      </a:solidFill>
-                      <a:prstDash val="solid"/>
-                      <a:round/>
-                      <a:headEnd type="none" w="med" len="med"/>
-                      <a:tailEnd type="none" w="med" len="med"/>
-                    </a:lnB>
-                  </a:tcPr>
-                </a:tc>
-                <a:tc>
-                  <a:txBody>
-                    <a:bodyPr/>
-                    <a:lstStyle/>
-                    <a:p>
-                      <a:pPr algn="ctr" fontAlgn="ctr"/>
-                      <a:endParaRPr lang="en-US" sz="1100" u="none" strike="noStrike">
-                        <a:solidFill>
-                          <a:schemeClr val="bg1"/>
-                        </a:solidFill>
-                        <a:effectLst/>
-                      </a:endParaRPr>
-                    </a:p>
-                    <a:p>
-                      <a:pPr marL="0" marR="0" indent="0" algn="ctr" defTabSz="457200" rtl="0" eaLnBrk="1" fontAlgn="ctr" latinLnBrk="0" hangingPunct="1">
-                        <a:lnSpc>
-                          <a:spcPct val="100000"/>
-                        </a:lnSpc>
-                        <a:spcBef>
-                          <a:spcPts val="0"/>
-                        </a:spcBef>
-                        <a:spcAft>
-                          <a:spcPts val="0"/>
-                        </a:spcAft>
-                        <a:buClrTx/>
-                        <a:buSzTx/>
-                        <a:buFontTx/>
-                        <a:buNone/>
-                        <a:tabLst/>
-                        <a:defRPr/>
-                      </a:pPr>
-                      <a:r>
-                        <a:rPr lang="en-US" sz="1100" u="none" strike="noStrike">
-                          <a:solidFill>
-                            <a:schemeClr val="bg1"/>
-                          </a:solidFill>
-                          <a:effectLst/>
-                        </a:rPr>
-                        <a:t>Hours (Est.)</a:t>
-                      </a:r>
-                      <a:endParaRPr lang="en-US" sz="1100" b="0" i="0" u="none" strike="noStrike">
-                        <a:solidFill>
-                          <a:schemeClr val="bg1"/>
-                        </a:solidFill>
-                        <a:effectLst/>
-                        <a:latin typeface="Calibri" panose="020F0502020204030204" pitchFamily="34" charset="0"/>
-                      </a:endParaRPr>
-                    </a:p>
-                  </a:txBody>
-                  <a:tcPr marL="9525" marR="9525" marT="9525" marB="0" anchor="ctr">
-                    <a:lnL w="12700" cap="flat" cmpd="sng" algn="ctr">
-                      <a:solidFill>
-                        <a:schemeClr val="bg1">
-                          <a:lumMod val="65000"/>
-                        </a:schemeClr>
-                      </a:solidFill>
-                      <a:prstDash val="solid"/>
-                      <a:round/>
-                      <a:headEnd type="none" w="med" len="med"/>
-                      <a:tailEnd type="none" w="med" len="med"/>
-                    </a:lnL>
-                    <a:lnR w="12700" cap="flat" cmpd="sng" algn="ctr">
-                      <a:solidFill>
-                        <a:schemeClr val="bg1">
-                          <a:lumMod val="65000"/>
-                        </a:schemeClr>
-                      </a:solidFill>
-                      <a:prstDash val="solid"/>
-                      <a:round/>
-                      <a:headEnd type="none" w="med" len="med"/>
-                      <a:tailEnd type="none" w="med" len="med"/>
-                    </a:lnR>
-                    <a:lnT w="12700" cap="flat" cmpd="sng" algn="ctr">
-                      <a:solidFill>
-                        <a:schemeClr val="bg1">
-                          <a:lumMod val="65000"/>
-                        </a:schemeClr>
-                      </a:solidFill>
-                      <a:prstDash val="solid"/>
-                      <a:round/>
-                      <a:headEnd type="none" w="med" len="med"/>
-                      <a:tailEnd type="none" w="med" len="med"/>
-                    </a:lnT>
-                    <a:lnB w="12700" cap="flat" cmpd="sng" algn="ctr">
-                      <a:solidFill>
-                        <a:schemeClr val="bg1">
-                          <a:lumMod val="65000"/>
-                        </a:schemeClr>
-                      </a:solidFill>
-                      <a:prstDash val="solid"/>
-                      <a:round/>
-                      <a:headEnd type="none" w="med" len="med"/>
-                      <a:tailEnd type="none" w="med" len="med"/>
-                    </a:lnB>
-                  </a:tcPr>
-                </a:tc>
-                <a:extLst>
-                  <a:ext uri="{0D108BD9-81ED-4DB2-BD59-A6C34878D82A}">
-                    <a16:rowId xmlns:a16="http://schemas.microsoft.com/office/drawing/2014/main" val="10000"/>
-                  </a:ext>
-                </a:extLst>
-              </a:tr>
-              <a:tr h="380999">
-                <a:tc>
-                  <a:txBody>
-                    <a:bodyPr/>
-                    <a:lstStyle/>
-                    <a:p>
-                      <a:pPr algn="l" fontAlgn="b"/>
-                      <a:r>
-                        <a:rPr lang="en-US" sz="1100" u="none" strike="noStrike">
-                          <a:solidFill>
-                            <a:schemeClr val="bg1"/>
-                          </a:solidFill>
-                          <a:effectLst/>
-                          <a:latin typeface="Arial"/>
-                        </a:rPr>
-                        <a:t> Get Arduino</a:t>
-                      </a:r>
-                      <a:endParaRPr lang="en-US" sz="1100" b="0" i="0" u="none" strike="noStrike">
-                        <a:solidFill>
-                          <a:schemeClr val="bg1"/>
-                        </a:solidFill>
-                        <a:effectLst/>
-                        <a:latin typeface="Arial"/>
-                      </a:endParaRPr>
-                    </a:p>
-                  </a:txBody>
-                  <a:tcPr marL="9525" marR="9525" marT="9525" marB="0" anchor="ctr">
-                    <a:lnL w="12700" cap="flat" cmpd="sng" algn="ctr">
-                      <a:solidFill>
-                        <a:schemeClr val="bg1">
-                          <a:lumMod val="65000"/>
-                        </a:schemeClr>
-                      </a:solidFill>
-                      <a:prstDash val="solid"/>
-                      <a:round/>
-                      <a:headEnd type="none" w="med" len="med"/>
-                      <a:tailEnd type="none" w="med" len="med"/>
-                    </a:lnL>
-                    <a:lnR w="12700" cap="flat" cmpd="sng" algn="ctr">
-                      <a:solidFill>
-                        <a:schemeClr val="bg1">
-                          <a:lumMod val="65000"/>
-                        </a:schemeClr>
-                      </a:solidFill>
-                      <a:prstDash val="solid"/>
-                      <a:round/>
-                      <a:headEnd type="none" w="med" len="med"/>
-                      <a:tailEnd type="none" w="med" len="med"/>
-                    </a:lnR>
-                    <a:lnT w="12700" cap="flat" cmpd="sng" algn="ctr">
-                      <a:solidFill>
-                        <a:schemeClr val="bg1">
-                          <a:lumMod val="65000"/>
-                        </a:schemeClr>
-                      </a:solidFill>
-                      <a:prstDash val="solid"/>
-                      <a:round/>
-                      <a:headEnd type="none" w="med" len="med"/>
-                      <a:tailEnd type="none" w="med" len="med"/>
-                    </a:lnT>
-                    <a:lnB w="12700" cap="flat" cmpd="sng" algn="ctr">
-                      <a:solidFill>
-                        <a:schemeClr val="bg1">
-                          <a:lumMod val="65000"/>
-                        </a:schemeClr>
-                      </a:solidFill>
-                      <a:prstDash val="solid"/>
-                      <a:round/>
-                      <a:headEnd type="none" w="med" len="med"/>
-                      <a:tailEnd type="none" w="med" len="med"/>
-                    </a:lnB>
-                  </a:tcPr>
-                </a:tc>
-                <a:tc>
-                  <a:txBody>
-                    <a:bodyPr/>
-                    <a:lstStyle/>
-                    <a:p>
-                      <a:pPr algn="l" fontAlgn="b"/>
-                      <a:r>
-                        <a:rPr lang="en-US" sz="1100" b="0" i="0" u="none" strike="noStrike">
-                          <a:solidFill>
-                            <a:schemeClr val="bg1"/>
-                          </a:solidFill>
-                          <a:effectLst/>
-                          <a:latin typeface="Arial"/>
-                        </a:rPr>
-                        <a:t>Friday</a:t>
-                      </a:r>
-                    </a:p>
-                  </a:txBody>
-                  <a:tcPr marL="9525" marR="9525" marT="9525" marB="0" anchor="b">
-                    <a:lnL w="12700" cap="flat" cmpd="sng" algn="ctr">
-                      <a:solidFill>
-                        <a:schemeClr val="bg1">
-                          <a:lumMod val="65000"/>
-                        </a:schemeClr>
-                      </a:solidFill>
-                      <a:prstDash val="solid"/>
-                      <a:round/>
-                      <a:headEnd type="none" w="med" len="med"/>
-                      <a:tailEnd type="none" w="med" len="med"/>
-                    </a:lnL>
-                    <a:lnR w="12700" cap="flat" cmpd="sng" algn="ctr">
-                      <a:solidFill>
-                        <a:schemeClr val="bg1">
-                          <a:lumMod val="65000"/>
-                        </a:schemeClr>
-                      </a:solidFill>
-                      <a:prstDash val="solid"/>
-                      <a:round/>
-                      <a:headEnd type="none" w="med" len="med"/>
-                      <a:tailEnd type="none" w="med" len="med"/>
-                    </a:lnR>
-                    <a:lnT w="12700" cap="flat" cmpd="sng" algn="ctr">
-                      <a:solidFill>
-                        <a:schemeClr val="bg1">
-                          <a:lumMod val="65000"/>
-                        </a:schemeClr>
-                      </a:solidFill>
-                      <a:prstDash val="solid"/>
-                      <a:round/>
-                      <a:headEnd type="none" w="med" len="med"/>
-                      <a:tailEnd type="none" w="med" len="med"/>
-                    </a:lnT>
-                    <a:lnB w="12700" cap="flat" cmpd="sng" algn="ctr">
-                      <a:solidFill>
-                        <a:schemeClr val="bg1">
-                          <a:lumMod val="65000"/>
-                        </a:schemeClr>
-                      </a:solidFill>
-                      <a:prstDash val="solid"/>
-                      <a:round/>
-                      <a:headEnd type="none" w="med" len="med"/>
-                      <a:tailEnd type="none" w="med" len="med"/>
-                    </a:lnB>
-                  </a:tcPr>
-                </a:tc>
-                <a:tc>
-                  <a:txBody>
-                    <a:bodyPr/>
-                    <a:lstStyle/>
-                    <a:p>
-                      <a:pPr algn="ctr" fontAlgn="ctr"/>
-                      <a:r>
-                        <a:rPr lang="en-US" sz="1100" b="0" i="0" u="none" strike="noStrike">
-                          <a:solidFill>
-                            <a:schemeClr val="bg1"/>
-                          </a:solidFill>
-                          <a:effectLst/>
-                          <a:latin typeface="Arial"/>
-                        </a:rPr>
-                        <a:t>.25</a:t>
-                      </a:r>
-                    </a:p>
-                  </a:txBody>
-                  <a:tcPr marL="9525" marR="9525" marT="9525" marB="0" anchor="ctr">
-                    <a:lnL w="12700" cap="flat" cmpd="sng" algn="ctr">
-                      <a:solidFill>
-                        <a:schemeClr val="bg1">
-                          <a:lumMod val="65000"/>
-                        </a:schemeClr>
-                      </a:solidFill>
-                      <a:prstDash val="solid"/>
-                      <a:round/>
-                      <a:headEnd type="none" w="med" len="med"/>
-                      <a:tailEnd type="none" w="med" len="med"/>
-                    </a:lnL>
-                    <a:lnR w="12700" cap="flat" cmpd="sng" algn="ctr">
-                      <a:solidFill>
-                        <a:schemeClr val="bg1">
-                          <a:lumMod val="65000"/>
-                        </a:schemeClr>
-                      </a:solidFill>
-                      <a:prstDash val="solid"/>
-                      <a:round/>
-                      <a:headEnd type="none" w="med" len="med"/>
-                      <a:tailEnd type="none" w="med" len="med"/>
-                    </a:lnR>
-                    <a:lnT w="12700" cap="flat" cmpd="sng" algn="ctr">
-                      <a:solidFill>
-                        <a:schemeClr val="bg1">
-                          <a:lumMod val="65000"/>
-                        </a:schemeClr>
-                      </a:solidFill>
-                      <a:prstDash val="solid"/>
-                      <a:round/>
-                      <a:headEnd type="none" w="med" len="med"/>
-                      <a:tailEnd type="none" w="med" len="med"/>
-                    </a:lnT>
-                    <a:lnB w="12700" cap="flat" cmpd="sng" algn="ctr">
-                      <a:solidFill>
-                        <a:schemeClr val="bg1">
-                          <a:lumMod val="65000"/>
-                        </a:schemeClr>
-                      </a:solidFill>
-                      <a:prstDash val="solid"/>
-                      <a:round/>
-                      <a:headEnd type="none" w="med" len="med"/>
-                      <a:tailEnd type="none" w="med" len="med"/>
-                    </a:lnB>
-                  </a:tcPr>
-                </a:tc>
-                <a:extLst>
-                  <a:ext uri="{0D108BD9-81ED-4DB2-BD59-A6C34878D82A}">
-                    <a16:rowId xmlns:a16="http://schemas.microsoft.com/office/drawing/2014/main" val="10001"/>
-                  </a:ext>
-                </a:extLst>
-              </a:tr>
-              <a:tr h="380999">
-                <a:tc>
-                  <a:txBody>
-                    <a:bodyPr/>
-                    <a:lstStyle/>
-                    <a:p>
-                      <a:pPr algn="l" fontAlgn="b"/>
-                      <a:r>
-                        <a:rPr lang="en-US" sz="1100" b="0" i="0" u="none" strike="noStrike">
-                          <a:solidFill>
-                            <a:schemeClr val="bg1"/>
-                          </a:solidFill>
-                          <a:effectLst/>
-                          <a:latin typeface="Arial"/>
-                        </a:rPr>
-                        <a:t>Test Arduino</a:t>
-                      </a:r>
-                    </a:p>
-                  </a:txBody>
-                  <a:tcPr marL="9525" marR="9525" marT="9525" marB="0" anchor="ctr">
-                    <a:lnL w="12700" cap="flat" cmpd="sng" algn="ctr">
-                      <a:solidFill>
-                        <a:schemeClr val="bg1">
-                          <a:lumMod val="65000"/>
-                        </a:schemeClr>
-                      </a:solidFill>
-                      <a:prstDash val="solid"/>
-                      <a:round/>
-                      <a:headEnd type="none" w="med" len="med"/>
-                      <a:tailEnd type="none" w="med" len="med"/>
-                    </a:lnL>
-                    <a:lnR w="12700" cap="flat" cmpd="sng" algn="ctr">
-                      <a:solidFill>
-                        <a:schemeClr val="bg1">
-                          <a:lumMod val="65000"/>
-                        </a:schemeClr>
-                      </a:solidFill>
-                      <a:prstDash val="solid"/>
-                      <a:round/>
-                      <a:headEnd type="none" w="med" len="med"/>
-                      <a:tailEnd type="none" w="med" len="med"/>
-                    </a:lnR>
-                    <a:lnT w="12700" cap="flat" cmpd="sng" algn="ctr">
-                      <a:solidFill>
-                        <a:schemeClr val="bg1">
-                          <a:lumMod val="65000"/>
-                        </a:schemeClr>
-                      </a:solidFill>
-                      <a:prstDash val="solid"/>
-                      <a:round/>
-                      <a:headEnd type="none" w="med" len="med"/>
-                      <a:tailEnd type="none" w="med" len="med"/>
-                    </a:lnT>
-                    <a:lnB w="12700" cap="flat" cmpd="sng" algn="ctr">
-                      <a:solidFill>
-                        <a:schemeClr val="bg1">
-                          <a:lumMod val="65000"/>
-                        </a:schemeClr>
-                      </a:solidFill>
-                      <a:prstDash val="solid"/>
-                      <a:round/>
-                      <a:headEnd type="none" w="med" len="med"/>
-                      <a:tailEnd type="none" w="med" len="med"/>
-                    </a:lnB>
-                  </a:tcPr>
-                </a:tc>
-                <a:tc>
-                  <a:txBody>
-                    <a:bodyPr/>
-                    <a:lstStyle/>
-                    <a:p>
-                      <a:pPr algn="l" fontAlgn="b"/>
-                      <a:r>
-                        <a:rPr lang="en-US" sz="1100" b="0" i="0" u="none" strike="noStrike">
-                          <a:solidFill>
-                            <a:schemeClr val="bg1"/>
-                          </a:solidFill>
-                          <a:effectLst/>
-                          <a:latin typeface="Arial"/>
-                        </a:rPr>
-                        <a:t>Saturday</a:t>
-                      </a:r>
-                    </a:p>
-                  </a:txBody>
-                  <a:tcPr marL="9525" marR="9525" marT="9525" marB="0" anchor="b">
-                    <a:lnL w="12700" cap="flat" cmpd="sng" algn="ctr">
-                      <a:solidFill>
-                        <a:schemeClr val="bg1">
-                          <a:lumMod val="65000"/>
-                        </a:schemeClr>
-                      </a:solidFill>
-                      <a:prstDash val="solid"/>
-                      <a:round/>
-                      <a:headEnd type="none" w="med" len="med"/>
-                      <a:tailEnd type="none" w="med" len="med"/>
-                    </a:lnL>
-                    <a:lnR w="12700" cap="flat" cmpd="sng" algn="ctr">
-                      <a:solidFill>
-                        <a:schemeClr val="bg1">
-                          <a:lumMod val="65000"/>
-                        </a:schemeClr>
-                      </a:solidFill>
-                      <a:prstDash val="solid"/>
-                      <a:round/>
-                      <a:headEnd type="none" w="med" len="med"/>
-                      <a:tailEnd type="none" w="med" len="med"/>
-                    </a:lnR>
-                    <a:lnT w="12700" cap="flat" cmpd="sng" algn="ctr">
-                      <a:solidFill>
-                        <a:schemeClr val="bg1">
-                          <a:lumMod val="65000"/>
-                        </a:schemeClr>
-                      </a:solidFill>
-                      <a:prstDash val="solid"/>
-                      <a:round/>
-                      <a:headEnd type="none" w="med" len="med"/>
-                      <a:tailEnd type="none" w="med" len="med"/>
-                    </a:lnT>
-                    <a:lnB w="12700" cap="flat" cmpd="sng" algn="ctr">
-                      <a:solidFill>
-                        <a:schemeClr val="bg1">
-                          <a:lumMod val="65000"/>
-                        </a:schemeClr>
-                      </a:solidFill>
-                      <a:prstDash val="solid"/>
-                      <a:round/>
-                      <a:headEnd type="none" w="med" len="med"/>
-                      <a:tailEnd type="none" w="med" len="med"/>
-                    </a:lnB>
-                  </a:tcPr>
-                </a:tc>
-                <a:tc>
-                  <a:txBody>
-                    <a:bodyPr/>
-                    <a:lstStyle/>
-                    <a:p>
-                      <a:pPr algn="ctr" fontAlgn="ctr"/>
-                      <a:r>
-                        <a:rPr lang="en-US" sz="1100" b="0" i="0" u="none" strike="noStrike">
-                          <a:solidFill>
-                            <a:schemeClr val="bg1"/>
-                          </a:solidFill>
-                          <a:effectLst/>
-                          <a:latin typeface="Arial"/>
-                        </a:rPr>
-                        <a:t>1</a:t>
-                      </a:r>
-                    </a:p>
-                  </a:txBody>
-                  <a:tcPr marL="9525" marR="9525" marT="9525" marB="0" anchor="ctr">
-                    <a:lnL w="12700" cap="flat" cmpd="sng" algn="ctr">
-                      <a:solidFill>
-                        <a:schemeClr val="bg1">
-                          <a:lumMod val="65000"/>
-                        </a:schemeClr>
-                      </a:solidFill>
-                      <a:prstDash val="solid"/>
-                      <a:round/>
-                      <a:headEnd type="none" w="med" len="med"/>
-                      <a:tailEnd type="none" w="med" len="med"/>
-                    </a:lnL>
-                    <a:lnR w="12700" cap="flat" cmpd="sng" algn="ctr">
-                      <a:solidFill>
-                        <a:schemeClr val="bg1">
-                          <a:lumMod val="65000"/>
-                        </a:schemeClr>
-                      </a:solidFill>
-                      <a:prstDash val="solid"/>
-                      <a:round/>
-                      <a:headEnd type="none" w="med" len="med"/>
-                      <a:tailEnd type="none" w="med" len="med"/>
-                    </a:lnR>
-                    <a:lnT w="12700" cap="flat" cmpd="sng" algn="ctr">
-                      <a:solidFill>
-                        <a:schemeClr val="bg1">
-                          <a:lumMod val="65000"/>
-                        </a:schemeClr>
-                      </a:solidFill>
-                      <a:prstDash val="solid"/>
-                      <a:round/>
-                      <a:headEnd type="none" w="med" len="med"/>
-                      <a:tailEnd type="none" w="med" len="med"/>
-                    </a:lnT>
-                    <a:lnB w="12700" cap="flat" cmpd="sng" algn="ctr">
-                      <a:solidFill>
-                        <a:schemeClr val="bg1">
-                          <a:lumMod val="65000"/>
-                        </a:schemeClr>
-                      </a:solidFill>
-                      <a:prstDash val="solid"/>
-                      <a:round/>
-                      <a:headEnd type="none" w="med" len="med"/>
-                      <a:tailEnd type="none" w="med" len="med"/>
-                    </a:lnB>
-                  </a:tcPr>
-                </a:tc>
-                <a:extLst>
-                  <a:ext uri="{0D108BD9-81ED-4DB2-BD59-A6C34878D82A}">
-                    <a16:rowId xmlns:a16="http://schemas.microsoft.com/office/drawing/2014/main" val="10002"/>
-                  </a:ext>
-                </a:extLst>
-              </a:tr>
-              <a:tr h="380999">
-                <a:tc>
-                  <a:txBody>
-                    <a:bodyPr/>
-                    <a:lstStyle/>
-                    <a:p>
-                      <a:pPr algn="l" fontAlgn="b"/>
-                      <a:r>
-                        <a:rPr lang="en-US" sz="1100" b="0" i="0" u="none" strike="noStrike">
-                          <a:solidFill>
-                            <a:schemeClr val="bg1"/>
-                          </a:solidFill>
-                          <a:effectLst/>
-                          <a:latin typeface="Arial"/>
-                        </a:rPr>
-                        <a:t>SPI/I2C on Arduino </a:t>
-                      </a:r>
-                    </a:p>
-                  </a:txBody>
-                  <a:tcPr marL="9525" marR="9525" marT="9525" marB="0" anchor="ctr">
-                    <a:lnL w="12700" cap="flat" cmpd="sng" algn="ctr">
-                      <a:solidFill>
-                        <a:schemeClr val="bg1">
-                          <a:lumMod val="65000"/>
-                        </a:schemeClr>
-                      </a:solidFill>
-                      <a:prstDash val="solid"/>
-                      <a:round/>
-                      <a:headEnd type="none" w="med" len="med"/>
-                      <a:tailEnd type="none" w="med" len="med"/>
-                    </a:lnL>
-                    <a:lnR w="12700" cap="flat" cmpd="sng" algn="ctr">
-                      <a:solidFill>
-                        <a:schemeClr val="bg1">
-                          <a:lumMod val="65000"/>
-                        </a:schemeClr>
-                      </a:solidFill>
-                      <a:prstDash val="solid"/>
-                      <a:round/>
-                      <a:headEnd type="none" w="med" len="med"/>
-                      <a:tailEnd type="none" w="med" len="med"/>
-                    </a:lnR>
-                    <a:lnT w="12700" cap="flat" cmpd="sng" algn="ctr">
-                      <a:solidFill>
-                        <a:schemeClr val="bg1">
-                          <a:lumMod val="65000"/>
-                        </a:schemeClr>
-                      </a:solidFill>
-                      <a:prstDash val="solid"/>
-                      <a:round/>
-                      <a:headEnd type="none" w="med" len="med"/>
-                      <a:tailEnd type="none" w="med" len="med"/>
-                    </a:lnT>
-                    <a:lnB w="12700" cap="flat" cmpd="sng" algn="ctr">
-                      <a:solidFill>
-                        <a:schemeClr val="bg1">
-                          <a:lumMod val="65000"/>
-                        </a:schemeClr>
-                      </a:solidFill>
-                      <a:prstDash val="solid"/>
-                      <a:round/>
-                      <a:headEnd type="none" w="med" len="med"/>
-                      <a:tailEnd type="none" w="med" len="med"/>
-                    </a:lnB>
-                  </a:tcPr>
-                </a:tc>
-                <a:tc>
-                  <a:txBody>
-                    <a:bodyPr/>
-                    <a:lstStyle/>
-                    <a:p>
-                      <a:pPr algn="l" fontAlgn="b"/>
-                      <a:r>
-                        <a:rPr lang="en-US" sz="1100" b="0" i="0" u="none" strike="noStrike">
-                          <a:solidFill>
-                            <a:schemeClr val="bg1"/>
-                          </a:solidFill>
-                          <a:effectLst/>
-                          <a:latin typeface="Arial"/>
-                        </a:rPr>
-                        <a:t>May 17</a:t>
-                      </a:r>
-                    </a:p>
-                  </a:txBody>
-                  <a:tcPr marL="9525" marR="9525" marT="9525" marB="0" anchor="b">
-                    <a:lnL w="12700" cap="flat" cmpd="sng" algn="ctr">
-                      <a:solidFill>
-                        <a:schemeClr val="bg1">
-                          <a:lumMod val="65000"/>
-                        </a:schemeClr>
-                      </a:solidFill>
-                      <a:prstDash val="solid"/>
-                      <a:round/>
-                      <a:headEnd type="none" w="med" len="med"/>
-                      <a:tailEnd type="none" w="med" len="med"/>
-                    </a:lnL>
-                    <a:lnR w="12700" cap="flat" cmpd="sng" algn="ctr">
-                      <a:solidFill>
-                        <a:schemeClr val="bg1">
-                          <a:lumMod val="65000"/>
-                        </a:schemeClr>
-                      </a:solidFill>
-                      <a:prstDash val="solid"/>
-                      <a:round/>
-                      <a:headEnd type="none" w="med" len="med"/>
-                      <a:tailEnd type="none" w="med" len="med"/>
-                    </a:lnR>
-                    <a:lnT w="12700" cap="flat" cmpd="sng" algn="ctr">
-                      <a:solidFill>
-                        <a:schemeClr val="bg1">
-                          <a:lumMod val="65000"/>
-                        </a:schemeClr>
-                      </a:solidFill>
-                      <a:prstDash val="solid"/>
-                      <a:round/>
-                      <a:headEnd type="none" w="med" len="med"/>
-                      <a:tailEnd type="none" w="med" len="med"/>
-                    </a:lnT>
-                    <a:lnB w="12700" cap="flat" cmpd="sng" algn="ctr">
-                      <a:solidFill>
-                        <a:schemeClr val="bg1">
-                          <a:lumMod val="65000"/>
-                        </a:schemeClr>
-                      </a:solidFill>
-                      <a:prstDash val="solid"/>
-                      <a:round/>
-                      <a:headEnd type="none" w="med" len="med"/>
-                      <a:tailEnd type="none" w="med" len="med"/>
-                    </a:lnB>
-                  </a:tcPr>
-                </a:tc>
-                <a:tc>
-                  <a:txBody>
-                    <a:bodyPr/>
-                    <a:lstStyle/>
-                    <a:p>
-                      <a:pPr algn="ctr" fontAlgn="ctr"/>
-                      <a:r>
-                        <a:rPr lang="en-US" sz="1100" b="0" i="0" u="none" strike="noStrike">
-                          <a:solidFill>
-                            <a:schemeClr val="bg1"/>
-                          </a:solidFill>
-                          <a:effectLst/>
-                          <a:latin typeface="Arial"/>
-                        </a:rPr>
-                        <a:t>10</a:t>
-                      </a:r>
-                    </a:p>
-                  </a:txBody>
-                  <a:tcPr marL="9525" marR="9525" marT="9525" marB="0" anchor="ctr">
-                    <a:lnL w="12700" cap="flat" cmpd="sng" algn="ctr">
-                      <a:solidFill>
-                        <a:schemeClr val="bg1">
-                          <a:lumMod val="65000"/>
-                        </a:schemeClr>
-                      </a:solidFill>
-                      <a:prstDash val="solid"/>
-                      <a:round/>
-                      <a:headEnd type="none" w="med" len="med"/>
-                      <a:tailEnd type="none" w="med" len="med"/>
-                    </a:lnL>
-                    <a:lnR w="12700" cap="flat" cmpd="sng" algn="ctr">
-                      <a:solidFill>
-                        <a:schemeClr val="bg1">
-                          <a:lumMod val="65000"/>
-                        </a:schemeClr>
-                      </a:solidFill>
-                      <a:prstDash val="solid"/>
-                      <a:round/>
-                      <a:headEnd type="none" w="med" len="med"/>
-                      <a:tailEnd type="none" w="med" len="med"/>
-                    </a:lnR>
-                    <a:lnT w="12700" cap="flat" cmpd="sng" algn="ctr">
-                      <a:solidFill>
-                        <a:schemeClr val="bg1">
-                          <a:lumMod val="65000"/>
-                        </a:schemeClr>
-                      </a:solidFill>
-                      <a:prstDash val="solid"/>
-                      <a:round/>
-                      <a:headEnd type="none" w="med" len="med"/>
-                      <a:tailEnd type="none" w="med" len="med"/>
-                    </a:lnT>
-                    <a:lnB w="12700" cap="flat" cmpd="sng" algn="ctr">
-                      <a:solidFill>
-                        <a:schemeClr val="bg1">
-                          <a:lumMod val="65000"/>
-                        </a:schemeClr>
-                      </a:solidFill>
-                      <a:prstDash val="solid"/>
-                      <a:round/>
-                      <a:headEnd type="none" w="med" len="med"/>
-                      <a:tailEnd type="none" w="med" len="med"/>
-                    </a:lnB>
-                  </a:tcPr>
-                </a:tc>
-                <a:extLst>
-                  <a:ext uri="{0D108BD9-81ED-4DB2-BD59-A6C34878D82A}">
-                    <a16:rowId xmlns:a16="http://schemas.microsoft.com/office/drawing/2014/main" val="10003"/>
-                  </a:ext>
-                </a:extLst>
-              </a:tr>
-              <a:tr h="380999">
-                <a:tc>
-                  <a:txBody>
-                    <a:bodyPr/>
-                    <a:lstStyle/>
-                    <a:p>
-                      <a:pPr algn="l" fontAlgn="b"/>
-                      <a:r>
-                        <a:rPr lang="en-US" sz="1100" b="0" i="0" u="none" strike="noStrike">
-                          <a:solidFill>
-                            <a:schemeClr val="bg1"/>
-                          </a:solidFill>
-                          <a:effectLst/>
-                          <a:latin typeface="Arial"/>
-                        </a:rPr>
-                        <a:t>Leadership</a:t>
-                      </a:r>
-                    </a:p>
-                  </a:txBody>
-                  <a:tcPr marL="9525" marR="9525" marT="9525" marB="0" anchor="ctr">
-                    <a:lnL w="12700" cap="flat" cmpd="sng" algn="ctr">
-                      <a:solidFill>
-                        <a:schemeClr val="bg1">
-                          <a:lumMod val="65000"/>
-                        </a:schemeClr>
-                      </a:solidFill>
-                      <a:prstDash val="solid"/>
-                      <a:round/>
-                      <a:headEnd type="none" w="med" len="med"/>
-                      <a:tailEnd type="none" w="med" len="med"/>
-                    </a:lnL>
-                    <a:lnR w="12700" cap="flat" cmpd="sng" algn="ctr">
-                      <a:solidFill>
-                        <a:schemeClr val="bg1">
-                          <a:lumMod val="65000"/>
-                        </a:schemeClr>
-                      </a:solidFill>
-                      <a:prstDash val="solid"/>
-                      <a:round/>
-                      <a:headEnd type="none" w="med" len="med"/>
-                      <a:tailEnd type="none" w="med" len="med"/>
-                    </a:lnR>
-                    <a:lnT w="12700" cap="flat" cmpd="sng" algn="ctr">
-                      <a:solidFill>
-                        <a:schemeClr val="bg1">
-                          <a:lumMod val="65000"/>
-                        </a:schemeClr>
-                      </a:solidFill>
-                      <a:prstDash val="solid"/>
-                      <a:round/>
-                      <a:headEnd type="none" w="med" len="med"/>
-                      <a:tailEnd type="none" w="med" len="med"/>
-                    </a:lnT>
-                    <a:lnB w="12700" cap="flat" cmpd="sng" algn="ctr">
-                      <a:solidFill>
-                        <a:schemeClr val="bg1">
-                          <a:lumMod val="65000"/>
-                        </a:schemeClr>
-                      </a:solidFill>
-                      <a:prstDash val="solid"/>
-                      <a:round/>
-                      <a:headEnd type="none" w="med" len="med"/>
-                      <a:tailEnd type="none" w="med" len="med"/>
-                    </a:lnB>
-                  </a:tcPr>
-                </a:tc>
-                <a:tc>
-                  <a:txBody>
-                    <a:bodyPr/>
-                    <a:lstStyle/>
-                    <a:p>
-                      <a:pPr algn="l" fontAlgn="b"/>
-                      <a:r>
-                        <a:rPr lang="en-US" sz="1100" b="0" i="0" u="none" strike="noStrike">
-                          <a:solidFill>
-                            <a:schemeClr val="bg1"/>
-                          </a:solidFill>
-                          <a:effectLst/>
-                          <a:latin typeface="Arial"/>
-                        </a:rPr>
-                        <a:t>May 4</a:t>
-                      </a:r>
-                    </a:p>
-                  </a:txBody>
-                  <a:tcPr marL="9525" marR="9525" marT="9525" marB="0" anchor="b">
-                    <a:lnL w="12700" cap="flat" cmpd="sng" algn="ctr">
-                      <a:solidFill>
-                        <a:schemeClr val="bg1">
-                          <a:lumMod val="65000"/>
-                        </a:schemeClr>
-                      </a:solidFill>
-                      <a:prstDash val="solid"/>
-                      <a:round/>
-                      <a:headEnd type="none" w="med" len="med"/>
-                      <a:tailEnd type="none" w="med" len="med"/>
-                    </a:lnL>
-                    <a:lnR w="12700" cap="flat" cmpd="sng" algn="ctr">
-                      <a:solidFill>
-                        <a:schemeClr val="bg1">
-                          <a:lumMod val="65000"/>
-                        </a:schemeClr>
-                      </a:solidFill>
-                      <a:prstDash val="solid"/>
-                      <a:round/>
-                      <a:headEnd type="none" w="med" len="med"/>
-                      <a:tailEnd type="none" w="med" len="med"/>
-                    </a:lnR>
-                    <a:lnT w="12700" cap="flat" cmpd="sng" algn="ctr">
-                      <a:solidFill>
-                        <a:schemeClr val="bg1">
-                          <a:lumMod val="65000"/>
-                        </a:schemeClr>
-                      </a:solidFill>
-                      <a:prstDash val="solid"/>
-                      <a:round/>
-                      <a:headEnd type="none" w="med" len="med"/>
-                      <a:tailEnd type="none" w="med" len="med"/>
-                    </a:lnT>
-                    <a:lnB w="12700" cap="flat" cmpd="sng" algn="ctr">
-                      <a:solidFill>
-                        <a:schemeClr val="bg1">
-                          <a:lumMod val="65000"/>
-                        </a:schemeClr>
-                      </a:solidFill>
-                      <a:prstDash val="solid"/>
-                      <a:round/>
-                      <a:headEnd type="none" w="med" len="med"/>
-                      <a:tailEnd type="none" w="med" len="med"/>
-                    </a:lnB>
-                  </a:tcPr>
-                </a:tc>
-                <a:tc>
-                  <a:txBody>
-                    <a:bodyPr/>
-                    <a:lstStyle/>
-                    <a:p>
-                      <a:pPr algn="ctr" fontAlgn="ctr"/>
-                      <a:r>
-                        <a:rPr lang="en-US" sz="1100" b="0" i="0" u="none" strike="noStrike">
-                          <a:solidFill>
-                            <a:schemeClr val="bg1"/>
-                          </a:solidFill>
-                          <a:effectLst/>
-                          <a:latin typeface="Arial"/>
-                        </a:rPr>
-                        <a:t>2.5</a:t>
-                      </a:r>
-                    </a:p>
-                  </a:txBody>
-                  <a:tcPr marL="9525" marR="9525" marT="9525" marB="0" anchor="ctr">
-                    <a:lnL w="12700" cap="flat" cmpd="sng" algn="ctr">
-                      <a:solidFill>
-                        <a:schemeClr val="bg1">
-                          <a:lumMod val="65000"/>
-                        </a:schemeClr>
-                      </a:solidFill>
-                      <a:prstDash val="solid"/>
-                      <a:round/>
-                      <a:headEnd type="none" w="med" len="med"/>
-                      <a:tailEnd type="none" w="med" len="med"/>
-                    </a:lnL>
-                    <a:lnR w="12700" cap="flat" cmpd="sng" algn="ctr">
-                      <a:solidFill>
-                        <a:schemeClr val="bg1">
-                          <a:lumMod val="65000"/>
-                        </a:schemeClr>
-                      </a:solidFill>
-                      <a:prstDash val="solid"/>
-                      <a:round/>
-                      <a:headEnd type="none" w="med" len="med"/>
-                      <a:tailEnd type="none" w="med" len="med"/>
-                    </a:lnR>
-                    <a:lnT w="12700" cap="flat" cmpd="sng" algn="ctr">
-                      <a:solidFill>
-                        <a:schemeClr val="bg1">
-                          <a:lumMod val="65000"/>
-                        </a:schemeClr>
-                      </a:solidFill>
-                      <a:prstDash val="solid"/>
-                      <a:round/>
-                      <a:headEnd type="none" w="med" len="med"/>
-                      <a:tailEnd type="none" w="med" len="med"/>
-                    </a:lnT>
-                    <a:lnB w="12700" cap="flat" cmpd="sng" algn="ctr">
-                      <a:solidFill>
-                        <a:schemeClr val="bg1">
-                          <a:lumMod val="65000"/>
-                        </a:schemeClr>
-                      </a:solidFill>
-                      <a:prstDash val="solid"/>
-                      <a:round/>
-                      <a:headEnd type="none" w="med" len="med"/>
-                      <a:tailEnd type="none" w="med" len="med"/>
-                    </a:lnB>
-                  </a:tcPr>
-                </a:tc>
-                <a:extLst>
-                  <a:ext uri="{0D108BD9-81ED-4DB2-BD59-A6C34878D82A}">
-                    <a16:rowId xmlns:a16="http://schemas.microsoft.com/office/drawing/2014/main" val="10004"/>
-                  </a:ext>
-                </a:extLst>
-              </a:tr>
-              <a:tr h="380999">
-                <a:tc>
-                  <a:txBody>
-                    <a:bodyPr/>
-                    <a:lstStyle/>
-                    <a:p>
-                      <a:pPr lvl="0" algn="l">
-                        <a:buNone/>
-                      </a:pPr>
-                      <a:r>
-                        <a:rPr lang="en-US" sz="1100" b="0" i="0" u="none" strike="noStrike">
-                          <a:solidFill>
-                            <a:schemeClr val="bg1"/>
-                          </a:solidFill>
-                          <a:effectLst/>
-                          <a:latin typeface="Arial"/>
-                        </a:rPr>
-                        <a:t>Class</a:t>
-                      </a:r>
-                    </a:p>
-                  </a:txBody>
-                  <a:tcPr marL="9525" marR="9525" marT="9525" marB="0" anchor="ctr">
-                    <a:lnL w="12700" cap="flat" cmpd="sng" algn="ctr">
-                      <a:solidFill>
-                        <a:schemeClr val="bg1">
-                          <a:lumMod val="65000"/>
-                        </a:schemeClr>
-                      </a:solidFill>
-                      <a:prstDash val="solid"/>
-                      <a:round/>
-                      <a:headEnd type="none" w="med" len="med"/>
-                      <a:tailEnd type="none" w="med" len="med"/>
-                    </a:lnL>
-                    <a:lnR w="12700" cap="flat" cmpd="sng" algn="ctr">
-                      <a:solidFill>
-                        <a:schemeClr val="bg1">
-                          <a:lumMod val="65000"/>
-                        </a:schemeClr>
-                      </a:solidFill>
-                      <a:prstDash val="solid"/>
-                      <a:round/>
-                      <a:headEnd type="none" w="med" len="med"/>
-                      <a:tailEnd type="none" w="med" len="med"/>
-                    </a:lnR>
-                    <a:lnT w="12700" cap="flat" cmpd="sng" algn="ctr">
-                      <a:solidFill>
-                        <a:schemeClr val="bg1">
-                          <a:lumMod val="65000"/>
-                        </a:schemeClr>
-                      </a:solidFill>
-                      <a:prstDash val="solid"/>
-                      <a:round/>
-                      <a:headEnd type="none" w="med" len="med"/>
-                      <a:tailEnd type="none" w="med" len="med"/>
-                    </a:lnT>
-                    <a:lnB w="12700" cap="flat" cmpd="sng" algn="ctr">
-                      <a:solidFill>
-                        <a:schemeClr val="bg1">
-                          <a:lumMod val="65000"/>
-                        </a:schemeClr>
-                      </a:solidFill>
-                      <a:prstDash val="solid"/>
-                      <a:round/>
-                      <a:headEnd type="none" w="med" len="med"/>
-                      <a:tailEnd type="none" w="med" len="med"/>
-                    </a:lnB>
-                  </a:tcPr>
-                </a:tc>
-                <a:tc>
-                  <a:txBody>
-                    <a:bodyPr/>
-                    <a:lstStyle/>
-                    <a:p>
-                      <a:pPr lvl="0" algn="l">
-                        <a:buNone/>
-                      </a:pPr>
-                      <a:r>
-                        <a:rPr lang="en-US" sz="1100" b="0" i="0" u="none" strike="noStrike">
-                          <a:solidFill>
-                            <a:schemeClr val="bg1"/>
-                          </a:solidFill>
-                          <a:effectLst/>
-                          <a:latin typeface="Arial"/>
-                        </a:rPr>
-                        <a:t>Thursday</a:t>
-                      </a:r>
-                    </a:p>
-                  </a:txBody>
-                  <a:tcPr marL="9525" marR="9525" marT="9525" marB="0" anchor="b">
-                    <a:lnL w="12700" cap="flat" cmpd="sng" algn="ctr">
-                      <a:solidFill>
-                        <a:schemeClr val="bg1">
-                          <a:lumMod val="65000"/>
-                        </a:schemeClr>
-                      </a:solidFill>
-                      <a:prstDash val="solid"/>
-                      <a:round/>
-                      <a:headEnd type="none" w="med" len="med"/>
-                      <a:tailEnd type="none" w="med" len="med"/>
-                    </a:lnL>
-                    <a:lnR w="12700" cap="flat" cmpd="sng" algn="ctr">
-                      <a:solidFill>
-                        <a:schemeClr val="bg1">
-                          <a:lumMod val="65000"/>
-                        </a:schemeClr>
-                      </a:solidFill>
-                      <a:prstDash val="solid"/>
-                      <a:round/>
-                      <a:headEnd type="none" w="med" len="med"/>
-                      <a:tailEnd type="none" w="med" len="med"/>
-                    </a:lnR>
-                    <a:lnT w="12700" cap="flat" cmpd="sng" algn="ctr">
-                      <a:solidFill>
-                        <a:schemeClr val="bg1">
-                          <a:lumMod val="65000"/>
-                        </a:schemeClr>
-                      </a:solidFill>
-                      <a:prstDash val="solid"/>
-                      <a:round/>
-                      <a:headEnd type="none" w="med" len="med"/>
-                      <a:tailEnd type="none" w="med" len="med"/>
-                    </a:lnT>
-                    <a:lnB w="12700" cap="flat" cmpd="sng" algn="ctr">
-                      <a:solidFill>
-                        <a:schemeClr val="bg1">
-                          <a:lumMod val="65000"/>
-                        </a:schemeClr>
-                      </a:solidFill>
-                      <a:prstDash val="solid"/>
-                      <a:round/>
-                      <a:headEnd type="none" w="med" len="med"/>
-                      <a:tailEnd type="none" w="med" len="med"/>
-                    </a:lnB>
-                  </a:tcPr>
-                </a:tc>
-                <a:tc>
-                  <a:txBody>
-                    <a:bodyPr/>
-                    <a:lstStyle/>
-                    <a:p>
-                      <a:pPr lvl="0" algn="ctr">
-                        <a:buNone/>
-                      </a:pPr>
-                      <a:r>
-                        <a:rPr lang="en-US" sz="1100" b="0" i="0" u="none" strike="noStrike">
-                          <a:solidFill>
-                            <a:schemeClr val="bg1"/>
-                          </a:solidFill>
-                          <a:effectLst/>
-                          <a:latin typeface="Arial"/>
-                        </a:rPr>
-                        <a:t>6</a:t>
-                      </a:r>
-                    </a:p>
-                  </a:txBody>
-                  <a:tcPr marL="9525" marR="9525" marT="9525" marB="0" anchor="ctr">
-                    <a:lnL w="12700" cap="flat" cmpd="sng" algn="ctr">
-                      <a:solidFill>
-                        <a:schemeClr val="bg1">
-                          <a:lumMod val="65000"/>
-                        </a:schemeClr>
-                      </a:solidFill>
-                      <a:prstDash val="solid"/>
-                      <a:round/>
-                      <a:headEnd type="none" w="med" len="med"/>
-                      <a:tailEnd type="none" w="med" len="med"/>
-                    </a:lnL>
-                    <a:lnR w="12700" cap="flat" cmpd="sng" algn="ctr">
-                      <a:solidFill>
-                        <a:schemeClr val="bg1">
-                          <a:lumMod val="65000"/>
-                        </a:schemeClr>
-                      </a:solidFill>
-                      <a:prstDash val="solid"/>
-                      <a:round/>
-                      <a:headEnd type="none" w="med" len="med"/>
-                      <a:tailEnd type="none" w="med" len="med"/>
-                    </a:lnR>
-                    <a:lnT w="12700" cap="flat" cmpd="sng" algn="ctr">
-                      <a:solidFill>
-                        <a:schemeClr val="bg1">
-                          <a:lumMod val="65000"/>
-                        </a:schemeClr>
-                      </a:solidFill>
-                      <a:prstDash val="solid"/>
-                      <a:round/>
-                      <a:headEnd type="none" w="med" len="med"/>
-                      <a:tailEnd type="none" w="med" len="med"/>
-                    </a:lnT>
-                    <a:lnB w="12700" cap="flat" cmpd="sng" algn="ctr">
-                      <a:solidFill>
-                        <a:schemeClr val="bg1">
-                          <a:lumMod val="65000"/>
-                        </a:schemeClr>
-                      </a:solidFill>
-                      <a:prstDash val="solid"/>
-                      <a:round/>
-                      <a:headEnd type="none" w="med" len="med"/>
-                      <a:tailEnd type="none" w="med" len="med"/>
-                    </a:lnB>
-                  </a:tcPr>
-                </a:tc>
-                <a:extLst>
-                  <a:ext uri="{0D108BD9-81ED-4DB2-BD59-A6C34878D82A}">
-                    <a16:rowId xmlns:a16="http://schemas.microsoft.com/office/drawing/2014/main" val="180957332"/>
-                  </a:ext>
-                </a:extLst>
-              </a:tr>
-              <a:tr h="380999">
-                <a:tc>
-                  <a:txBody>
-                    <a:bodyPr/>
-                    <a:lstStyle/>
-                    <a:p>
-                      <a:pPr lvl="0" algn="l">
-                        <a:buNone/>
-                      </a:pPr>
-                      <a:r>
-                        <a:rPr lang="en-US" sz="1100" b="0" i="0" u="none" strike="noStrike">
-                          <a:solidFill>
-                            <a:schemeClr val="bg1"/>
-                          </a:solidFill>
-                          <a:effectLst/>
-                          <a:latin typeface="Arial"/>
-                        </a:rPr>
-                        <a:t>Review Past Semester</a:t>
-                      </a:r>
-                    </a:p>
-                  </a:txBody>
-                  <a:tcPr marL="9525" marR="9525" marT="9525" marB="0" anchor="ctr">
-                    <a:lnL w="12700" cap="flat" cmpd="sng" algn="ctr">
-                      <a:solidFill>
-                        <a:schemeClr val="bg1">
-                          <a:lumMod val="65000"/>
-                        </a:schemeClr>
-                      </a:solidFill>
-                      <a:prstDash val="solid"/>
-                      <a:round/>
-                      <a:headEnd type="none" w="med" len="med"/>
-                      <a:tailEnd type="none" w="med" len="med"/>
-                    </a:lnL>
-                    <a:lnR w="12700" cap="flat" cmpd="sng" algn="ctr">
-                      <a:solidFill>
-                        <a:schemeClr val="bg1">
-                          <a:lumMod val="65000"/>
-                        </a:schemeClr>
-                      </a:solidFill>
-                      <a:prstDash val="solid"/>
-                      <a:round/>
-                      <a:headEnd type="none" w="med" len="med"/>
-                      <a:tailEnd type="none" w="med" len="med"/>
-                    </a:lnR>
-                    <a:lnT w="12700" cap="flat" cmpd="sng" algn="ctr">
-                      <a:solidFill>
-                        <a:schemeClr val="bg1">
-                          <a:lumMod val="65000"/>
-                        </a:schemeClr>
-                      </a:solidFill>
-                      <a:prstDash val="solid"/>
-                      <a:round/>
-                      <a:headEnd type="none" w="med" len="med"/>
-                      <a:tailEnd type="none" w="med" len="med"/>
-                    </a:lnT>
-                    <a:lnB w="12700" cap="flat" cmpd="sng" algn="ctr">
-                      <a:solidFill>
-                        <a:schemeClr val="bg1">
-                          <a:lumMod val="65000"/>
-                        </a:schemeClr>
-                      </a:solidFill>
-                      <a:prstDash val="solid"/>
-                      <a:round/>
-                      <a:headEnd type="none" w="med" len="med"/>
-                      <a:tailEnd type="none" w="med" len="med"/>
-                    </a:lnB>
-                  </a:tcPr>
-                </a:tc>
-                <a:tc>
-                  <a:txBody>
-                    <a:bodyPr/>
-                    <a:lstStyle/>
-                    <a:p>
-                      <a:pPr lvl="0" algn="l">
-                        <a:buNone/>
-                      </a:pPr>
-                      <a:r>
-                        <a:rPr lang="en-US" sz="1100" b="0" i="0" u="none" strike="noStrike">
-                          <a:solidFill>
-                            <a:schemeClr val="bg1"/>
-                          </a:solidFill>
-                          <a:effectLst/>
-                          <a:latin typeface="Arial"/>
-                        </a:rPr>
-                        <a:t>May 4</a:t>
-                      </a:r>
-                    </a:p>
-                  </a:txBody>
-                  <a:tcPr marL="9525" marR="9525" marT="9525" marB="0" anchor="b">
-                    <a:lnL w="12700" cap="flat" cmpd="sng" algn="ctr">
-                      <a:solidFill>
-                        <a:schemeClr val="bg1">
-                          <a:lumMod val="65000"/>
-                        </a:schemeClr>
-                      </a:solidFill>
-                      <a:prstDash val="solid"/>
-                      <a:round/>
-                      <a:headEnd type="none" w="med" len="med"/>
-                      <a:tailEnd type="none" w="med" len="med"/>
-                    </a:lnL>
-                    <a:lnR w="12700" cap="flat" cmpd="sng" algn="ctr">
-                      <a:solidFill>
-                        <a:schemeClr val="bg1">
-                          <a:lumMod val="65000"/>
-                        </a:schemeClr>
-                      </a:solidFill>
-                      <a:prstDash val="solid"/>
-                      <a:round/>
-                      <a:headEnd type="none" w="med" len="med"/>
-                      <a:tailEnd type="none" w="med" len="med"/>
-                    </a:lnR>
-                    <a:lnT w="12700" cap="flat" cmpd="sng" algn="ctr">
-                      <a:solidFill>
-                        <a:schemeClr val="bg1">
-                          <a:lumMod val="65000"/>
-                        </a:schemeClr>
-                      </a:solidFill>
-                      <a:prstDash val="solid"/>
-                      <a:round/>
-                      <a:headEnd type="none" w="med" len="med"/>
-                      <a:tailEnd type="none" w="med" len="med"/>
-                    </a:lnT>
-                    <a:lnB w="12700" cap="flat" cmpd="sng" algn="ctr">
-                      <a:solidFill>
-                        <a:schemeClr val="bg1">
-                          <a:lumMod val="65000"/>
-                        </a:schemeClr>
-                      </a:solidFill>
-                      <a:prstDash val="solid"/>
-                      <a:round/>
-                      <a:headEnd type="none" w="med" len="med"/>
-                      <a:tailEnd type="none" w="med" len="med"/>
-                    </a:lnB>
-                  </a:tcPr>
-                </a:tc>
-                <a:tc>
-                  <a:txBody>
-                    <a:bodyPr/>
-                    <a:lstStyle/>
-                    <a:p>
-                      <a:pPr lvl="0" algn="ctr">
-                        <a:buNone/>
-                      </a:pPr>
-                      <a:r>
-                        <a:rPr lang="en-US" sz="1100" b="0" i="0" u="none" strike="noStrike">
-                          <a:solidFill>
-                            <a:schemeClr val="bg1"/>
-                          </a:solidFill>
-                          <a:effectLst/>
-                          <a:latin typeface="Arial"/>
-                        </a:rPr>
-                        <a:t>5</a:t>
-                      </a:r>
-                    </a:p>
-                  </a:txBody>
-                  <a:tcPr marL="9525" marR="9525" marT="9525" marB="0" anchor="ctr">
-                    <a:lnL w="12700" cap="flat" cmpd="sng" algn="ctr">
-                      <a:solidFill>
-                        <a:schemeClr val="bg1">
-                          <a:lumMod val="65000"/>
-                        </a:schemeClr>
-                      </a:solidFill>
-                      <a:prstDash val="solid"/>
-                      <a:round/>
-                      <a:headEnd type="none" w="med" len="med"/>
-                      <a:tailEnd type="none" w="med" len="med"/>
-                    </a:lnL>
-                    <a:lnR w="12700" cap="flat" cmpd="sng" algn="ctr">
-                      <a:solidFill>
-                        <a:schemeClr val="bg1">
-                          <a:lumMod val="65000"/>
-                        </a:schemeClr>
-                      </a:solidFill>
-                      <a:prstDash val="solid"/>
-                      <a:round/>
-                      <a:headEnd type="none" w="med" len="med"/>
-                      <a:tailEnd type="none" w="med" len="med"/>
-                    </a:lnR>
-                    <a:lnT w="12700" cap="flat" cmpd="sng" algn="ctr">
-                      <a:solidFill>
-                        <a:schemeClr val="bg1">
-                          <a:lumMod val="65000"/>
-                        </a:schemeClr>
-                      </a:solidFill>
-                      <a:prstDash val="solid"/>
-                      <a:round/>
-                      <a:headEnd type="none" w="med" len="med"/>
-                      <a:tailEnd type="none" w="med" len="med"/>
-                    </a:lnT>
-                    <a:lnB w="12700" cap="flat" cmpd="sng" algn="ctr">
-                      <a:solidFill>
-                        <a:schemeClr val="bg1">
-                          <a:lumMod val="65000"/>
-                        </a:schemeClr>
-                      </a:solidFill>
-                      <a:prstDash val="solid"/>
-                      <a:round/>
-                      <a:headEnd type="none" w="med" len="med"/>
-                      <a:tailEnd type="none" w="med" len="med"/>
-                    </a:lnB>
-                  </a:tcPr>
-                </a:tc>
-                <a:extLst>
-                  <a:ext uri="{0D108BD9-81ED-4DB2-BD59-A6C34878D82A}">
-                    <a16:rowId xmlns:a16="http://schemas.microsoft.com/office/drawing/2014/main" val="2277636154"/>
-                  </a:ext>
-                </a:extLst>
-              </a:tr>
-            </a:tbl>
-          </a:graphicData>
-        </a:graphic>
-      </p:graphicFrame>
-      <p:graphicFrame>
-        <p:nvGraphicFramePr>
-          <p:cNvPr id="4" name="Table 3"/>
-          <p:cNvGraphicFramePr>
-            <a:graphicFrameLocks noGrp="1"/>
-          </p:cNvGraphicFramePr>
-          <p:nvPr>
-            <p:extLst>
-              <p:ext uri="{D42A27DB-BD31-4B8C-83A1-F6EECF244321}">
-                <p14:modId xmlns:p14="http://schemas.microsoft.com/office/powerpoint/2010/main" val="1342804545"/>
-              </p:ext>
-            </p:extLst>
-          </p:nvPr>
-        </p:nvGraphicFramePr>
-        <p:xfrm>
-          <a:off x="5870581" y="4459857"/>
-          <a:ext cx="5749969" cy="609600"/>
-        </p:xfrm>
-        <a:graphic>
-          <a:graphicData uri="http://schemas.openxmlformats.org/drawingml/2006/table">
-            <a:tbl>
-              <a:tblPr lastCol="1" bandRow="1">
-                <a:tableStyleId>{2D5ABB26-0587-4C30-8999-92F81FD0307C}</a:tableStyleId>
-              </a:tblPr>
-              <a:tblGrid>
-                <a:gridCol w="5054774">
-                  <a:extLst>
-                    <a:ext uri="{9D8B030D-6E8A-4147-A177-3AD203B41FA5}">
-                      <a16:colId xmlns:a16="http://schemas.microsoft.com/office/drawing/2014/main" val="20000"/>
-                    </a:ext>
-                  </a:extLst>
-                </a:gridCol>
-                <a:gridCol w="695195">
-                  <a:extLst>
-                    <a:ext uri="{9D8B030D-6E8A-4147-A177-3AD203B41FA5}">
-                      <a16:colId xmlns:a16="http://schemas.microsoft.com/office/drawing/2014/main" val="20001"/>
-                    </a:ext>
-                  </a:extLst>
-                </a:gridCol>
-              </a:tblGrid>
-              <a:tr h="609600">
-                <a:tc>
-                  <a:txBody>
-                    <a:bodyPr/>
-                    <a:lstStyle/>
-                    <a:p>
-                      <a:pPr algn="ctr" fontAlgn="b"/>
-                      <a:r>
-                        <a:rPr lang="en-US" sz="1100" u="none" strike="noStrike">
-                          <a:solidFill>
-                            <a:schemeClr val="bg1"/>
-                          </a:solidFill>
-                          <a:effectLst/>
-                        </a:rPr>
-                        <a:t>Estimated time needed to work on </a:t>
-                      </a:r>
-                      <a:r>
-                        <a:rPr lang="en-US" sz="1100" u="none" strike="noStrike" baseline="0">
-                          <a:solidFill>
-                            <a:schemeClr val="bg1"/>
-                          </a:solidFill>
-                          <a:effectLst/>
-                        </a:rPr>
-                        <a:t>goals for this coming week (typ. 13 </a:t>
-                      </a:r>
-                      <a:r>
-                        <a:rPr lang="en-US" sz="1100" u="none" strike="noStrike" baseline="0" err="1">
-                          <a:solidFill>
-                            <a:schemeClr val="bg1"/>
-                          </a:solidFill>
-                          <a:effectLst/>
-                        </a:rPr>
-                        <a:t>hrs</a:t>
-                      </a:r>
-                      <a:r>
-                        <a:rPr lang="en-US" sz="1100" u="none" strike="noStrike" baseline="0">
-                          <a:solidFill>
-                            <a:schemeClr val="bg1"/>
-                          </a:solidFill>
-                          <a:effectLst/>
-                        </a:rPr>
-                        <a:t>)</a:t>
-                      </a:r>
-                      <a:endParaRPr lang="en-US" sz="1100" b="0" i="0" u="none" strike="noStrike">
-                        <a:solidFill>
-                          <a:schemeClr val="bg1"/>
-                        </a:solidFill>
-                        <a:effectLst/>
-                        <a:latin typeface="Calibri" panose="020F0502020204030204" pitchFamily="34" charset="0"/>
-                      </a:endParaRPr>
-                    </a:p>
-                  </a:txBody>
-                  <a:tcPr marL="9525" marR="9525" marT="9525" marB="0" anchor="ctr">
-                    <a:lnL w="12700" cap="flat" cmpd="sng" algn="ctr">
-                      <a:solidFill>
-                        <a:schemeClr val="bg1">
-                          <a:lumMod val="65000"/>
-                        </a:schemeClr>
-                      </a:solidFill>
-                      <a:prstDash val="solid"/>
-                      <a:round/>
-                      <a:headEnd type="none" w="med" len="med"/>
-                      <a:tailEnd type="none" w="med" len="med"/>
-                    </a:lnL>
-                    <a:lnR w="12700" cap="flat" cmpd="sng" algn="ctr">
-                      <a:solidFill>
-                        <a:schemeClr val="bg1">
-                          <a:lumMod val="65000"/>
-                        </a:schemeClr>
-                      </a:solidFill>
-                      <a:prstDash val="solid"/>
-                      <a:round/>
-                      <a:headEnd type="none" w="med" len="med"/>
-                      <a:tailEnd type="none" w="med" len="med"/>
-                    </a:lnR>
-                    <a:lnT w="12700" cap="flat" cmpd="sng" algn="ctr">
-                      <a:solidFill>
-                        <a:schemeClr val="bg1">
-                          <a:lumMod val="65000"/>
-                        </a:schemeClr>
-                      </a:solidFill>
-                      <a:prstDash val="solid"/>
-                      <a:round/>
-                      <a:headEnd type="none" w="med" len="med"/>
-                      <a:tailEnd type="none" w="med" len="med"/>
-                    </a:lnT>
-                    <a:lnB w="12700" cap="flat" cmpd="sng" algn="ctr">
-                      <a:solidFill>
-                        <a:schemeClr val="bg1">
-                          <a:lumMod val="65000"/>
-                        </a:schemeClr>
-                      </a:solidFill>
-                      <a:prstDash val="solid"/>
-                      <a:round/>
-                      <a:headEnd type="none" w="med" len="med"/>
-                      <a:tailEnd type="none" w="med" len="med"/>
-                    </a:lnB>
-                  </a:tcPr>
-                </a:tc>
-                <a:tc>
-                  <a:txBody>
-                    <a:bodyPr/>
-                    <a:lstStyle/>
-                    <a:p>
-                      <a:pPr algn="ctr" fontAlgn="b"/>
-                      <a:r>
-                        <a:rPr lang="en-US" sz="1100" b="0" i="0" u="none" strike="noStrike">
-                          <a:solidFill>
-                            <a:schemeClr val="bg1"/>
-                          </a:solidFill>
-                          <a:effectLst/>
-                          <a:latin typeface="Calibri"/>
-                        </a:rPr>
-                        <a:t>13</a:t>
-                      </a:r>
-                      <a:endParaRPr lang="en-US" sz="1100" b="0" i="0" u="none" strike="noStrike">
-                        <a:solidFill>
-                          <a:schemeClr val="bg1"/>
-                        </a:solidFill>
-                        <a:effectLst/>
-                        <a:latin typeface="Calibri" panose="020F0502020204030204" pitchFamily="34" charset="0"/>
-                      </a:endParaRPr>
-                    </a:p>
-                  </a:txBody>
-                  <a:tcPr marL="9525" marR="9525" marT="9525" marB="0" anchor="ctr">
-                    <a:lnL w="12700" cap="flat" cmpd="sng" algn="ctr">
-                      <a:solidFill>
-                        <a:schemeClr val="bg1">
-                          <a:lumMod val="65000"/>
-                        </a:schemeClr>
-                      </a:solidFill>
-                      <a:prstDash val="solid"/>
-                      <a:round/>
-                      <a:headEnd type="none" w="med" len="med"/>
-                      <a:tailEnd type="none" w="med" len="med"/>
-                    </a:lnL>
-                    <a:lnR w="12700" cap="flat" cmpd="sng" algn="ctr">
-                      <a:solidFill>
-                        <a:schemeClr val="bg1">
-                          <a:lumMod val="65000"/>
-                        </a:schemeClr>
-                      </a:solidFill>
-                      <a:prstDash val="solid"/>
-                      <a:round/>
-                      <a:headEnd type="none" w="med" len="med"/>
-                      <a:tailEnd type="none" w="med" len="med"/>
-                    </a:lnR>
-                    <a:lnT w="12700" cap="flat" cmpd="sng" algn="ctr">
-                      <a:solidFill>
-                        <a:schemeClr val="bg1">
-                          <a:lumMod val="65000"/>
-                        </a:schemeClr>
-                      </a:solidFill>
-                      <a:prstDash val="solid"/>
-                      <a:round/>
-                      <a:headEnd type="none" w="med" len="med"/>
-                      <a:tailEnd type="none" w="med" len="med"/>
-                    </a:lnT>
-                    <a:lnB w="12700" cap="flat" cmpd="sng" algn="ctr">
-                      <a:solidFill>
-                        <a:schemeClr val="bg1">
-                          <a:lumMod val="65000"/>
-                        </a:schemeClr>
-                      </a:solidFill>
-                      <a:prstDash val="solid"/>
-                      <a:round/>
-                      <a:headEnd type="none" w="med" len="med"/>
-                      <a:tailEnd type="none" w="med" len="med"/>
-                    </a:lnB>
-                  </a:tcPr>
-                </a:tc>
-                <a:extLst>
-                  <a:ext uri="{0D108BD9-81ED-4DB2-BD59-A6C34878D82A}">
-                    <a16:rowId xmlns:a16="http://schemas.microsoft.com/office/drawing/2014/main" val="10000"/>
-                  </a:ext>
-                </a:extLst>
-              </a:tr>
-            </a:tbl>
-          </a:graphicData>
-        </a:graphic>
-      </p:graphicFrame>
-    </p:spTree>
-    <p:extLst>
-      <p:ext uri="{BB962C8B-B14F-4D97-AF65-F5344CB8AC3E}">
-        <p14:creationId xmlns:p14="http://schemas.microsoft.com/office/powerpoint/2010/main" val="3815820193"/>
-      </p:ext>
-    </p:extLst>
-  </p:cSld>
-  <p:clrMapOvr>
-    <a:masterClrMapping/>
-  </p:clrMapOvr>
-  <p:transition>
-    <p:fade/>
-  </p:transition>
-</p:sld>
-</file>
-
-<file path=ppt/slides/slide23.xml><?xml version="1.0" encoding="utf-8"?>
-<p:sld xmlns:a="http://schemas.openxmlformats.org/drawingml/2006/main" xmlns:r="http://schemas.openxmlformats.org/officeDocument/2006/relationships" xmlns:p="http://schemas.openxmlformats.org/presentationml/2006/main">
-  <p:cSld>
-    <p:spTree>
-      <p:nvGrpSpPr>
-        <p:cNvPr id="1" name=""/>
-        <p:cNvGrpSpPr/>
-        <p:nvPr/>
-      </p:nvGrpSpPr>
-      <p:grpSpPr>
-        <a:xfrm>
-          <a:off x="0" y="0"/>
-          <a:ext cx="0" cy="0"/>
-          <a:chOff x="0" y="0"/>
-          <a:chExt cx="0" cy="0"/>
-        </a:xfrm>
-      </p:grpSpPr>
-      <p:sp>
-        <p:nvSpPr>
-          <p:cNvPr id="2" name="Title 1"/>
-          <p:cNvSpPr>
-            <a:spLocks noGrp="1"/>
-          </p:cNvSpPr>
-          <p:nvPr>
-            <p:ph type="title"/>
-          </p:nvPr>
-        </p:nvSpPr>
-        <p:spPr/>
-        <p:txBody>
-          <a:bodyPr/>
-          <a:lstStyle/>
-          <a:p>
-            <a:r>
-              <a:rPr lang="en-US"/>
               <a:t>How can we help you achieve your goals?</a:t>
             </a:r>
           </a:p>
@@ -16007,106 +13990,6 @@
     <p:extLst>
       <p:ext uri="{BB962C8B-B14F-4D97-AF65-F5344CB8AC3E}">
         <p14:creationId xmlns:p14="http://schemas.microsoft.com/office/powerpoint/2010/main" val="4256976090"/>
-      </p:ext>
-    </p:extLst>
-  </p:cSld>
-  <p:clrMapOvr>
-    <a:masterClrMapping/>
-  </p:clrMapOvr>
-  <p:transition>
-    <p:fade/>
-  </p:transition>
-</p:sld>
-</file>
-
-<file path=ppt/slides/slide24.xml><?xml version="1.0" encoding="utf-8"?>
-<p:sld xmlns:a="http://schemas.openxmlformats.org/drawingml/2006/main" xmlns:r="http://schemas.openxmlformats.org/officeDocument/2006/relationships" xmlns:p="http://schemas.openxmlformats.org/presentationml/2006/main">
-  <p:cSld>
-    <p:spTree>
-      <p:nvGrpSpPr>
-        <p:cNvPr id="1" name=""/>
-        <p:cNvGrpSpPr/>
-        <p:nvPr/>
-      </p:nvGrpSpPr>
-      <p:grpSpPr>
-        <a:xfrm>
-          <a:off x="0" y="0"/>
-          <a:ext cx="0" cy="0"/>
-          <a:chOff x="0" y="0"/>
-          <a:chExt cx="0" cy="0"/>
-        </a:xfrm>
-      </p:grpSpPr>
-      <p:sp>
-        <p:nvSpPr>
-          <p:cNvPr id="2" name="Rectangle 1"/>
-          <p:cNvSpPr/>
-          <p:nvPr/>
-        </p:nvSpPr>
-        <p:spPr bwMode="auto">
-          <a:xfrm>
-            <a:off x="-152400" y="-76200"/>
-            <a:ext cx="12573000" cy="6934200"/>
-          </a:xfrm>
-          <a:prstGeom prst="rect">
-            <a:avLst/>
-          </a:prstGeom>
-          <a:solidFill>
-            <a:schemeClr val="tx1"/>
-          </a:solidFill>
-          <a:ln w="9525" cap="flat" cmpd="sng" algn="ctr">
-            <a:solidFill>
-              <a:schemeClr val="tx1"/>
-            </a:solidFill>
-            <a:prstDash val="solid"/>
-            <a:round/>
-            <a:headEnd type="none" w="med" len="med"/>
-            <a:tailEnd type="none" w="med" len="med"/>
-          </a:ln>
-          <a:effectLst/>
-        </p:spPr>
-        <p:txBody>
-          <a:bodyPr vert="horz" wrap="square" lIns="91440" tIns="45720" rIns="91440" bIns="45720" numCol="1" rtlCol="0" anchor="t" anchorCtr="0" compatLnSpc="1">
-            <a:prstTxWarp prst="textNoShape">
-              <a:avLst/>
-            </a:prstTxWarp>
-          </a:bodyPr>
-          <a:lstStyle/>
-          <a:p>
-            <a:pPr marL="0" marR="0" indent="0" algn="l" defTabSz="914400" rtl="0" eaLnBrk="0" fontAlgn="base" latinLnBrk="0" hangingPunct="0">
-              <a:lnSpc>
-                <a:spcPct val="100000"/>
-              </a:lnSpc>
-              <a:spcBef>
-                <a:spcPct val="0"/>
-              </a:spcBef>
-              <a:spcAft>
-                <a:spcPct val="0"/>
-              </a:spcAft>
-              <a:buClrTx/>
-              <a:buSzTx/>
-              <a:buFontTx/>
-              <a:buNone/>
-              <a:tabLst/>
-            </a:pPr>
-            <a:endParaRPr kumimoji="0" lang="en-US" sz="2400" b="0" i="0" u="none" strike="noStrike" cap="none" normalizeH="0" baseline="0">
-              <a:ln>
-                <a:noFill/>
-              </a:ln>
-              <a:solidFill>
-                <a:schemeClr val="tx1"/>
-              </a:solidFill>
-              <a:effectLst/>
-              <a:latin typeface="Arial" pitchFamily="44" charset="0"/>
-              <a:ea typeface="ＭＳ Ｐゴシック" pitchFamily="44" charset="-128"/>
-              <a:cs typeface="ＭＳ Ｐゴシック" pitchFamily="44" charset="-128"/>
-            </a:endParaRPr>
-          </a:p>
-        </p:txBody>
-      </p:sp>
-    </p:spTree>
-    <p:extLst>
-      <p:ext uri="{BB962C8B-B14F-4D97-AF65-F5344CB8AC3E}">
-        <p14:creationId xmlns:p14="http://schemas.microsoft.com/office/powerpoint/2010/main" val="1577530696"/>
       </p:ext>
     </p:extLst>
   </p:cSld>
@@ -17818,106 +15701,6 @@
       </p:grpSpPr>
       <p:sp>
         <p:nvSpPr>
-          <p:cNvPr id="2" name="Rectangle 1"/>
-          <p:cNvSpPr/>
-          <p:nvPr/>
-        </p:nvSpPr>
-        <p:spPr bwMode="auto">
-          <a:xfrm>
-            <a:off x="-152400" y="-76200"/>
-            <a:ext cx="12573000" cy="6934200"/>
-          </a:xfrm>
-          <a:prstGeom prst="rect">
-            <a:avLst/>
-          </a:prstGeom>
-          <a:solidFill>
-            <a:schemeClr val="tx1"/>
-          </a:solidFill>
-          <a:ln w="9525" cap="flat" cmpd="sng" algn="ctr">
-            <a:solidFill>
-              <a:schemeClr val="tx1"/>
-            </a:solidFill>
-            <a:prstDash val="solid"/>
-            <a:round/>
-            <a:headEnd type="none" w="med" len="med"/>
-            <a:tailEnd type="none" w="med" len="med"/>
-          </a:ln>
-          <a:effectLst/>
-        </p:spPr>
-        <p:txBody>
-          <a:bodyPr vert="horz" wrap="square" lIns="91440" tIns="45720" rIns="91440" bIns="45720" numCol="1" rtlCol="0" anchor="t" anchorCtr="0" compatLnSpc="1">
-            <a:prstTxWarp prst="textNoShape">
-              <a:avLst/>
-            </a:prstTxWarp>
-          </a:bodyPr>
-          <a:lstStyle/>
-          <a:p>
-            <a:pPr marL="0" marR="0" indent="0" algn="l" defTabSz="914400" rtl="0" eaLnBrk="0" fontAlgn="base" latinLnBrk="0" hangingPunct="0">
-              <a:lnSpc>
-                <a:spcPct val="100000"/>
-              </a:lnSpc>
-              <a:spcBef>
-                <a:spcPct val="0"/>
-              </a:spcBef>
-              <a:spcAft>
-                <a:spcPct val="0"/>
-              </a:spcAft>
-              <a:buClrTx/>
-              <a:buSzTx/>
-              <a:buFontTx/>
-              <a:buNone/>
-              <a:tabLst/>
-            </a:pPr>
-            <a:endParaRPr kumimoji="0" lang="en-US" sz="2400" b="0" i="0" u="none" strike="noStrike" cap="none" normalizeH="0" baseline="0">
-              <a:ln>
-                <a:noFill/>
-              </a:ln>
-              <a:solidFill>
-                <a:schemeClr val="tx1"/>
-              </a:solidFill>
-              <a:effectLst/>
-              <a:latin typeface="Arial" pitchFamily="44" charset="0"/>
-              <a:ea typeface="ＭＳ Ｐゴシック" pitchFamily="44" charset="-128"/>
-              <a:cs typeface="ＭＳ Ｐゴシック" pitchFamily="44" charset="-128"/>
-            </a:endParaRPr>
-          </a:p>
-        </p:txBody>
-      </p:sp>
-    </p:spTree>
-    <p:extLst>
-      <p:ext uri="{BB962C8B-B14F-4D97-AF65-F5344CB8AC3E}">
-        <p14:creationId xmlns:p14="http://schemas.microsoft.com/office/powerpoint/2010/main" val="1554097160"/>
-      </p:ext>
-    </p:extLst>
-  </p:cSld>
-  <p:clrMapOvr>
-    <a:masterClrMapping/>
-  </p:clrMapOvr>
-  <p:transition>
-    <p:fade/>
-  </p:transition>
-</p:sld>
-</file>
-
-<file path=ppt/slides/slide7.xml><?xml version="1.0" encoding="utf-8"?>
-<p:sld xmlns:a="http://schemas.openxmlformats.org/drawingml/2006/main" xmlns:r="http://schemas.openxmlformats.org/officeDocument/2006/relationships" xmlns:p="http://schemas.openxmlformats.org/presentationml/2006/main">
-  <p:cSld>
-    <p:spTree>
-      <p:nvGrpSpPr>
-        <p:cNvPr id="1" name=""/>
-        <p:cNvGrpSpPr/>
-        <p:nvPr/>
-      </p:nvGrpSpPr>
-      <p:grpSpPr>
-        <a:xfrm>
-          <a:off x="0" y="0"/>
-          <a:ext cx="0" cy="0"/>
-          <a:chOff x="0" y="0"/>
-          <a:chExt cx="0" cy="0"/>
-        </a:xfrm>
-      </p:grpSpPr>
-      <p:sp>
-        <p:nvSpPr>
           <p:cNvPr id="2" name="Title 1"/>
           <p:cNvSpPr>
             <a:spLocks noGrp="1"/>
@@ -19621,7 +17404,7 @@
 </p:sld>
 </file>
 
-<file path=ppt/slides/slide8.xml><?xml version="1.0" encoding="utf-8"?>
+<file path=ppt/slides/slide7.xml><?xml version="1.0" encoding="utf-8"?>
 <p:sld xmlns:a="http://schemas.openxmlformats.org/drawingml/2006/main" xmlns:r="http://schemas.openxmlformats.org/officeDocument/2006/relationships" xmlns:p="http://schemas.openxmlformats.org/presentationml/2006/main">
   <p:cSld>
     <p:spTree>
@@ -19925,7 +17708,7 @@
 </p:sld>
 </file>
 
-<file path=ppt/slides/slide9.xml><?xml version="1.0" encoding="utf-8"?>
+<file path=ppt/slides/slide8.xml><?xml version="1.0" encoding="utf-8"?>
 <p:sld xmlns:a="http://schemas.openxmlformats.org/drawingml/2006/main" xmlns:r="http://schemas.openxmlformats.org/officeDocument/2006/relationships" xmlns:p="http://schemas.openxmlformats.org/presentationml/2006/main">
   <p:cSld>
     <p:spTree>
@@ -20056,6 +17839,1470 @@
     <p:extLst>
       <p:ext uri="{BB962C8B-B14F-4D97-AF65-F5344CB8AC3E}">
         <p14:creationId xmlns:p14="http://schemas.microsoft.com/office/powerpoint/2010/main" val="419687532"/>
+      </p:ext>
+    </p:extLst>
+  </p:cSld>
+  <p:clrMapOvr>
+    <a:masterClrMapping/>
+  </p:clrMapOvr>
+  <p:transition>
+    <p:fade/>
+  </p:transition>
+</p:sld>
+</file>
+
+<file path=ppt/slides/slide9.xml><?xml version="1.0" encoding="utf-8"?>
+<p:sld xmlns:a="http://schemas.openxmlformats.org/drawingml/2006/main" xmlns:r="http://schemas.openxmlformats.org/officeDocument/2006/relationships" xmlns:p="http://schemas.openxmlformats.org/presentationml/2006/main">
+  <p:cSld>
+    <p:spTree>
+      <p:nvGrpSpPr>
+        <p:cNvPr id="1" name=""/>
+        <p:cNvGrpSpPr/>
+        <p:nvPr/>
+      </p:nvGrpSpPr>
+      <p:grpSpPr>
+        <a:xfrm>
+          <a:off x="0" y="0"/>
+          <a:ext cx="0" cy="0"/>
+          <a:chOff x="0" y="0"/>
+          <a:chExt cx="0" cy="0"/>
+        </a:xfrm>
+      </p:grpSpPr>
+      <p:sp>
+        <p:nvSpPr>
+          <p:cNvPr id="2" name="Title 1"/>
+          <p:cNvSpPr>
+            <a:spLocks noGrp="1"/>
+          </p:cNvSpPr>
+          <p:nvPr>
+            <p:ph type="title"/>
+          </p:nvPr>
+        </p:nvSpPr>
+        <p:spPr/>
+        <p:txBody>
+          <a:bodyPr/>
+          <a:lstStyle/>
+          <a:p>
+            <a:r>
+              <a:rPr lang="en-US"/>
+              <a:t>Goals for this coming week</a:t>
+            </a:r>
+            <a:br>
+              <a:rPr lang="en-US"/>
+            </a:br>
+            <a:r>
+              <a:rPr lang="en-US" sz="1200"/>
+              <a:t>(Ones that move the project forward the most)</a:t>
+            </a:r>
+          </a:p>
+        </p:txBody>
+      </p:sp>
+      <p:graphicFrame>
+        <p:nvGraphicFramePr>
+          <p:cNvPr id="3" name="Table 2"/>
+          <p:cNvGraphicFramePr>
+            <a:graphicFrameLocks noGrp="1"/>
+          </p:cNvGraphicFramePr>
+          <p:nvPr>
+            <p:extLst>
+              <p:ext uri="{D42A27DB-BD31-4B8C-83A1-F6EECF244321}">
+                <p14:modId xmlns:p14="http://schemas.microsoft.com/office/powerpoint/2010/main" val="1365594918"/>
+              </p:ext>
+            </p:extLst>
+          </p:nvPr>
+        </p:nvGraphicFramePr>
+        <p:xfrm>
+          <a:off x="687977" y="1371600"/>
+          <a:ext cx="10896598" cy="2133599"/>
+        </p:xfrm>
+        <a:graphic>
+          <a:graphicData uri="http://schemas.openxmlformats.org/drawingml/2006/table">
+            <a:tbl>
+              <a:tblPr firstRow="1" lastCol="1" bandRow="1">
+                <a:tableStyleId>{2D5ABB26-0587-4C30-8999-92F81FD0307C}</a:tableStyleId>
+              </a:tblPr>
+              <a:tblGrid>
+                <a:gridCol w="9397067">
+                  <a:extLst>
+                    <a:ext uri="{9D8B030D-6E8A-4147-A177-3AD203B41FA5}">
+                      <a16:colId xmlns:a16="http://schemas.microsoft.com/office/drawing/2014/main" val="20000"/>
+                    </a:ext>
+                  </a:extLst>
+                </a:gridCol>
+                <a:gridCol w="799749">
+                  <a:extLst>
+                    <a:ext uri="{9D8B030D-6E8A-4147-A177-3AD203B41FA5}">
+                      <a16:colId xmlns:a16="http://schemas.microsoft.com/office/drawing/2014/main" val="20001"/>
+                    </a:ext>
+                  </a:extLst>
+                </a:gridCol>
+                <a:gridCol w="699782">
+                  <a:extLst>
+                    <a:ext uri="{9D8B030D-6E8A-4147-A177-3AD203B41FA5}">
+                      <a16:colId xmlns:a16="http://schemas.microsoft.com/office/drawing/2014/main" val="20002"/>
+                    </a:ext>
+                  </a:extLst>
+                </a:gridCol>
+              </a:tblGrid>
+              <a:tr h="609599">
+                <a:tc>
+                  <a:txBody>
+                    <a:bodyPr/>
+                    <a:lstStyle/>
+                    <a:p>
+                      <a:pPr algn="l" fontAlgn="ctr"/>
+                      <a:r>
+                        <a:rPr lang="en-US" sz="1100" u="none" strike="noStrike" dirty="0">
+                          <a:solidFill>
+                            <a:schemeClr val="bg1"/>
+                          </a:solidFill>
+                          <a:effectLst/>
+                        </a:rPr>
+                        <a:t>Goal/Task</a:t>
+                      </a:r>
+                      <a:endParaRPr lang="en-US" sz="1100" b="0" i="0" u="none" strike="noStrike" dirty="0">
+                        <a:solidFill>
+                          <a:schemeClr val="bg1"/>
+                        </a:solidFill>
+                        <a:effectLst/>
+                        <a:latin typeface="Calibri" panose="020F0502020204030204" pitchFamily="34" charset="0"/>
+                      </a:endParaRPr>
+                    </a:p>
+                  </a:txBody>
+                  <a:tcPr marL="9525" marR="9525" marT="9525" marB="0" anchor="ctr">
+                    <a:lnL w="12700" cap="flat" cmpd="sng" algn="ctr">
+                      <a:solidFill>
+                        <a:schemeClr val="bg1">
+                          <a:lumMod val="65000"/>
+                        </a:schemeClr>
+                      </a:solidFill>
+                      <a:prstDash val="solid"/>
+                      <a:round/>
+                      <a:headEnd type="none" w="med" len="med"/>
+                      <a:tailEnd type="none" w="med" len="med"/>
+                    </a:lnL>
+                    <a:lnR w="12700" cap="flat" cmpd="sng" algn="ctr">
+                      <a:solidFill>
+                        <a:schemeClr val="bg1">
+                          <a:lumMod val="65000"/>
+                        </a:schemeClr>
+                      </a:solidFill>
+                      <a:prstDash val="solid"/>
+                      <a:round/>
+                      <a:headEnd type="none" w="med" len="med"/>
+                      <a:tailEnd type="none" w="med" len="med"/>
+                    </a:lnR>
+                    <a:lnT w="12700" cap="flat" cmpd="sng" algn="ctr">
+                      <a:solidFill>
+                        <a:schemeClr val="bg1">
+                          <a:lumMod val="65000"/>
+                        </a:schemeClr>
+                      </a:solidFill>
+                      <a:prstDash val="solid"/>
+                      <a:round/>
+                      <a:headEnd type="none" w="med" len="med"/>
+                      <a:tailEnd type="none" w="med" len="med"/>
+                    </a:lnT>
+                    <a:lnB w="12700" cap="flat" cmpd="sng" algn="ctr">
+                      <a:solidFill>
+                        <a:schemeClr val="bg1">
+                          <a:lumMod val="65000"/>
+                        </a:schemeClr>
+                      </a:solidFill>
+                      <a:prstDash val="solid"/>
+                      <a:round/>
+                      <a:headEnd type="none" w="med" len="med"/>
+                      <a:tailEnd type="none" w="med" len="med"/>
+                    </a:lnB>
+                  </a:tcPr>
+                </a:tc>
+                <a:tc>
+                  <a:txBody>
+                    <a:bodyPr/>
+                    <a:lstStyle/>
+                    <a:p>
+                      <a:pPr marL="0" marR="0" indent="0" algn="ctr" defTabSz="457200" rtl="0" eaLnBrk="1" fontAlgn="ctr" latinLnBrk="0" hangingPunct="1">
+                        <a:lnSpc>
+                          <a:spcPct val="100000"/>
+                        </a:lnSpc>
+                        <a:spcBef>
+                          <a:spcPts val="0"/>
+                        </a:spcBef>
+                        <a:spcAft>
+                          <a:spcPts val="0"/>
+                        </a:spcAft>
+                        <a:buClrTx/>
+                        <a:buSzTx/>
+                        <a:buFontTx/>
+                        <a:buNone/>
+                        <a:tabLst/>
+                        <a:defRPr/>
+                      </a:pPr>
+                      <a:r>
+                        <a:rPr lang="en-US" sz="1100" u="none" strike="noStrike" dirty="0">
+                          <a:solidFill>
+                            <a:schemeClr val="bg1"/>
+                          </a:solidFill>
+                          <a:effectLst/>
+                        </a:rPr>
+                        <a:t>Stop Date (Est.)</a:t>
+                      </a:r>
+                      <a:endParaRPr lang="en-US" sz="1100" b="0" i="0" u="none" strike="noStrike" dirty="0">
+                        <a:solidFill>
+                          <a:schemeClr val="bg1"/>
+                        </a:solidFill>
+                        <a:effectLst/>
+                        <a:latin typeface="Calibri" panose="020F0502020204030204" pitchFamily="34" charset="0"/>
+                      </a:endParaRPr>
+                    </a:p>
+                  </a:txBody>
+                  <a:tcPr marL="9525" marR="9525" marT="9525" marB="0" anchor="ctr">
+                    <a:lnL w="12700" cap="flat" cmpd="sng" algn="ctr">
+                      <a:solidFill>
+                        <a:schemeClr val="bg1">
+                          <a:lumMod val="65000"/>
+                        </a:schemeClr>
+                      </a:solidFill>
+                      <a:prstDash val="solid"/>
+                      <a:round/>
+                      <a:headEnd type="none" w="med" len="med"/>
+                      <a:tailEnd type="none" w="med" len="med"/>
+                    </a:lnL>
+                    <a:lnR w="12700" cap="flat" cmpd="sng" algn="ctr">
+                      <a:solidFill>
+                        <a:schemeClr val="bg1">
+                          <a:lumMod val="65000"/>
+                        </a:schemeClr>
+                      </a:solidFill>
+                      <a:prstDash val="solid"/>
+                      <a:round/>
+                      <a:headEnd type="none" w="med" len="med"/>
+                      <a:tailEnd type="none" w="med" len="med"/>
+                    </a:lnR>
+                    <a:lnT w="12700" cap="flat" cmpd="sng" algn="ctr">
+                      <a:solidFill>
+                        <a:schemeClr val="bg1">
+                          <a:lumMod val="65000"/>
+                        </a:schemeClr>
+                      </a:solidFill>
+                      <a:prstDash val="solid"/>
+                      <a:round/>
+                      <a:headEnd type="none" w="med" len="med"/>
+                      <a:tailEnd type="none" w="med" len="med"/>
+                    </a:lnT>
+                    <a:lnB w="12700" cap="flat" cmpd="sng" algn="ctr">
+                      <a:solidFill>
+                        <a:schemeClr val="bg1">
+                          <a:lumMod val="65000"/>
+                        </a:schemeClr>
+                      </a:solidFill>
+                      <a:prstDash val="solid"/>
+                      <a:round/>
+                      <a:headEnd type="none" w="med" len="med"/>
+                      <a:tailEnd type="none" w="med" len="med"/>
+                    </a:lnB>
+                  </a:tcPr>
+                </a:tc>
+                <a:tc>
+                  <a:txBody>
+                    <a:bodyPr/>
+                    <a:lstStyle/>
+                    <a:p>
+                      <a:pPr algn="ctr" fontAlgn="ctr"/>
+                      <a:endParaRPr lang="en-US" sz="1100" u="none" strike="noStrike">
+                        <a:solidFill>
+                          <a:schemeClr val="bg1"/>
+                        </a:solidFill>
+                        <a:effectLst/>
+                      </a:endParaRPr>
+                    </a:p>
+                    <a:p>
+                      <a:pPr marL="0" marR="0" indent="0" algn="ctr" defTabSz="457200" rtl="0" eaLnBrk="1" fontAlgn="ctr" latinLnBrk="0" hangingPunct="1">
+                        <a:lnSpc>
+                          <a:spcPct val="100000"/>
+                        </a:lnSpc>
+                        <a:spcBef>
+                          <a:spcPts val="0"/>
+                        </a:spcBef>
+                        <a:spcAft>
+                          <a:spcPts val="0"/>
+                        </a:spcAft>
+                        <a:buClrTx/>
+                        <a:buSzTx/>
+                        <a:buFontTx/>
+                        <a:buNone/>
+                        <a:tabLst/>
+                        <a:defRPr/>
+                      </a:pPr>
+                      <a:r>
+                        <a:rPr lang="en-US" sz="1100" u="none" strike="noStrike" dirty="0">
+                          <a:solidFill>
+                            <a:schemeClr val="bg1"/>
+                          </a:solidFill>
+                          <a:effectLst/>
+                        </a:rPr>
+                        <a:t>Hours (Est.)</a:t>
+                      </a:r>
+                      <a:endParaRPr lang="en-US" sz="1100" b="0" i="0" u="none" strike="noStrike" dirty="0">
+                        <a:solidFill>
+                          <a:schemeClr val="bg1"/>
+                        </a:solidFill>
+                        <a:effectLst/>
+                        <a:latin typeface="Calibri" panose="020F0502020204030204" pitchFamily="34" charset="0"/>
+                      </a:endParaRPr>
+                    </a:p>
+                  </a:txBody>
+                  <a:tcPr marL="9525" marR="9525" marT="9525" marB="0" anchor="ctr">
+                    <a:lnL w="12700" cap="flat" cmpd="sng" algn="ctr">
+                      <a:solidFill>
+                        <a:schemeClr val="bg1">
+                          <a:lumMod val="65000"/>
+                        </a:schemeClr>
+                      </a:solidFill>
+                      <a:prstDash val="solid"/>
+                      <a:round/>
+                      <a:headEnd type="none" w="med" len="med"/>
+                      <a:tailEnd type="none" w="med" len="med"/>
+                    </a:lnL>
+                    <a:lnR w="12700" cap="flat" cmpd="sng" algn="ctr">
+                      <a:solidFill>
+                        <a:schemeClr val="bg1">
+                          <a:lumMod val="65000"/>
+                        </a:schemeClr>
+                      </a:solidFill>
+                      <a:prstDash val="solid"/>
+                      <a:round/>
+                      <a:headEnd type="none" w="med" len="med"/>
+                      <a:tailEnd type="none" w="med" len="med"/>
+                    </a:lnR>
+                    <a:lnT w="12700" cap="flat" cmpd="sng" algn="ctr">
+                      <a:solidFill>
+                        <a:schemeClr val="bg1">
+                          <a:lumMod val="65000"/>
+                        </a:schemeClr>
+                      </a:solidFill>
+                      <a:prstDash val="solid"/>
+                      <a:round/>
+                      <a:headEnd type="none" w="med" len="med"/>
+                      <a:tailEnd type="none" w="med" len="med"/>
+                    </a:lnT>
+                    <a:lnB w="12700" cap="flat" cmpd="sng" algn="ctr">
+                      <a:solidFill>
+                        <a:schemeClr val="bg1">
+                          <a:lumMod val="65000"/>
+                        </a:schemeClr>
+                      </a:solidFill>
+                      <a:prstDash val="solid"/>
+                      <a:round/>
+                      <a:headEnd type="none" w="med" len="med"/>
+                      <a:tailEnd type="none" w="med" len="med"/>
+                    </a:lnB>
+                  </a:tcPr>
+                </a:tc>
+                <a:extLst>
+                  <a:ext uri="{0D108BD9-81ED-4DB2-BD59-A6C34878D82A}">
+                    <a16:rowId xmlns:a16="http://schemas.microsoft.com/office/drawing/2014/main" val="10000"/>
+                  </a:ext>
+                </a:extLst>
+              </a:tr>
+              <a:tr h="381000">
+                <a:tc>
+                  <a:txBody>
+                    <a:bodyPr/>
+                    <a:lstStyle/>
+                    <a:p>
+                      <a:pPr algn="l" fontAlgn="b"/>
+                      <a:r>
+                        <a:rPr lang="en-US" sz="1100" u="none" strike="noStrike" dirty="0">
+                          <a:solidFill>
+                            <a:schemeClr val="bg1"/>
+                          </a:solidFill>
+                          <a:effectLst/>
+                        </a:rPr>
+                        <a:t> Order tools and parts in order to solder the board</a:t>
+                      </a:r>
+                      <a:endParaRPr lang="en-US" sz="1100" b="0" i="0" u="none" strike="noStrike" dirty="0">
+                        <a:solidFill>
+                          <a:schemeClr val="bg1"/>
+                        </a:solidFill>
+                        <a:effectLst/>
+                        <a:latin typeface="Calibri" panose="020F0502020204030204" pitchFamily="34" charset="0"/>
+                      </a:endParaRPr>
+                    </a:p>
+                  </a:txBody>
+                  <a:tcPr marL="9525" marR="9525" marT="9525" marB="0" anchor="ctr">
+                    <a:lnL w="12700" cap="flat" cmpd="sng" algn="ctr">
+                      <a:solidFill>
+                        <a:schemeClr val="bg1">
+                          <a:lumMod val="65000"/>
+                        </a:schemeClr>
+                      </a:solidFill>
+                      <a:prstDash val="solid"/>
+                      <a:round/>
+                      <a:headEnd type="none" w="med" len="med"/>
+                      <a:tailEnd type="none" w="med" len="med"/>
+                    </a:lnL>
+                    <a:lnR w="12700" cap="flat" cmpd="sng" algn="ctr">
+                      <a:solidFill>
+                        <a:schemeClr val="bg1">
+                          <a:lumMod val="65000"/>
+                        </a:schemeClr>
+                      </a:solidFill>
+                      <a:prstDash val="solid"/>
+                      <a:round/>
+                      <a:headEnd type="none" w="med" len="med"/>
+                      <a:tailEnd type="none" w="med" len="med"/>
+                    </a:lnR>
+                    <a:lnT w="12700" cap="flat" cmpd="sng" algn="ctr">
+                      <a:solidFill>
+                        <a:schemeClr val="bg1">
+                          <a:lumMod val="65000"/>
+                        </a:schemeClr>
+                      </a:solidFill>
+                      <a:prstDash val="solid"/>
+                      <a:round/>
+                      <a:headEnd type="none" w="med" len="med"/>
+                      <a:tailEnd type="none" w="med" len="med"/>
+                    </a:lnT>
+                    <a:lnB w="12700" cap="flat" cmpd="sng" algn="ctr">
+                      <a:solidFill>
+                        <a:schemeClr val="bg1">
+                          <a:lumMod val="65000"/>
+                        </a:schemeClr>
+                      </a:solidFill>
+                      <a:prstDash val="solid"/>
+                      <a:round/>
+                      <a:headEnd type="none" w="med" len="med"/>
+                      <a:tailEnd type="none" w="med" len="med"/>
+                    </a:lnB>
+                  </a:tcPr>
+                </a:tc>
+                <a:tc>
+                  <a:txBody>
+                    <a:bodyPr/>
+                    <a:lstStyle/>
+                    <a:p>
+                      <a:pPr algn="l" fontAlgn="b"/>
+                      <a:r>
+                        <a:rPr lang="en-US" sz="1100" b="0" i="0" u="none" strike="noStrike" dirty="0">
+                          <a:solidFill>
+                            <a:schemeClr val="bg1"/>
+                          </a:solidFill>
+                          <a:effectLst/>
+                          <a:latin typeface="Calibri"/>
+                        </a:rPr>
+                        <a:t>May 04, 2020</a:t>
+                      </a:r>
+                      <a:endParaRPr lang="en-US" sz="1100" b="0" i="0" u="none" strike="noStrike" dirty="0">
+                        <a:solidFill>
+                          <a:schemeClr val="bg1"/>
+                        </a:solidFill>
+                        <a:effectLst/>
+                        <a:latin typeface="Calibri" panose="020F0502020204030204" pitchFamily="34" charset="0"/>
+                      </a:endParaRPr>
+                    </a:p>
+                  </a:txBody>
+                  <a:tcPr marL="9525" marR="9525" marT="9525" marB="0" anchor="b">
+                    <a:lnL w="12700" cap="flat" cmpd="sng" algn="ctr">
+                      <a:solidFill>
+                        <a:schemeClr val="bg1">
+                          <a:lumMod val="65000"/>
+                        </a:schemeClr>
+                      </a:solidFill>
+                      <a:prstDash val="solid"/>
+                      <a:round/>
+                      <a:headEnd type="none" w="med" len="med"/>
+                      <a:tailEnd type="none" w="med" len="med"/>
+                    </a:lnL>
+                    <a:lnR w="12700" cap="flat" cmpd="sng" algn="ctr">
+                      <a:solidFill>
+                        <a:schemeClr val="bg1">
+                          <a:lumMod val="65000"/>
+                        </a:schemeClr>
+                      </a:solidFill>
+                      <a:prstDash val="solid"/>
+                      <a:round/>
+                      <a:headEnd type="none" w="med" len="med"/>
+                      <a:tailEnd type="none" w="med" len="med"/>
+                    </a:lnR>
+                    <a:lnT w="12700" cap="flat" cmpd="sng" algn="ctr">
+                      <a:solidFill>
+                        <a:schemeClr val="bg1">
+                          <a:lumMod val="65000"/>
+                        </a:schemeClr>
+                      </a:solidFill>
+                      <a:prstDash val="solid"/>
+                      <a:round/>
+                      <a:headEnd type="none" w="med" len="med"/>
+                      <a:tailEnd type="none" w="med" len="med"/>
+                    </a:lnT>
+                    <a:lnB w="12700" cap="flat" cmpd="sng" algn="ctr">
+                      <a:solidFill>
+                        <a:schemeClr val="bg1">
+                          <a:lumMod val="65000"/>
+                        </a:schemeClr>
+                      </a:solidFill>
+                      <a:prstDash val="solid"/>
+                      <a:round/>
+                      <a:headEnd type="none" w="med" len="med"/>
+                      <a:tailEnd type="none" w="med" len="med"/>
+                    </a:lnB>
+                  </a:tcPr>
+                </a:tc>
+                <a:tc>
+                  <a:txBody>
+                    <a:bodyPr/>
+                    <a:lstStyle/>
+                    <a:p>
+                      <a:pPr algn="ctr" fontAlgn="ctr"/>
+                      <a:r>
+                        <a:rPr lang="en-US" sz="1100" u="none" strike="noStrike" dirty="0">
+                          <a:solidFill>
+                            <a:schemeClr val="bg1"/>
+                          </a:solidFill>
+                          <a:effectLst/>
+                        </a:rPr>
+                        <a:t> 2</a:t>
+                      </a:r>
+                      <a:endParaRPr lang="en-US" sz="1100" b="0" i="0" u="none" strike="noStrike" dirty="0">
+                        <a:solidFill>
+                          <a:schemeClr val="bg1"/>
+                        </a:solidFill>
+                        <a:effectLst/>
+                        <a:latin typeface="Calibri" panose="020F0502020204030204" pitchFamily="34" charset="0"/>
+                      </a:endParaRPr>
+                    </a:p>
+                  </a:txBody>
+                  <a:tcPr marL="9525" marR="9525" marT="9525" marB="0" anchor="ctr">
+                    <a:lnL w="12700" cap="flat" cmpd="sng" algn="ctr">
+                      <a:solidFill>
+                        <a:schemeClr val="bg1">
+                          <a:lumMod val="65000"/>
+                        </a:schemeClr>
+                      </a:solidFill>
+                      <a:prstDash val="solid"/>
+                      <a:round/>
+                      <a:headEnd type="none" w="med" len="med"/>
+                      <a:tailEnd type="none" w="med" len="med"/>
+                    </a:lnL>
+                    <a:lnR w="12700" cap="flat" cmpd="sng" algn="ctr">
+                      <a:solidFill>
+                        <a:schemeClr val="bg1">
+                          <a:lumMod val="65000"/>
+                        </a:schemeClr>
+                      </a:solidFill>
+                      <a:prstDash val="solid"/>
+                      <a:round/>
+                      <a:headEnd type="none" w="med" len="med"/>
+                      <a:tailEnd type="none" w="med" len="med"/>
+                    </a:lnR>
+                    <a:lnT w="12700" cap="flat" cmpd="sng" algn="ctr">
+                      <a:solidFill>
+                        <a:schemeClr val="bg1">
+                          <a:lumMod val="65000"/>
+                        </a:schemeClr>
+                      </a:solidFill>
+                      <a:prstDash val="solid"/>
+                      <a:round/>
+                      <a:headEnd type="none" w="med" len="med"/>
+                      <a:tailEnd type="none" w="med" len="med"/>
+                    </a:lnT>
+                    <a:lnB w="12700" cap="flat" cmpd="sng" algn="ctr">
+                      <a:solidFill>
+                        <a:schemeClr val="bg1">
+                          <a:lumMod val="65000"/>
+                        </a:schemeClr>
+                      </a:solidFill>
+                      <a:prstDash val="solid"/>
+                      <a:round/>
+                      <a:headEnd type="none" w="med" len="med"/>
+                      <a:tailEnd type="none" w="med" len="med"/>
+                    </a:lnB>
+                  </a:tcPr>
+                </a:tc>
+                <a:extLst>
+                  <a:ext uri="{0D108BD9-81ED-4DB2-BD59-A6C34878D82A}">
+                    <a16:rowId xmlns:a16="http://schemas.microsoft.com/office/drawing/2014/main" val="10001"/>
+                  </a:ext>
+                </a:extLst>
+              </a:tr>
+              <a:tr h="381000">
+                <a:tc>
+                  <a:txBody>
+                    <a:bodyPr/>
+                    <a:lstStyle/>
+                    <a:p>
+                      <a:pPr algn="l" fontAlgn="b"/>
+                      <a:r>
+                        <a:rPr lang="en-US" sz="1100" b="0" i="0" u="none" strike="noStrike" dirty="0">
+                          <a:solidFill>
+                            <a:schemeClr val="bg1"/>
+                          </a:solidFill>
+                          <a:effectLst/>
+                          <a:latin typeface="Calibri"/>
+                        </a:rPr>
+                        <a:t>Obtain a reflow oven, heat gun, and micro camera for soldering</a:t>
+                      </a:r>
+                      <a:endParaRPr lang="en-US" sz="1100" b="0" i="0" u="none" strike="noStrike" dirty="0" err="1">
+                        <a:solidFill>
+                          <a:schemeClr val="bg1"/>
+                        </a:solidFill>
+                        <a:effectLst/>
+                        <a:latin typeface="Calibri" panose="020F0502020204030204" pitchFamily="34" charset="0"/>
+                      </a:endParaRPr>
+                    </a:p>
+                  </a:txBody>
+                  <a:tcPr marL="9525" marR="9525" marT="9525" marB="0" anchor="ctr">
+                    <a:lnL w="12700" cap="flat" cmpd="sng" algn="ctr">
+                      <a:solidFill>
+                        <a:schemeClr val="bg1">
+                          <a:lumMod val="65000"/>
+                        </a:schemeClr>
+                      </a:solidFill>
+                      <a:prstDash val="solid"/>
+                      <a:round/>
+                      <a:headEnd type="none" w="med" len="med"/>
+                      <a:tailEnd type="none" w="med" len="med"/>
+                    </a:lnL>
+                    <a:lnR w="12700" cap="flat" cmpd="sng" algn="ctr">
+                      <a:solidFill>
+                        <a:schemeClr val="bg1">
+                          <a:lumMod val="65000"/>
+                        </a:schemeClr>
+                      </a:solidFill>
+                      <a:prstDash val="solid"/>
+                      <a:round/>
+                      <a:headEnd type="none" w="med" len="med"/>
+                      <a:tailEnd type="none" w="med" len="med"/>
+                    </a:lnR>
+                    <a:lnT w="12700" cap="flat" cmpd="sng" algn="ctr">
+                      <a:solidFill>
+                        <a:schemeClr val="bg1">
+                          <a:lumMod val="65000"/>
+                        </a:schemeClr>
+                      </a:solidFill>
+                      <a:prstDash val="solid"/>
+                      <a:round/>
+                      <a:headEnd type="none" w="med" len="med"/>
+                      <a:tailEnd type="none" w="med" len="med"/>
+                    </a:lnT>
+                    <a:lnB w="12700" cap="flat" cmpd="sng" algn="ctr">
+                      <a:solidFill>
+                        <a:schemeClr val="bg1">
+                          <a:lumMod val="65000"/>
+                        </a:schemeClr>
+                      </a:solidFill>
+                      <a:prstDash val="solid"/>
+                      <a:round/>
+                      <a:headEnd type="none" w="med" len="med"/>
+                      <a:tailEnd type="none" w="med" len="med"/>
+                    </a:lnB>
+                  </a:tcPr>
+                </a:tc>
+                <a:tc>
+                  <a:txBody>
+                    <a:bodyPr/>
+                    <a:lstStyle/>
+                    <a:p>
+                      <a:pPr algn="ctr" fontAlgn="b"/>
+                      <a:r>
+                        <a:rPr lang="en-US" sz="1100" b="0" i="0" u="none" strike="noStrike" dirty="0">
+                          <a:solidFill>
+                            <a:schemeClr val="bg1"/>
+                          </a:solidFill>
+                          <a:effectLst/>
+                          <a:latin typeface="Calibri"/>
+                        </a:rPr>
+                        <a:t>May 01, 2020</a:t>
+                      </a:r>
+                    </a:p>
+                  </a:txBody>
+                  <a:tcPr marL="9525" marR="9525" marT="9525" marB="0" anchor="b">
+                    <a:lnL w="12700" cap="flat" cmpd="sng" algn="ctr">
+                      <a:solidFill>
+                        <a:schemeClr val="bg1">
+                          <a:lumMod val="65000"/>
+                        </a:schemeClr>
+                      </a:solidFill>
+                      <a:prstDash val="solid"/>
+                      <a:round/>
+                      <a:headEnd type="none" w="med" len="med"/>
+                      <a:tailEnd type="none" w="med" len="med"/>
+                    </a:lnL>
+                    <a:lnR w="12700" cap="flat" cmpd="sng" algn="ctr">
+                      <a:solidFill>
+                        <a:schemeClr val="bg1">
+                          <a:lumMod val="65000"/>
+                        </a:schemeClr>
+                      </a:solidFill>
+                      <a:prstDash val="solid"/>
+                      <a:round/>
+                      <a:headEnd type="none" w="med" len="med"/>
+                      <a:tailEnd type="none" w="med" len="med"/>
+                    </a:lnR>
+                    <a:lnT w="12700" cap="flat" cmpd="sng" algn="ctr">
+                      <a:solidFill>
+                        <a:schemeClr val="bg1">
+                          <a:lumMod val="65000"/>
+                        </a:schemeClr>
+                      </a:solidFill>
+                      <a:prstDash val="solid"/>
+                      <a:round/>
+                      <a:headEnd type="none" w="med" len="med"/>
+                      <a:tailEnd type="none" w="med" len="med"/>
+                    </a:lnT>
+                    <a:lnB w="12700" cap="flat" cmpd="sng" algn="ctr">
+                      <a:solidFill>
+                        <a:schemeClr val="bg1">
+                          <a:lumMod val="65000"/>
+                        </a:schemeClr>
+                      </a:solidFill>
+                      <a:prstDash val="solid"/>
+                      <a:round/>
+                      <a:headEnd type="none" w="med" len="med"/>
+                      <a:tailEnd type="none" w="med" len="med"/>
+                    </a:lnB>
+                  </a:tcPr>
+                </a:tc>
+                <a:tc>
+                  <a:txBody>
+                    <a:bodyPr/>
+                    <a:lstStyle/>
+                    <a:p>
+                      <a:pPr algn="ctr" fontAlgn="ctr"/>
+                      <a:r>
+                        <a:rPr lang="en-US" sz="1100" b="0" i="0" u="none" strike="noStrike" dirty="0">
+                          <a:solidFill>
+                            <a:schemeClr val="bg1"/>
+                          </a:solidFill>
+                          <a:effectLst/>
+                          <a:latin typeface="Calibri"/>
+                        </a:rPr>
+                        <a:t>1</a:t>
+                      </a:r>
+                      <a:endParaRPr lang="en-US" sz="1100" b="0" i="0" u="none" strike="noStrike" dirty="0">
+                        <a:solidFill>
+                          <a:schemeClr val="bg1"/>
+                        </a:solidFill>
+                        <a:effectLst/>
+                        <a:latin typeface="Calibri" panose="020F0502020204030204" pitchFamily="34" charset="0"/>
+                      </a:endParaRPr>
+                    </a:p>
+                  </a:txBody>
+                  <a:tcPr marL="9525" marR="9525" marT="9525" marB="0" anchor="ctr">
+                    <a:lnL w="12700" cap="flat" cmpd="sng" algn="ctr">
+                      <a:solidFill>
+                        <a:schemeClr val="bg1">
+                          <a:lumMod val="65000"/>
+                        </a:schemeClr>
+                      </a:solidFill>
+                      <a:prstDash val="solid"/>
+                      <a:round/>
+                      <a:headEnd type="none" w="med" len="med"/>
+                      <a:tailEnd type="none" w="med" len="med"/>
+                    </a:lnL>
+                    <a:lnR w="12700" cap="flat" cmpd="sng" algn="ctr">
+                      <a:solidFill>
+                        <a:schemeClr val="bg1">
+                          <a:lumMod val="65000"/>
+                        </a:schemeClr>
+                      </a:solidFill>
+                      <a:prstDash val="solid"/>
+                      <a:round/>
+                      <a:headEnd type="none" w="med" len="med"/>
+                      <a:tailEnd type="none" w="med" len="med"/>
+                    </a:lnR>
+                    <a:lnT w="12700" cap="flat" cmpd="sng" algn="ctr">
+                      <a:solidFill>
+                        <a:schemeClr val="bg1">
+                          <a:lumMod val="65000"/>
+                        </a:schemeClr>
+                      </a:solidFill>
+                      <a:prstDash val="solid"/>
+                      <a:round/>
+                      <a:headEnd type="none" w="med" len="med"/>
+                      <a:tailEnd type="none" w="med" len="med"/>
+                    </a:lnT>
+                    <a:lnB w="12700" cap="flat" cmpd="sng" algn="ctr">
+                      <a:solidFill>
+                        <a:schemeClr val="bg1">
+                          <a:lumMod val="65000"/>
+                        </a:schemeClr>
+                      </a:solidFill>
+                      <a:prstDash val="solid"/>
+                      <a:round/>
+                      <a:headEnd type="none" w="med" len="med"/>
+                      <a:tailEnd type="none" w="med" len="med"/>
+                    </a:lnB>
+                  </a:tcPr>
+                </a:tc>
+                <a:extLst>
+                  <a:ext uri="{0D108BD9-81ED-4DB2-BD59-A6C34878D82A}">
+                    <a16:rowId xmlns:a16="http://schemas.microsoft.com/office/drawing/2014/main" val="10002"/>
+                  </a:ext>
+                </a:extLst>
+              </a:tr>
+              <a:tr h="381000">
+                <a:tc>
+                  <a:txBody>
+                    <a:bodyPr/>
+                    <a:lstStyle/>
+                    <a:p>
+                      <a:pPr algn="l" fontAlgn="b"/>
+                      <a:r>
+                        <a:rPr lang="en-US" sz="1100" b="0" i="0" u="none" strike="noStrike" dirty="0">
+                          <a:solidFill>
+                            <a:schemeClr val="bg1"/>
+                          </a:solidFill>
+                          <a:effectLst/>
+                          <a:latin typeface="Calibri"/>
+                        </a:rPr>
+                        <a:t>Check status of getting lab computer 01 onto my network</a:t>
+                      </a:r>
+                    </a:p>
+                  </a:txBody>
+                  <a:tcPr marL="9525" marR="9525" marT="9525" marB="0" anchor="ctr">
+                    <a:lnL w="12700" cap="flat" cmpd="sng" algn="ctr">
+                      <a:solidFill>
+                        <a:schemeClr val="bg1">
+                          <a:lumMod val="65000"/>
+                        </a:schemeClr>
+                      </a:solidFill>
+                      <a:prstDash val="solid"/>
+                      <a:round/>
+                      <a:headEnd type="none" w="med" len="med"/>
+                      <a:tailEnd type="none" w="med" len="med"/>
+                    </a:lnL>
+                    <a:lnR w="12700" cap="flat" cmpd="sng" algn="ctr">
+                      <a:solidFill>
+                        <a:schemeClr val="bg1">
+                          <a:lumMod val="65000"/>
+                        </a:schemeClr>
+                      </a:solidFill>
+                      <a:prstDash val="solid"/>
+                      <a:round/>
+                      <a:headEnd type="none" w="med" len="med"/>
+                      <a:tailEnd type="none" w="med" len="med"/>
+                    </a:lnR>
+                    <a:lnT w="12700" cap="flat" cmpd="sng" algn="ctr">
+                      <a:solidFill>
+                        <a:schemeClr val="bg1">
+                          <a:lumMod val="65000"/>
+                        </a:schemeClr>
+                      </a:solidFill>
+                      <a:prstDash val="solid"/>
+                      <a:round/>
+                      <a:headEnd type="none" w="med" len="med"/>
+                      <a:tailEnd type="none" w="med" len="med"/>
+                    </a:lnT>
+                    <a:lnB w="12700" cap="flat" cmpd="sng" algn="ctr">
+                      <a:solidFill>
+                        <a:schemeClr val="bg1">
+                          <a:lumMod val="65000"/>
+                        </a:schemeClr>
+                      </a:solidFill>
+                      <a:prstDash val="solid"/>
+                      <a:round/>
+                      <a:headEnd type="none" w="med" len="med"/>
+                      <a:tailEnd type="none" w="med" len="med"/>
+                    </a:lnB>
+                  </a:tcPr>
+                </a:tc>
+                <a:tc>
+                  <a:txBody>
+                    <a:bodyPr/>
+                    <a:lstStyle/>
+                    <a:p>
+                      <a:pPr algn="l" fontAlgn="b"/>
+                      <a:r>
+                        <a:rPr lang="en-US" sz="1100" b="0" i="0" u="none" strike="noStrike" dirty="0">
+                          <a:solidFill>
+                            <a:schemeClr val="bg1"/>
+                          </a:solidFill>
+                          <a:effectLst/>
+                          <a:latin typeface="Calibri"/>
+                        </a:rPr>
+                        <a:t>May 01, 2020</a:t>
+                      </a:r>
+                      <a:endParaRPr lang="en-US" sz="1100" b="0" i="0" u="none" strike="noStrike" dirty="0">
+                        <a:solidFill>
+                          <a:schemeClr val="bg1"/>
+                        </a:solidFill>
+                        <a:effectLst/>
+                        <a:latin typeface="Calibri" panose="020F0502020204030204" pitchFamily="34" charset="0"/>
+                      </a:endParaRPr>
+                    </a:p>
+                  </a:txBody>
+                  <a:tcPr marL="9525" marR="9525" marT="9525" marB="0" anchor="b">
+                    <a:lnL w="12700" cap="flat" cmpd="sng" algn="ctr">
+                      <a:solidFill>
+                        <a:schemeClr val="bg1">
+                          <a:lumMod val="65000"/>
+                        </a:schemeClr>
+                      </a:solidFill>
+                      <a:prstDash val="solid"/>
+                      <a:round/>
+                      <a:headEnd type="none" w="med" len="med"/>
+                      <a:tailEnd type="none" w="med" len="med"/>
+                    </a:lnL>
+                    <a:lnR w="12700" cap="flat" cmpd="sng" algn="ctr">
+                      <a:solidFill>
+                        <a:schemeClr val="bg1">
+                          <a:lumMod val="65000"/>
+                        </a:schemeClr>
+                      </a:solidFill>
+                      <a:prstDash val="solid"/>
+                      <a:round/>
+                      <a:headEnd type="none" w="med" len="med"/>
+                      <a:tailEnd type="none" w="med" len="med"/>
+                    </a:lnR>
+                    <a:lnT w="12700" cap="flat" cmpd="sng" algn="ctr">
+                      <a:solidFill>
+                        <a:schemeClr val="bg1">
+                          <a:lumMod val="65000"/>
+                        </a:schemeClr>
+                      </a:solidFill>
+                      <a:prstDash val="solid"/>
+                      <a:round/>
+                      <a:headEnd type="none" w="med" len="med"/>
+                      <a:tailEnd type="none" w="med" len="med"/>
+                    </a:lnT>
+                    <a:lnB w="12700" cap="flat" cmpd="sng" algn="ctr">
+                      <a:solidFill>
+                        <a:schemeClr val="bg1">
+                          <a:lumMod val="65000"/>
+                        </a:schemeClr>
+                      </a:solidFill>
+                      <a:prstDash val="solid"/>
+                      <a:round/>
+                      <a:headEnd type="none" w="med" len="med"/>
+                      <a:tailEnd type="none" w="med" len="med"/>
+                    </a:lnB>
+                  </a:tcPr>
+                </a:tc>
+                <a:tc>
+                  <a:txBody>
+                    <a:bodyPr/>
+                    <a:lstStyle/>
+                    <a:p>
+                      <a:pPr algn="ctr" fontAlgn="ctr"/>
+                      <a:r>
+                        <a:rPr lang="en-US" sz="1100" b="0" i="0" u="none" strike="noStrike" dirty="0">
+                          <a:solidFill>
+                            <a:schemeClr val="bg1"/>
+                          </a:solidFill>
+                          <a:effectLst/>
+                          <a:latin typeface="Calibri"/>
+                        </a:rPr>
+                        <a:t>1</a:t>
+                      </a:r>
+                      <a:endParaRPr lang="en-US" sz="1100" b="0" i="0" u="none" strike="noStrike" dirty="0">
+                        <a:solidFill>
+                          <a:schemeClr val="bg1"/>
+                        </a:solidFill>
+                        <a:effectLst/>
+                        <a:latin typeface="Calibri" panose="020F0502020204030204" pitchFamily="34" charset="0"/>
+                      </a:endParaRPr>
+                    </a:p>
+                  </a:txBody>
+                  <a:tcPr marL="9525" marR="9525" marT="9525" marB="0" anchor="ctr">
+                    <a:lnL w="12700" cap="flat" cmpd="sng" algn="ctr">
+                      <a:solidFill>
+                        <a:schemeClr val="bg1">
+                          <a:lumMod val="65000"/>
+                        </a:schemeClr>
+                      </a:solidFill>
+                      <a:prstDash val="solid"/>
+                      <a:round/>
+                      <a:headEnd type="none" w="med" len="med"/>
+                      <a:tailEnd type="none" w="med" len="med"/>
+                    </a:lnL>
+                    <a:lnR w="12700" cap="flat" cmpd="sng" algn="ctr">
+                      <a:solidFill>
+                        <a:schemeClr val="bg1">
+                          <a:lumMod val="65000"/>
+                        </a:schemeClr>
+                      </a:solidFill>
+                      <a:prstDash val="solid"/>
+                      <a:round/>
+                      <a:headEnd type="none" w="med" len="med"/>
+                      <a:tailEnd type="none" w="med" len="med"/>
+                    </a:lnR>
+                    <a:lnT w="12700" cap="flat" cmpd="sng" algn="ctr">
+                      <a:solidFill>
+                        <a:schemeClr val="bg1">
+                          <a:lumMod val="65000"/>
+                        </a:schemeClr>
+                      </a:solidFill>
+                      <a:prstDash val="solid"/>
+                      <a:round/>
+                      <a:headEnd type="none" w="med" len="med"/>
+                      <a:tailEnd type="none" w="med" len="med"/>
+                    </a:lnT>
+                    <a:lnB w="12700" cap="flat" cmpd="sng" algn="ctr">
+                      <a:solidFill>
+                        <a:schemeClr val="bg1">
+                          <a:lumMod val="65000"/>
+                        </a:schemeClr>
+                      </a:solidFill>
+                      <a:prstDash val="solid"/>
+                      <a:round/>
+                      <a:headEnd type="none" w="med" len="med"/>
+                      <a:tailEnd type="none" w="med" len="med"/>
+                    </a:lnB>
+                  </a:tcPr>
+                </a:tc>
+                <a:extLst>
+                  <a:ext uri="{0D108BD9-81ED-4DB2-BD59-A6C34878D82A}">
+                    <a16:rowId xmlns:a16="http://schemas.microsoft.com/office/drawing/2014/main" val="10003"/>
+                  </a:ext>
+                </a:extLst>
+              </a:tr>
+              <a:tr h="381000">
+                <a:tc>
+                  <a:txBody>
+                    <a:bodyPr/>
+                    <a:lstStyle/>
+                    <a:p>
+                      <a:pPr algn="l" fontAlgn="b"/>
+                      <a:r>
+                        <a:rPr lang="en-US" sz="1100" b="0" i="0" u="none" strike="noStrike" dirty="0">
+                          <a:solidFill>
+                            <a:schemeClr val="bg1"/>
+                          </a:solidFill>
+                          <a:effectLst/>
+                          <a:latin typeface="Calibri"/>
+                        </a:rPr>
+                        <a:t>Review schematic for errors (includes determining the origin of the reference schematics used in the design.)</a:t>
+                      </a:r>
+                    </a:p>
+                  </a:txBody>
+                  <a:tcPr marL="9525" marR="9525" marT="9525" marB="0" anchor="ctr">
+                    <a:lnL w="12700" cap="flat" cmpd="sng" algn="ctr">
+                      <a:solidFill>
+                        <a:schemeClr val="bg1">
+                          <a:lumMod val="65000"/>
+                        </a:schemeClr>
+                      </a:solidFill>
+                      <a:prstDash val="solid"/>
+                      <a:round/>
+                      <a:headEnd type="none" w="med" len="med"/>
+                      <a:tailEnd type="none" w="med" len="med"/>
+                    </a:lnL>
+                    <a:lnR w="12700" cap="flat" cmpd="sng" algn="ctr">
+                      <a:solidFill>
+                        <a:schemeClr val="bg1">
+                          <a:lumMod val="65000"/>
+                        </a:schemeClr>
+                      </a:solidFill>
+                      <a:prstDash val="solid"/>
+                      <a:round/>
+                      <a:headEnd type="none" w="med" len="med"/>
+                      <a:tailEnd type="none" w="med" len="med"/>
+                    </a:lnR>
+                    <a:lnT w="12700" cap="flat" cmpd="sng" algn="ctr">
+                      <a:solidFill>
+                        <a:schemeClr val="bg1">
+                          <a:lumMod val="65000"/>
+                        </a:schemeClr>
+                      </a:solidFill>
+                      <a:prstDash val="solid"/>
+                      <a:round/>
+                      <a:headEnd type="none" w="med" len="med"/>
+                      <a:tailEnd type="none" w="med" len="med"/>
+                    </a:lnT>
+                    <a:lnB w="12700" cap="flat" cmpd="sng" algn="ctr">
+                      <a:solidFill>
+                        <a:schemeClr val="bg1">
+                          <a:lumMod val="65000"/>
+                        </a:schemeClr>
+                      </a:solidFill>
+                      <a:prstDash val="solid"/>
+                      <a:round/>
+                      <a:headEnd type="none" w="med" len="med"/>
+                      <a:tailEnd type="none" w="med" len="med"/>
+                    </a:lnB>
+                  </a:tcPr>
+                </a:tc>
+                <a:tc>
+                  <a:txBody>
+                    <a:bodyPr/>
+                    <a:lstStyle/>
+                    <a:p>
+                      <a:pPr algn="l" fontAlgn="b"/>
+                      <a:r>
+                        <a:rPr lang="en-US" sz="1100" b="0" i="0" u="none" strike="noStrike" dirty="0">
+                          <a:solidFill>
+                            <a:schemeClr val="bg1"/>
+                          </a:solidFill>
+                          <a:effectLst/>
+                          <a:latin typeface="Calibri"/>
+                        </a:rPr>
+                        <a:t>May 04,2020</a:t>
+                      </a:r>
+                      <a:endParaRPr lang="en-US" sz="1100" b="0" i="0" u="none" strike="noStrike" dirty="0">
+                        <a:solidFill>
+                          <a:schemeClr val="bg1"/>
+                        </a:solidFill>
+                        <a:effectLst/>
+                        <a:latin typeface="Calibri" panose="020F0502020204030204" pitchFamily="34" charset="0"/>
+                      </a:endParaRPr>
+                    </a:p>
+                  </a:txBody>
+                  <a:tcPr marL="9525" marR="9525" marT="9525" marB="0" anchor="b">
+                    <a:lnL w="12700" cap="flat" cmpd="sng" algn="ctr">
+                      <a:solidFill>
+                        <a:schemeClr val="bg1">
+                          <a:lumMod val="65000"/>
+                        </a:schemeClr>
+                      </a:solidFill>
+                      <a:prstDash val="solid"/>
+                      <a:round/>
+                      <a:headEnd type="none" w="med" len="med"/>
+                      <a:tailEnd type="none" w="med" len="med"/>
+                    </a:lnL>
+                    <a:lnR w="12700" cap="flat" cmpd="sng" algn="ctr">
+                      <a:solidFill>
+                        <a:schemeClr val="bg1">
+                          <a:lumMod val="65000"/>
+                        </a:schemeClr>
+                      </a:solidFill>
+                      <a:prstDash val="solid"/>
+                      <a:round/>
+                      <a:headEnd type="none" w="med" len="med"/>
+                      <a:tailEnd type="none" w="med" len="med"/>
+                    </a:lnR>
+                    <a:lnT w="12700" cap="flat" cmpd="sng" algn="ctr">
+                      <a:solidFill>
+                        <a:schemeClr val="bg1">
+                          <a:lumMod val="65000"/>
+                        </a:schemeClr>
+                      </a:solidFill>
+                      <a:prstDash val="solid"/>
+                      <a:round/>
+                      <a:headEnd type="none" w="med" len="med"/>
+                      <a:tailEnd type="none" w="med" len="med"/>
+                    </a:lnT>
+                    <a:lnB w="12700" cap="flat" cmpd="sng" algn="ctr">
+                      <a:solidFill>
+                        <a:schemeClr val="bg1">
+                          <a:lumMod val="65000"/>
+                        </a:schemeClr>
+                      </a:solidFill>
+                      <a:prstDash val="solid"/>
+                      <a:round/>
+                      <a:headEnd type="none" w="med" len="med"/>
+                      <a:tailEnd type="none" w="med" len="med"/>
+                    </a:lnB>
+                  </a:tcPr>
+                </a:tc>
+                <a:tc>
+                  <a:txBody>
+                    <a:bodyPr/>
+                    <a:lstStyle/>
+                    <a:p>
+                      <a:pPr algn="ctr" fontAlgn="ctr"/>
+                      <a:r>
+                        <a:rPr lang="en-US" sz="1100" b="0" i="0" u="none" strike="noStrike" dirty="0">
+                          <a:solidFill>
+                            <a:schemeClr val="bg1"/>
+                          </a:solidFill>
+                          <a:effectLst/>
+                          <a:latin typeface="Calibri"/>
+                        </a:rPr>
+                        <a:t>5</a:t>
+                      </a:r>
+                      <a:endParaRPr lang="en-US" sz="1100" b="0" i="0" u="none" strike="noStrike" dirty="0">
+                        <a:solidFill>
+                          <a:schemeClr val="bg1"/>
+                        </a:solidFill>
+                        <a:effectLst/>
+                        <a:latin typeface="Calibri" panose="020F0502020204030204" pitchFamily="34" charset="0"/>
+                      </a:endParaRPr>
+                    </a:p>
+                  </a:txBody>
+                  <a:tcPr marL="9525" marR="9525" marT="9525" marB="0" anchor="ctr">
+                    <a:lnL w="12700" cap="flat" cmpd="sng" algn="ctr">
+                      <a:solidFill>
+                        <a:schemeClr val="bg1">
+                          <a:lumMod val="65000"/>
+                        </a:schemeClr>
+                      </a:solidFill>
+                      <a:prstDash val="solid"/>
+                      <a:round/>
+                      <a:headEnd type="none" w="med" len="med"/>
+                      <a:tailEnd type="none" w="med" len="med"/>
+                    </a:lnL>
+                    <a:lnR w="12700" cap="flat" cmpd="sng" algn="ctr">
+                      <a:solidFill>
+                        <a:schemeClr val="bg1">
+                          <a:lumMod val="65000"/>
+                        </a:schemeClr>
+                      </a:solidFill>
+                      <a:prstDash val="solid"/>
+                      <a:round/>
+                      <a:headEnd type="none" w="med" len="med"/>
+                      <a:tailEnd type="none" w="med" len="med"/>
+                    </a:lnR>
+                    <a:lnT w="12700" cap="flat" cmpd="sng" algn="ctr">
+                      <a:solidFill>
+                        <a:schemeClr val="bg1">
+                          <a:lumMod val="65000"/>
+                        </a:schemeClr>
+                      </a:solidFill>
+                      <a:prstDash val="solid"/>
+                      <a:round/>
+                      <a:headEnd type="none" w="med" len="med"/>
+                      <a:tailEnd type="none" w="med" len="med"/>
+                    </a:lnT>
+                    <a:lnB w="12700" cap="flat" cmpd="sng" algn="ctr">
+                      <a:solidFill>
+                        <a:schemeClr val="bg1">
+                          <a:lumMod val="65000"/>
+                        </a:schemeClr>
+                      </a:solidFill>
+                      <a:prstDash val="solid"/>
+                      <a:round/>
+                      <a:headEnd type="none" w="med" len="med"/>
+                      <a:tailEnd type="none" w="med" len="med"/>
+                    </a:lnB>
+                  </a:tcPr>
+                </a:tc>
+                <a:extLst>
+                  <a:ext uri="{0D108BD9-81ED-4DB2-BD59-A6C34878D82A}">
+                    <a16:rowId xmlns:a16="http://schemas.microsoft.com/office/drawing/2014/main" val="10004"/>
+                  </a:ext>
+                </a:extLst>
+              </a:tr>
+            </a:tbl>
+          </a:graphicData>
+        </a:graphic>
+      </p:graphicFrame>
+      <p:graphicFrame>
+        <p:nvGraphicFramePr>
+          <p:cNvPr id="4" name="Table 3"/>
+          <p:cNvGraphicFramePr>
+            <a:graphicFrameLocks noGrp="1"/>
+          </p:cNvGraphicFramePr>
+          <p:nvPr>
+            <p:extLst>
+              <p:ext uri="{D42A27DB-BD31-4B8C-83A1-F6EECF244321}">
+                <p14:modId xmlns:p14="http://schemas.microsoft.com/office/powerpoint/2010/main" val="726469976"/>
+              </p:ext>
+            </p:extLst>
+          </p:nvPr>
+        </p:nvGraphicFramePr>
+        <p:xfrm>
+          <a:off x="5841826" y="4114800"/>
+          <a:ext cx="5749969" cy="609600"/>
+        </p:xfrm>
+        <a:graphic>
+          <a:graphicData uri="http://schemas.openxmlformats.org/drawingml/2006/table">
+            <a:tbl>
+              <a:tblPr lastCol="1" bandRow="1">
+                <a:tableStyleId>{2D5ABB26-0587-4C30-8999-92F81FD0307C}</a:tableStyleId>
+              </a:tblPr>
+              <a:tblGrid>
+                <a:gridCol w="5054774">
+                  <a:extLst>
+                    <a:ext uri="{9D8B030D-6E8A-4147-A177-3AD203B41FA5}">
+                      <a16:colId xmlns:a16="http://schemas.microsoft.com/office/drawing/2014/main" val="20000"/>
+                    </a:ext>
+                  </a:extLst>
+                </a:gridCol>
+                <a:gridCol w="695195">
+                  <a:extLst>
+                    <a:ext uri="{9D8B030D-6E8A-4147-A177-3AD203B41FA5}">
+                      <a16:colId xmlns:a16="http://schemas.microsoft.com/office/drawing/2014/main" val="20001"/>
+                    </a:ext>
+                  </a:extLst>
+                </a:gridCol>
+              </a:tblGrid>
+              <a:tr h="609600">
+                <a:tc>
+                  <a:txBody>
+                    <a:bodyPr/>
+                    <a:lstStyle/>
+                    <a:p>
+                      <a:pPr algn="ctr" fontAlgn="b"/>
+                      <a:r>
+                        <a:rPr lang="en-US" sz="1100" u="none" strike="noStrike">
+                          <a:solidFill>
+                            <a:schemeClr val="bg1"/>
+                          </a:solidFill>
+                          <a:effectLst/>
+                        </a:rPr>
+                        <a:t>Estimated time needed to work on </a:t>
+                      </a:r>
+                      <a:r>
+                        <a:rPr lang="en-US" sz="1100" u="none" strike="noStrike" baseline="0">
+                          <a:solidFill>
+                            <a:schemeClr val="bg1"/>
+                          </a:solidFill>
+                          <a:effectLst/>
+                        </a:rPr>
+                        <a:t>goals for this coming week (typ. 13 </a:t>
+                      </a:r>
+                      <a:r>
+                        <a:rPr lang="en-US" sz="1100" u="none" strike="noStrike" baseline="0" err="1">
+                          <a:solidFill>
+                            <a:schemeClr val="bg1"/>
+                          </a:solidFill>
+                          <a:effectLst/>
+                        </a:rPr>
+                        <a:t>hrs</a:t>
+                      </a:r>
+                      <a:r>
+                        <a:rPr lang="en-US" sz="1100" u="none" strike="noStrike" baseline="0">
+                          <a:solidFill>
+                            <a:schemeClr val="bg1"/>
+                          </a:solidFill>
+                          <a:effectLst/>
+                        </a:rPr>
+                        <a:t>)</a:t>
+                      </a:r>
+                      <a:endParaRPr lang="en-US" sz="1100" b="0" i="0" u="none" strike="noStrike">
+                        <a:solidFill>
+                          <a:schemeClr val="bg1"/>
+                        </a:solidFill>
+                        <a:effectLst/>
+                        <a:latin typeface="Calibri" panose="020F0502020204030204" pitchFamily="34" charset="0"/>
+                      </a:endParaRPr>
+                    </a:p>
+                  </a:txBody>
+                  <a:tcPr marL="9525" marR="9525" marT="9525" marB="0" anchor="ctr">
+                    <a:lnL w="12700" cap="flat" cmpd="sng" algn="ctr">
+                      <a:solidFill>
+                        <a:schemeClr val="bg1">
+                          <a:lumMod val="65000"/>
+                        </a:schemeClr>
+                      </a:solidFill>
+                      <a:prstDash val="solid"/>
+                      <a:round/>
+                      <a:headEnd type="none" w="med" len="med"/>
+                      <a:tailEnd type="none" w="med" len="med"/>
+                    </a:lnL>
+                    <a:lnR w="12700" cap="flat" cmpd="sng" algn="ctr">
+                      <a:solidFill>
+                        <a:schemeClr val="bg1">
+                          <a:lumMod val="65000"/>
+                        </a:schemeClr>
+                      </a:solidFill>
+                      <a:prstDash val="solid"/>
+                      <a:round/>
+                      <a:headEnd type="none" w="med" len="med"/>
+                      <a:tailEnd type="none" w="med" len="med"/>
+                    </a:lnR>
+                    <a:lnT w="12700" cap="flat" cmpd="sng" algn="ctr">
+                      <a:solidFill>
+                        <a:schemeClr val="bg1">
+                          <a:lumMod val="65000"/>
+                        </a:schemeClr>
+                      </a:solidFill>
+                      <a:prstDash val="solid"/>
+                      <a:round/>
+                      <a:headEnd type="none" w="med" len="med"/>
+                      <a:tailEnd type="none" w="med" len="med"/>
+                    </a:lnT>
+                    <a:lnB w="12700" cap="flat" cmpd="sng" algn="ctr">
+                      <a:solidFill>
+                        <a:schemeClr val="bg1">
+                          <a:lumMod val="65000"/>
+                        </a:schemeClr>
+                      </a:solidFill>
+                      <a:prstDash val="solid"/>
+                      <a:round/>
+                      <a:headEnd type="none" w="med" len="med"/>
+                      <a:tailEnd type="none" w="med" len="med"/>
+                    </a:lnB>
+                  </a:tcPr>
+                </a:tc>
+                <a:tc>
+                  <a:txBody>
+                    <a:bodyPr/>
+                    <a:lstStyle/>
+                    <a:p>
+                      <a:pPr algn="ctr" fontAlgn="b"/>
+                      <a:r>
+                        <a:rPr lang="en-US" sz="1100" b="0" i="0" u="none" strike="noStrike">
+                          <a:solidFill>
+                            <a:schemeClr val="bg1"/>
+                          </a:solidFill>
+                          <a:effectLst/>
+                          <a:latin typeface="Calibri"/>
+                        </a:rPr>
+                        <a:t>14</a:t>
+                      </a:r>
+                      <a:endParaRPr lang="en-US" sz="1100" b="0" i="0" u="none" strike="noStrike">
+                        <a:solidFill>
+                          <a:schemeClr val="bg1"/>
+                        </a:solidFill>
+                        <a:effectLst/>
+                        <a:latin typeface="Calibri" panose="020F0502020204030204" pitchFamily="34" charset="0"/>
+                      </a:endParaRPr>
+                    </a:p>
+                  </a:txBody>
+                  <a:tcPr marL="9525" marR="9525" marT="9525" marB="0" anchor="ctr">
+                    <a:lnL w="12700" cap="flat" cmpd="sng" algn="ctr">
+                      <a:solidFill>
+                        <a:schemeClr val="bg1">
+                          <a:lumMod val="65000"/>
+                        </a:schemeClr>
+                      </a:solidFill>
+                      <a:prstDash val="solid"/>
+                      <a:round/>
+                      <a:headEnd type="none" w="med" len="med"/>
+                      <a:tailEnd type="none" w="med" len="med"/>
+                    </a:lnL>
+                    <a:lnR w="12700" cap="flat" cmpd="sng" algn="ctr">
+                      <a:solidFill>
+                        <a:schemeClr val="bg1">
+                          <a:lumMod val="65000"/>
+                        </a:schemeClr>
+                      </a:solidFill>
+                      <a:prstDash val="solid"/>
+                      <a:round/>
+                      <a:headEnd type="none" w="med" len="med"/>
+                      <a:tailEnd type="none" w="med" len="med"/>
+                    </a:lnR>
+                    <a:lnT w="12700" cap="flat" cmpd="sng" algn="ctr">
+                      <a:solidFill>
+                        <a:schemeClr val="bg1">
+                          <a:lumMod val="65000"/>
+                        </a:schemeClr>
+                      </a:solidFill>
+                      <a:prstDash val="solid"/>
+                      <a:round/>
+                      <a:headEnd type="none" w="med" len="med"/>
+                      <a:tailEnd type="none" w="med" len="med"/>
+                    </a:lnT>
+                    <a:lnB w="12700" cap="flat" cmpd="sng" algn="ctr">
+                      <a:solidFill>
+                        <a:schemeClr val="bg1">
+                          <a:lumMod val="65000"/>
+                        </a:schemeClr>
+                      </a:solidFill>
+                      <a:prstDash val="solid"/>
+                      <a:round/>
+                      <a:headEnd type="none" w="med" len="med"/>
+                      <a:tailEnd type="none" w="med" len="med"/>
+                    </a:lnB>
+                  </a:tcPr>
+                </a:tc>
+                <a:extLst>
+                  <a:ext uri="{0D108BD9-81ED-4DB2-BD59-A6C34878D82A}">
+                    <a16:rowId xmlns:a16="http://schemas.microsoft.com/office/drawing/2014/main" val="10000"/>
+                  </a:ext>
+                </a:extLst>
+              </a:tr>
+            </a:tbl>
+          </a:graphicData>
+        </a:graphic>
+      </p:graphicFrame>
+    </p:spTree>
+    <p:extLst>
+      <p:ext uri="{BB962C8B-B14F-4D97-AF65-F5344CB8AC3E}">
+        <p14:creationId xmlns:p14="http://schemas.microsoft.com/office/powerpoint/2010/main" val="3580830729"/>
       </p:ext>
     </p:extLst>
   </p:cSld>
